--- a/proj3/proj3_template.pptx
+++ b/proj3/proj3_template.pptx
@@ -1,32 +1,32 @@
 
 <file path=ppt/presentation.xml><?xml version="1.0" encoding="utf-8"?>
-<p:presentation xmlns:a="http://schemas.openxmlformats.org/drawingml/2006/main" xmlns:r="http://schemas.openxmlformats.org/officeDocument/2006/relationships" xmlns:mc="http://schemas.openxmlformats.org/markup-compatibility/2006" xmlns:mv="urn:schemas-microsoft-com:mac:vml" xmlns:p="http://schemas.openxmlformats.org/presentationml/2006/main" xmlns:c="http://schemas.openxmlformats.org/drawingml/2006/chart" xmlns:dgm="http://schemas.openxmlformats.org/drawingml/2006/diagram" xmlns:o="urn:schemas-microsoft-com:office:office" xmlns:v="urn:schemas-microsoft-com:vml" xmlns:pvml="urn:schemas-microsoft-com:office:powerpoint" xmlns:com="http://schemas.openxmlformats.org/drawingml/2006/compatibility" xmlns:p14="http://schemas.microsoft.com/office/powerpoint/2010/main" xmlns:p15="http://schemas.microsoft.com/office/powerpoint/2012/main" xmlns:ahyp="http://schemas.microsoft.com/office/drawing/2018/hyperlinkcolor" autoCompressPictures="0" strictFirstAndLastChars="0" saveSubsetFonts="1">
+<p:presentation xmlns:a="http://schemas.openxmlformats.org/drawingml/2006/main" xmlns:r="http://schemas.openxmlformats.org/officeDocument/2006/relationships" xmlns:p="http://schemas.openxmlformats.org/presentationml/2006/main" strictFirstAndLastChars="0" saveSubsetFonts="1" autoCompressPictures="0">
   <p:sldMasterIdLst>
-    <p:sldMasterId id="2147483660" r:id="rId4"/>
+    <p:sldMasterId id="2147483660" r:id="rId1"/>
   </p:sldMasterIdLst>
   <p:notesMasterIdLst>
-    <p:notesMasterId r:id="rId5"/>
+    <p:notesMasterId r:id="rId16"/>
   </p:notesMasterIdLst>
   <p:sldIdLst>
-    <p:sldId id="256" r:id="rId6"/>
-    <p:sldId id="257" r:id="rId7"/>
-    <p:sldId id="258" r:id="rId8"/>
-    <p:sldId id="259" r:id="rId9"/>
-    <p:sldId id="260" r:id="rId10"/>
-    <p:sldId id="261" r:id="rId11"/>
-    <p:sldId id="262" r:id="rId12"/>
-    <p:sldId id="263" r:id="rId13"/>
-    <p:sldId id="264" r:id="rId14"/>
-    <p:sldId id="265" r:id="rId15"/>
-    <p:sldId id="266" r:id="rId16"/>
-    <p:sldId id="267" r:id="rId17"/>
-    <p:sldId id="268" r:id="rId18"/>
-    <p:sldId id="269" r:id="rId19"/>
+    <p:sldId id="256" r:id="rId2"/>
+    <p:sldId id="257" r:id="rId3"/>
+    <p:sldId id="258" r:id="rId4"/>
+    <p:sldId id="259" r:id="rId5"/>
+    <p:sldId id="260" r:id="rId6"/>
+    <p:sldId id="261" r:id="rId7"/>
+    <p:sldId id="262" r:id="rId8"/>
+    <p:sldId id="263" r:id="rId9"/>
+    <p:sldId id="264" r:id="rId10"/>
+    <p:sldId id="265" r:id="rId11"/>
+    <p:sldId id="266" r:id="rId12"/>
+    <p:sldId id="267" r:id="rId13"/>
+    <p:sldId id="268" r:id="rId14"/>
+    <p:sldId id="269" r:id="rId15"/>
   </p:sldIdLst>
-  <p:sldSz cy="5143500" cx="9144000"/>
+  <p:sldSz cx="9144000" cy="5143500" type="screen16x9"/>
   <p:notesSz cx="6858000" cy="9144000"/>
   <p:defaultTextStyle>
-    <a:defPPr lvl="0" marR="0" rtl="0" algn="l">
+    <a:defPPr marR="0" lvl="0" algn="l" rtl="0">
       <a:lnSpc>
         <a:spcPct val="100000"/>
       </a:lnSpc>
@@ -37,7 +37,7 @@
         <a:spcPts val="0"/>
       </a:spcAft>
     </a:defPPr>
-    <a:lvl1pPr lvl="0" marR="0" rtl="0" algn="l">
+    <a:lvl1pPr marR="0" lvl="0" algn="l" rtl="0">
       <a:lnSpc>
         <a:spcPct val="100000"/>
       </a:lnSpc>
@@ -51,7 +51,7 @@
         <a:srgbClr val="000000"/>
       </a:buClr>
       <a:buFont typeface="Arial"/>
-      <a:defRPr b="0" i="0" sz="1400" u="none" cap="none" strike="noStrike">
+      <a:defRPr sz="1400" b="0" i="0" u="none" strike="noStrike" cap="none">
         <a:solidFill>
           <a:srgbClr val="000000"/>
         </a:solidFill>
@@ -61,7 +61,7 @@
         <a:sym typeface="Arial"/>
       </a:defRPr>
     </a:lvl1pPr>
-    <a:lvl2pPr lvl="1" marR="0" rtl="0" algn="l">
+    <a:lvl2pPr marR="0" lvl="1" algn="l" rtl="0">
       <a:lnSpc>
         <a:spcPct val="100000"/>
       </a:lnSpc>
@@ -75,7 +75,7 @@
         <a:srgbClr val="000000"/>
       </a:buClr>
       <a:buFont typeface="Arial"/>
-      <a:defRPr b="0" i="0" sz="1400" u="none" cap="none" strike="noStrike">
+      <a:defRPr sz="1400" b="0" i="0" u="none" strike="noStrike" cap="none">
         <a:solidFill>
           <a:srgbClr val="000000"/>
         </a:solidFill>
@@ -85,7 +85,7 @@
         <a:sym typeface="Arial"/>
       </a:defRPr>
     </a:lvl2pPr>
-    <a:lvl3pPr lvl="2" marR="0" rtl="0" algn="l">
+    <a:lvl3pPr marR="0" lvl="2" algn="l" rtl="0">
       <a:lnSpc>
         <a:spcPct val="100000"/>
       </a:lnSpc>
@@ -99,7 +99,7 @@
         <a:srgbClr val="000000"/>
       </a:buClr>
       <a:buFont typeface="Arial"/>
-      <a:defRPr b="0" i="0" sz="1400" u="none" cap="none" strike="noStrike">
+      <a:defRPr sz="1400" b="0" i="0" u="none" strike="noStrike" cap="none">
         <a:solidFill>
           <a:srgbClr val="000000"/>
         </a:solidFill>
@@ -109,7 +109,7 @@
         <a:sym typeface="Arial"/>
       </a:defRPr>
     </a:lvl3pPr>
-    <a:lvl4pPr lvl="3" marR="0" rtl="0" algn="l">
+    <a:lvl4pPr marR="0" lvl="3" algn="l" rtl="0">
       <a:lnSpc>
         <a:spcPct val="100000"/>
       </a:lnSpc>
@@ -123,7 +123,7 @@
         <a:srgbClr val="000000"/>
       </a:buClr>
       <a:buFont typeface="Arial"/>
-      <a:defRPr b="0" i="0" sz="1400" u="none" cap="none" strike="noStrike">
+      <a:defRPr sz="1400" b="0" i="0" u="none" strike="noStrike" cap="none">
         <a:solidFill>
           <a:srgbClr val="000000"/>
         </a:solidFill>
@@ -133,7 +133,7 @@
         <a:sym typeface="Arial"/>
       </a:defRPr>
     </a:lvl4pPr>
-    <a:lvl5pPr lvl="4" marR="0" rtl="0" algn="l">
+    <a:lvl5pPr marR="0" lvl="4" algn="l" rtl="0">
       <a:lnSpc>
         <a:spcPct val="100000"/>
       </a:lnSpc>
@@ -147,7 +147,7 @@
         <a:srgbClr val="000000"/>
       </a:buClr>
       <a:buFont typeface="Arial"/>
-      <a:defRPr b="0" i="0" sz="1400" u="none" cap="none" strike="noStrike">
+      <a:defRPr sz="1400" b="0" i="0" u="none" strike="noStrike" cap="none">
         <a:solidFill>
           <a:srgbClr val="000000"/>
         </a:solidFill>
@@ -157,7 +157,7 @@
         <a:sym typeface="Arial"/>
       </a:defRPr>
     </a:lvl5pPr>
-    <a:lvl6pPr lvl="5" marR="0" rtl="0" algn="l">
+    <a:lvl6pPr marR="0" lvl="5" algn="l" rtl="0">
       <a:lnSpc>
         <a:spcPct val="100000"/>
       </a:lnSpc>
@@ -171,7 +171,7 @@
         <a:srgbClr val="000000"/>
       </a:buClr>
       <a:buFont typeface="Arial"/>
-      <a:defRPr b="0" i="0" sz="1400" u="none" cap="none" strike="noStrike">
+      <a:defRPr sz="1400" b="0" i="0" u="none" strike="noStrike" cap="none">
         <a:solidFill>
           <a:srgbClr val="000000"/>
         </a:solidFill>
@@ -181,7 +181,7 @@
         <a:sym typeface="Arial"/>
       </a:defRPr>
     </a:lvl6pPr>
-    <a:lvl7pPr lvl="6" marR="0" rtl="0" algn="l">
+    <a:lvl7pPr marR="0" lvl="6" algn="l" rtl="0">
       <a:lnSpc>
         <a:spcPct val="100000"/>
       </a:lnSpc>
@@ -195,7 +195,7 @@
         <a:srgbClr val="000000"/>
       </a:buClr>
       <a:buFont typeface="Arial"/>
-      <a:defRPr b="0" i="0" sz="1400" u="none" cap="none" strike="noStrike">
+      <a:defRPr sz="1400" b="0" i="0" u="none" strike="noStrike" cap="none">
         <a:solidFill>
           <a:srgbClr val="000000"/>
         </a:solidFill>
@@ -205,7 +205,7 @@
         <a:sym typeface="Arial"/>
       </a:defRPr>
     </a:lvl7pPr>
-    <a:lvl8pPr lvl="7" marR="0" rtl="0" algn="l">
+    <a:lvl8pPr marR="0" lvl="7" algn="l" rtl="0">
       <a:lnSpc>
         <a:spcPct val="100000"/>
       </a:lnSpc>
@@ -219,7 +219,7 @@
         <a:srgbClr val="000000"/>
       </a:buClr>
       <a:buFont typeface="Arial"/>
-      <a:defRPr b="0" i="0" sz="1400" u="none" cap="none" strike="noStrike">
+      <a:defRPr sz="1400" b="0" i="0" u="none" strike="noStrike" cap="none">
         <a:solidFill>
           <a:srgbClr val="000000"/>
         </a:solidFill>
@@ -229,7 +229,7 @@
         <a:sym typeface="Arial"/>
       </a:defRPr>
     </a:lvl8pPr>
-    <a:lvl9pPr lvl="8" marR="0" rtl="0" algn="l">
+    <a:lvl9pPr marR="0" lvl="8" algn="l" rtl="0">
       <a:lnSpc>
         <a:spcPct val="100000"/>
       </a:lnSpc>
@@ -243,7 +243,7 @@
         <a:srgbClr val="000000"/>
       </a:buClr>
       <a:buFont typeface="Arial"/>
-      <a:defRPr b="0" i="0" sz="1400" u="none" cap="none" strike="noStrike">
+      <a:defRPr sz="1400" b="0" i="0" u="none" strike="noStrike" cap="none">
         <a:solidFill>
           <a:srgbClr val="000000"/>
         </a:solidFill>
@@ -256,7 +256,7 @@
   </p:defaultTextStyle>
   <p:extLst>
     <p:ext uri="{EFAFB233-063F-42B5-8137-9DF3F51BA10A}">
-      <p15:sldGuideLst>
+      <p15:sldGuideLst xmlns:p15="http://schemas.microsoft.com/office/powerpoint/2012/main">
         <p15:guide id="1" orient="horz" pos="1620">
           <p15:clr>
             <a:srgbClr val="A4A3A4"/>
@@ -274,11 +274,16 @@
 </file>
 
 <file path=ppt/notesMasters/notesMaster1.xml><?xml version="1.0" encoding="utf-8"?>
-<p:notesMaster xmlns:a="http://schemas.openxmlformats.org/drawingml/2006/main" xmlns:r="http://schemas.openxmlformats.org/officeDocument/2006/relationships" xmlns:mc="http://schemas.openxmlformats.org/markup-compatibility/2006" xmlns:mv="urn:schemas-microsoft-com:mac:vml" xmlns:p="http://schemas.openxmlformats.org/presentationml/2006/main" xmlns:c="http://schemas.openxmlformats.org/drawingml/2006/chart" xmlns:dgm="http://schemas.openxmlformats.org/drawingml/2006/diagram" xmlns:o="urn:schemas-microsoft-com:office:office" xmlns:v="urn:schemas-microsoft-com:vml" xmlns:pvml="urn:schemas-microsoft-com:office:powerpoint" xmlns:com="http://schemas.openxmlformats.org/drawingml/2006/compatibility" xmlns:p14="http://schemas.microsoft.com/office/powerpoint/2010/main" xmlns:p15="http://schemas.microsoft.com/office/powerpoint/2012/main" xmlns:ahyp="http://schemas.microsoft.com/office/drawing/2018/hyperlinkcolor">
+<p:notesMaster xmlns:a="http://schemas.openxmlformats.org/drawingml/2006/main" xmlns:r="http://schemas.openxmlformats.org/officeDocument/2006/relationships" xmlns:p="http://schemas.openxmlformats.org/presentationml/2006/main">
   <p:cSld>
+    <p:bg>
+      <p:bgRef idx="1001">
+        <a:schemeClr val="bg1"/>
+      </p:bgRef>
+    </p:bg>
     <p:spTree>
       <p:nvGrpSpPr>
-        <p:cNvPr id="2" name="Shape 2"/>
+        <p:cNvPr id="1" name="Shape 2"/>
         <p:cNvGrpSpPr/>
         <p:nvPr/>
       </p:nvGrpSpPr>
@@ -293,9 +298,11 @@
       <p:sp>
         <p:nvSpPr>
           <p:cNvPr id="3" name="Google Shape;3;n"/>
-          <p:cNvSpPr/>
+          <p:cNvSpPr>
+            <a:spLocks noGrp="1" noRot="1" noChangeAspect="1"/>
+          </p:cNvSpPr>
           <p:nvPr>
-            <p:ph idx="2" type="sldImg"/>
+            <p:ph type="sldImg" idx="2"/>
           </p:nvPr>
         </p:nvSpPr>
         <p:spPr>
@@ -304,9 +311,13 @@
             <a:ext cx="6096075" cy="3429000"/>
           </a:xfrm>
           <a:custGeom>
-            <a:rect b="b" l="l" r="r" t="t"/>
+            <a:avLst/>
+            <a:gdLst/>
+            <a:ahLst/>
+            <a:cxnLst/>
+            <a:rect l="l" t="t" r="r" b="b"/>
             <a:pathLst>
-              <a:path extrusionOk="0" h="120000" w="120000">
+              <a:path w="120000" h="120000" extrusionOk="0">
                 <a:moveTo>
                   <a:pt x="0" y="0"/>
                 </a:moveTo>
@@ -324,23 +335,25 @@
             </a:pathLst>
           </a:custGeom>
           <a:noFill/>
-          <a:ln cap="flat" cmpd="sng" w="9525">
+          <a:ln w="9525" cap="flat" cmpd="sng">
             <a:solidFill>
               <a:srgbClr val="000000"/>
             </a:solidFill>
             <a:prstDash val="solid"/>
             <a:round/>
-            <a:headEnd len="sm" w="sm" type="none"/>
-            <a:tailEnd len="sm" w="sm" type="none"/>
+            <a:headEnd type="none" w="sm" len="sm"/>
+            <a:tailEnd type="none" w="sm" len="sm"/>
           </a:ln>
         </p:spPr>
       </p:sp>
       <p:sp>
         <p:nvSpPr>
           <p:cNvPr id="4" name="Google Shape;4;n"/>
-          <p:cNvSpPr txBox="1"/>
+          <p:cNvSpPr txBox="1">
+            <a:spLocks noGrp="1"/>
+          </p:cNvSpPr>
           <p:nvPr>
-            <p:ph idx="1" type="body"/>
+            <p:ph type="body" idx="1"/>
           </p:nvPr>
         </p:nvSpPr>
         <p:spPr>
@@ -357,11 +370,11 @@
           </a:ln>
         </p:spPr>
         <p:txBody>
-          <a:bodyPr anchorCtr="0" anchor="t" bIns="91425" lIns="91425" spcFirstLastPara="1" rIns="91425" wrap="square" tIns="91425">
+          <a:bodyPr spcFirstLastPara="1" wrap="square" lIns="91425" tIns="91425" rIns="91425" bIns="91425" anchor="t" anchorCtr="0">
             <a:noAutofit/>
           </a:bodyPr>
           <a:lstStyle>
-            <a:lvl1pPr indent="-298450" lvl="0" marL="457200">
+            <a:lvl1pPr marL="457200" lvl="0" indent="-298450">
               <a:spcBef>
                 <a:spcPts val="0"/>
               </a:spcBef>
@@ -372,7 +385,7 @@
               <a:buChar char="●"/>
               <a:defRPr sz="1100"/>
             </a:lvl1pPr>
-            <a:lvl2pPr indent="-298450" lvl="1" marL="914400">
+            <a:lvl2pPr marL="914400" lvl="1" indent="-298450">
               <a:spcBef>
                 <a:spcPts val="0"/>
               </a:spcBef>
@@ -383,7 +396,7 @@
               <a:buChar char="○"/>
               <a:defRPr sz="1100"/>
             </a:lvl2pPr>
-            <a:lvl3pPr indent="-298450" lvl="2" marL="1371600">
+            <a:lvl3pPr marL="1371600" lvl="2" indent="-298450">
               <a:spcBef>
                 <a:spcPts val="0"/>
               </a:spcBef>
@@ -394,7 +407,7 @@
               <a:buChar char="■"/>
               <a:defRPr sz="1100"/>
             </a:lvl3pPr>
-            <a:lvl4pPr indent="-298450" lvl="3" marL="1828800">
+            <a:lvl4pPr marL="1828800" lvl="3" indent="-298450">
               <a:spcBef>
                 <a:spcPts val="0"/>
               </a:spcBef>
@@ -405,7 +418,7 @@
               <a:buChar char="●"/>
               <a:defRPr sz="1100"/>
             </a:lvl4pPr>
-            <a:lvl5pPr indent="-298450" lvl="4" marL="2286000">
+            <a:lvl5pPr marL="2286000" lvl="4" indent="-298450">
               <a:spcBef>
                 <a:spcPts val="0"/>
               </a:spcBef>
@@ -416,7 +429,7 @@
               <a:buChar char="○"/>
               <a:defRPr sz="1100"/>
             </a:lvl5pPr>
-            <a:lvl6pPr indent="-298450" lvl="5" marL="2743200">
+            <a:lvl6pPr marL="2743200" lvl="5" indent="-298450">
               <a:spcBef>
                 <a:spcPts val="0"/>
               </a:spcBef>
@@ -427,7 +440,7 @@
               <a:buChar char="■"/>
               <a:defRPr sz="1100"/>
             </a:lvl6pPr>
-            <a:lvl7pPr indent="-298450" lvl="6" marL="3200400">
+            <a:lvl7pPr marL="3200400" lvl="6" indent="-298450">
               <a:spcBef>
                 <a:spcPts val="0"/>
               </a:spcBef>
@@ -438,7 +451,7 @@
               <a:buChar char="●"/>
               <a:defRPr sz="1100"/>
             </a:lvl7pPr>
-            <a:lvl8pPr indent="-298450" lvl="7" marL="3657600">
+            <a:lvl8pPr marL="3657600" lvl="7" indent="-298450">
               <a:spcBef>
                 <a:spcPts val="0"/>
               </a:spcBef>
@@ -449,7 +462,7 @@
               <a:buChar char="○"/>
               <a:defRPr sz="1100"/>
             </a:lvl8pPr>
-            <a:lvl9pPr indent="-298450" lvl="8" marL="4114800">
+            <a:lvl9pPr marL="4114800" lvl="8" indent="-298450">
               <a:spcBef>
                 <a:spcPts val="0"/>
               </a:spcBef>
@@ -461,14 +474,16 @@
               <a:defRPr sz="1100"/>
             </a:lvl9pPr>
           </a:lstStyle>
-          <a:p/>
+          <a:p>
+            <a:endParaRPr/>
+          </a:p>
         </p:txBody>
       </p:sp>
     </p:spTree>
   </p:cSld>
-  <p:clrMap accent1="accent1" accent2="accent2" accent3="accent3" accent4="accent4" accent5="accent5" accent6="accent6" bg1="lt1" bg2="dk2" tx1="dk1" tx2="lt2" folHlink="folHlink" hlink="hlink"/>
+  <p:clrMap bg1="lt1" tx1="dk1" bg2="dk2" tx2="lt2" accent1="accent1" accent2="accent2" accent3="accent3" accent4="accent4" accent5="accent5" accent6="accent6" hlink="hlink" folHlink="folHlink"/>
   <p:notesStyle>
-    <a:defPPr lvl="0" marR="0" rtl="0" algn="l">
+    <a:defPPr marR="0" lvl="0" algn="l" rtl="0">
       <a:lnSpc>
         <a:spcPct val="100000"/>
       </a:lnSpc>
@@ -479,7 +494,7 @@
         <a:spcPts val="0"/>
       </a:spcAft>
     </a:defPPr>
-    <a:lvl1pPr lvl="0" marR="0" rtl="0" algn="l">
+    <a:lvl1pPr marR="0" lvl="0" algn="l" rtl="0">
       <a:lnSpc>
         <a:spcPct val="100000"/>
       </a:lnSpc>
@@ -493,7 +508,7 @@
         <a:srgbClr val="000000"/>
       </a:buClr>
       <a:buFont typeface="Arial"/>
-      <a:defRPr b="0" i="0" sz="1400" u="none" cap="none" strike="noStrike">
+      <a:defRPr sz="1400" b="0" i="0" u="none" strike="noStrike" cap="none">
         <a:solidFill>
           <a:srgbClr val="000000"/>
         </a:solidFill>
@@ -503,7 +518,7 @@
         <a:sym typeface="Arial"/>
       </a:defRPr>
     </a:lvl1pPr>
-    <a:lvl2pPr lvl="1" marR="0" rtl="0" algn="l">
+    <a:lvl2pPr marR="0" lvl="1" algn="l" rtl="0">
       <a:lnSpc>
         <a:spcPct val="100000"/>
       </a:lnSpc>
@@ -517,7 +532,7 @@
         <a:srgbClr val="000000"/>
       </a:buClr>
       <a:buFont typeface="Arial"/>
-      <a:defRPr b="0" i="0" sz="1400" u="none" cap="none" strike="noStrike">
+      <a:defRPr sz="1400" b="0" i="0" u="none" strike="noStrike" cap="none">
         <a:solidFill>
           <a:srgbClr val="000000"/>
         </a:solidFill>
@@ -527,7 +542,7 @@
         <a:sym typeface="Arial"/>
       </a:defRPr>
     </a:lvl2pPr>
-    <a:lvl3pPr lvl="2" marR="0" rtl="0" algn="l">
+    <a:lvl3pPr marR="0" lvl="2" algn="l" rtl="0">
       <a:lnSpc>
         <a:spcPct val="100000"/>
       </a:lnSpc>
@@ -541,7 +556,7 @@
         <a:srgbClr val="000000"/>
       </a:buClr>
       <a:buFont typeface="Arial"/>
-      <a:defRPr b="0" i="0" sz="1400" u="none" cap="none" strike="noStrike">
+      <a:defRPr sz="1400" b="0" i="0" u="none" strike="noStrike" cap="none">
         <a:solidFill>
           <a:srgbClr val="000000"/>
         </a:solidFill>
@@ -551,7 +566,7 @@
         <a:sym typeface="Arial"/>
       </a:defRPr>
     </a:lvl3pPr>
-    <a:lvl4pPr lvl="3" marR="0" rtl="0" algn="l">
+    <a:lvl4pPr marR="0" lvl="3" algn="l" rtl="0">
       <a:lnSpc>
         <a:spcPct val="100000"/>
       </a:lnSpc>
@@ -565,7 +580,7 @@
         <a:srgbClr val="000000"/>
       </a:buClr>
       <a:buFont typeface="Arial"/>
-      <a:defRPr b="0" i="0" sz="1400" u="none" cap="none" strike="noStrike">
+      <a:defRPr sz="1400" b="0" i="0" u="none" strike="noStrike" cap="none">
         <a:solidFill>
           <a:srgbClr val="000000"/>
         </a:solidFill>
@@ -575,7 +590,7 @@
         <a:sym typeface="Arial"/>
       </a:defRPr>
     </a:lvl4pPr>
-    <a:lvl5pPr lvl="4" marR="0" rtl="0" algn="l">
+    <a:lvl5pPr marR="0" lvl="4" algn="l" rtl="0">
       <a:lnSpc>
         <a:spcPct val="100000"/>
       </a:lnSpc>
@@ -589,7 +604,7 @@
         <a:srgbClr val="000000"/>
       </a:buClr>
       <a:buFont typeface="Arial"/>
-      <a:defRPr b="0" i="0" sz="1400" u="none" cap="none" strike="noStrike">
+      <a:defRPr sz="1400" b="0" i="0" u="none" strike="noStrike" cap="none">
         <a:solidFill>
           <a:srgbClr val="000000"/>
         </a:solidFill>
@@ -599,7 +614,7 @@
         <a:sym typeface="Arial"/>
       </a:defRPr>
     </a:lvl5pPr>
-    <a:lvl6pPr lvl="5" marR="0" rtl="0" algn="l">
+    <a:lvl6pPr marR="0" lvl="5" algn="l" rtl="0">
       <a:lnSpc>
         <a:spcPct val="100000"/>
       </a:lnSpc>
@@ -613,7 +628,7 @@
         <a:srgbClr val="000000"/>
       </a:buClr>
       <a:buFont typeface="Arial"/>
-      <a:defRPr b="0" i="0" sz="1400" u="none" cap="none" strike="noStrike">
+      <a:defRPr sz="1400" b="0" i="0" u="none" strike="noStrike" cap="none">
         <a:solidFill>
           <a:srgbClr val="000000"/>
         </a:solidFill>
@@ -623,7 +638,7 @@
         <a:sym typeface="Arial"/>
       </a:defRPr>
     </a:lvl6pPr>
-    <a:lvl7pPr lvl="6" marR="0" rtl="0" algn="l">
+    <a:lvl7pPr marR="0" lvl="6" algn="l" rtl="0">
       <a:lnSpc>
         <a:spcPct val="100000"/>
       </a:lnSpc>
@@ -637,7 +652,7 @@
         <a:srgbClr val="000000"/>
       </a:buClr>
       <a:buFont typeface="Arial"/>
-      <a:defRPr b="0" i="0" sz="1400" u="none" cap="none" strike="noStrike">
+      <a:defRPr sz="1400" b="0" i="0" u="none" strike="noStrike" cap="none">
         <a:solidFill>
           <a:srgbClr val="000000"/>
         </a:solidFill>
@@ -647,7 +662,7 @@
         <a:sym typeface="Arial"/>
       </a:defRPr>
     </a:lvl7pPr>
-    <a:lvl8pPr lvl="7" marR="0" rtl="0" algn="l">
+    <a:lvl8pPr marR="0" lvl="7" algn="l" rtl="0">
       <a:lnSpc>
         <a:spcPct val="100000"/>
       </a:lnSpc>
@@ -661,7 +676,7 @@
         <a:srgbClr val="000000"/>
       </a:buClr>
       <a:buFont typeface="Arial"/>
-      <a:defRPr b="0" i="0" sz="1400" u="none" cap="none" strike="noStrike">
+      <a:defRPr sz="1400" b="0" i="0" u="none" strike="noStrike" cap="none">
         <a:solidFill>
           <a:srgbClr val="000000"/>
         </a:solidFill>
@@ -671,7 +686,7 @@
         <a:sym typeface="Arial"/>
       </a:defRPr>
     </a:lvl8pPr>
-    <a:lvl9pPr lvl="8" marR="0" rtl="0" algn="l">
+    <a:lvl9pPr marR="0" lvl="8" algn="l" rtl="0">
       <a:lnSpc>
         <a:spcPct val="100000"/>
       </a:lnSpc>
@@ -685,7 +700,7 @@
         <a:srgbClr val="000000"/>
       </a:buClr>
       <a:buFont typeface="Arial"/>
-      <a:defRPr b="0" i="0" sz="1400" u="none" cap="none" strike="noStrike">
+      <a:defRPr sz="1400" b="0" i="0" u="none" strike="noStrike" cap="none">
         <a:solidFill>
           <a:srgbClr val="000000"/>
         </a:solidFill>
@@ -700,11 +715,11 @@
 </file>
 
 <file path=ppt/notesSlides/notesSlide1.xml><?xml version="1.0" encoding="utf-8"?>
-<p:notes xmlns:a="http://schemas.openxmlformats.org/drawingml/2006/main" xmlns:r="http://schemas.openxmlformats.org/officeDocument/2006/relationships" xmlns:mc="http://schemas.openxmlformats.org/markup-compatibility/2006" xmlns:mv="urn:schemas-microsoft-com:mac:vml" xmlns:p="http://schemas.openxmlformats.org/presentationml/2006/main" xmlns:c="http://schemas.openxmlformats.org/drawingml/2006/chart" xmlns:dgm="http://schemas.openxmlformats.org/drawingml/2006/diagram" xmlns:o="urn:schemas-microsoft-com:office:office" xmlns:v="urn:schemas-microsoft-com:vml" xmlns:pvml="urn:schemas-microsoft-com:office:powerpoint" xmlns:com="http://schemas.openxmlformats.org/drawingml/2006/compatibility" xmlns:p14="http://schemas.microsoft.com/office/powerpoint/2010/main" xmlns:p15="http://schemas.microsoft.com/office/powerpoint/2012/main" xmlns:ahyp="http://schemas.microsoft.com/office/drawing/2018/hyperlinkcolor" showMasterPhAnim="0" showMasterSp="0">
+<p:notes xmlns:a="http://schemas.openxmlformats.org/drawingml/2006/main" xmlns:r="http://schemas.openxmlformats.org/officeDocument/2006/relationships" xmlns:p="http://schemas.openxmlformats.org/presentationml/2006/main" showMasterSp="0" showMasterPhAnim="0">
   <p:cSld>
     <p:spTree>
       <p:nvGrpSpPr>
-        <p:cNvPr id="54" name="Shape 54"/>
+        <p:cNvPr id="1" name="Shape 54"/>
         <p:cNvGrpSpPr/>
         <p:nvPr/>
       </p:nvGrpSpPr>
@@ -719,9 +734,11 @@
       <p:sp>
         <p:nvSpPr>
           <p:cNvPr id="55" name="Google Shape;55;gc0149e431a_3_51:notes"/>
-          <p:cNvSpPr txBox="1"/>
+          <p:cNvSpPr txBox="1">
+            <a:spLocks noGrp="1"/>
+          </p:cNvSpPr>
           <p:nvPr>
-            <p:ph idx="1" type="body"/>
+            <p:ph type="body" idx="1"/>
           </p:nvPr>
         </p:nvSpPr>
         <p:spPr>
@@ -734,12 +751,12 @@
           </a:prstGeom>
         </p:spPr>
         <p:txBody>
-          <a:bodyPr anchorCtr="0" anchor="t" bIns="81475" lIns="81475" spcFirstLastPara="1" rIns="81475" wrap="square" tIns="81475">
+          <a:bodyPr spcFirstLastPara="1" wrap="square" lIns="81475" tIns="81475" rIns="81475" bIns="81475" anchor="t" anchorCtr="0">
             <a:noAutofit/>
           </a:bodyPr>
           <a:lstStyle/>
           <a:p>
-            <a:pPr indent="0" lvl="0" marL="0" rtl="0" algn="l">
+            <a:pPr marL="0" lvl="0" indent="0" algn="l" rtl="0">
               <a:spcBef>
                 <a:spcPts val="0"/>
               </a:spcBef>
@@ -748,9 +765,6 @@
               </a:spcAft>
               <a:buNone/>
             </a:pPr>
-            <a:r>
-              <a:t/>
-            </a:r>
             <a:endParaRPr/>
           </a:p>
         </p:txBody>
@@ -758,20 +772,26 @@
       <p:sp>
         <p:nvSpPr>
           <p:cNvPr id="56" name="Google Shape;56;gc0149e431a_3_51:notes"/>
-          <p:cNvSpPr/>
+          <p:cNvSpPr>
+            <a:spLocks noGrp="1" noRot="1" noChangeAspect="1"/>
+          </p:cNvSpPr>
           <p:nvPr>
-            <p:ph idx="2" type="sldImg"/>
+            <p:ph type="sldImg" idx="2"/>
           </p:nvPr>
         </p:nvSpPr>
         <p:spPr>
           <a:xfrm>
-            <a:off x="1143221" y="685795"/>
-            <a:ext cx="4572221" cy="3429000"/>
+            <a:off x="381000" y="685800"/>
+            <a:ext cx="6096000" cy="3429000"/>
           </a:xfrm>
           <a:custGeom>
-            <a:rect b="b" l="l" r="r" t="t"/>
+            <a:avLst/>
+            <a:gdLst/>
+            <a:ahLst/>
+            <a:cxnLst/>
+            <a:rect l="l" t="t" r="r" b="b"/>
             <a:pathLst>
-              <a:path extrusionOk="0" h="120000" w="120000">
+              <a:path w="120000" h="120000" extrusionOk="0">
                 <a:moveTo>
                   <a:pt x="0" y="0"/>
                 </a:moveTo>
@@ -799,11 +819,11 @@
 </file>
 
 <file path=ppt/notesSlides/notesSlide10.xml><?xml version="1.0" encoding="utf-8"?>
-<p:notes xmlns:a="http://schemas.openxmlformats.org/drawingml/2006/main" xmlns:r="http://schemas.openxmlformats.org/officeDocument/2006/relationships" xmlns:mc="http://schemas.openxmlformats.org/markup-compatibility/2006" xmlns:mv="urn:schemas-microsoft-com:mac:vml" xmlns:p="http://schemas.openxmlformats.org/presentationml/2006/main" xmlns:c="http://schemas.openxmlformats.org/drawingml/2006/chart" xmlns:dgm="http://schemas.openxmlformats.org/drawingml/2006/diagram" xmlns:o="urn:schemas-microsoft-com:office:office" xmlns:v="urn:schemas-microsoft-com:vml" xmlns:pvml="urn:schemas-microsoft-com:office:powerpoint" xmlns:com="http://schemas.openxmlformats.org/drawingml/2006/compatibility" xmlns:p14="http://schemas.microsoft.com/office/powerpoint/2010/main" xmlns:p15="http://schemas.microsoft.com/office/powerpoint/2012/main" xmlns:ahyp="http://schemas.microsoft.com/office/drawing/2018/hyperlinkcolor" showMasterPhAnim="0" showMasterSp="0">
+<p:notes xmlns:a="http://schemas.openxmlformats.org/drawingml/2006/main" xmlns:r="http://schemas.openxmlformats.org/officeDocument/2006/relationships" xmlns:p="http://schemas.openxmlformats.org/presentationml/2006/main" showMasterSp="0" showMasterPhAnim="0">
   <p:cSld>
     <p:spTree>
       <p:nvGrpSpPr>
-        <p:cNvPr id="113" name="Shape 113"/>
+        <p:cNvPr id="1" name="Shape 113"/>
         <p:cNvGrpSpPr/>
         <p:nvPr/>
       </p:nvGrpSpPr>
@@ -818,20 +838,26 @@
       <p:sp>
         <p:nvSpPr>
           <p:cNvPr id="114" name="Google Shape;114;gbe8da4bd33_0_69:notes"/>
-          <p:cNvSpPr/>
+          <p:cNvSpPr>
+            <a:spLocks noGrp="1" noRot="1" noChangeAspect="1"/>
+          </p:cNvSpPr>
           <p:nvPr>
-            <p:ph idx="2" type="sldImg"/>
+            <p:ph type="sldImg" idx="2"/>
           </p:nvPr>
         </p:nvSpPr>
         <p:spPr>
           <a:xfrm>
-            <a:off x="381300" y="685800"/>
+            <a:off x="381000" y="685800"/>
             <a:ext cx="6096000" cy="3429000"/>
           </a:xfrm>
           <a:custGeom>
-            <a:rect b="b" l="l" r="r" t="t"/>
+            <a:avLst/>
+            <a:gdLst/>
+            <a:ahLst/>
+            <a:cxnLst/>
+            <a:rect l="l" t="t" r="r" b="b"/>
             <a:pathLst>
-              <a:path extrusionOk="0" h="120000" w="120000">
+              <a:path w="120000" h="120000" extrusionOk="0">
                 <a:moveTo>
                   <a:pt x="0" y="0"/>
                 </a:moveTo>
@@ -853,9 +879,11 @@
       <p:sp>
         <p:nvSpPr>
           <p:cNvPr id="115" name="Google Shape;115;gbe8da4bd33_0_69:notes"/>
-          <p:cNvSpPr txBox="1"/>
+          <p:cNvSpPr txBox="1">
+            <a:spLocks noGrp="1"/>
+          </p:cNvSpPr>
           <p:nvPr>
-            <p:ph idx="1" type="body"/>
+            <p:ph type="body" idx="1"/>
           </p:nvPr>
         </p:nvSpPr>
         <p:spPr>
@@ -868,12 +896,12 @@
           </a:prstGeom>
         </p:spPr>
         <p:txBody>
-          <a:bodyPr anchorCtr="0" anchor="t" bIns="91425" lIns="91425" spcFirstLastPara="1" rIns="91425" wrap="square" tIns="91425">
+          <a:bodyPr spcFirstLastPara="1" wrap="square" lIns="91425" tIns="91425" rIns="91425" bIns="91425" anchor="t" anchorCtr="0">
             <a:noAutofit/>
           </a:bodyPr>
           <a:lstStyle/>
           <a:p>
-            <a:pPr indent="0" lvl="0" marL="0" rtl="0" algn="l">
+            <a:pPr marL="0" lvl="0" indent="0" algn="l" rtl="0">
               <a:lnSpc>
                 <a:spcPct val="115000"/>
               </a:lnSpc>
@@ -885,9 +913,6 @@
               </a:spcAft>
               <a:buNone/>
             </a:pPr>
-            <a:r>
-              <a:t/>
-            </a:r>
             <a:endParaRPr/>
           </a:p>
         </p:txBody>
@@ -901,11 +926,11 @@
 </file>
 
 <file path=ppt/notesSlides/notesSlide11.xml><?xml version="1.0" encoding="utf-8"?>
-<p:notes xmlns:a="http://schemas.openxmlformats.org/drawingml/2006/main" xmlns:r="http://schemas.openxmlformats.org/officeDocument/2006/relationships" xmlns:mc="http://schemas.openxmlformats.org/markup-compatibility/2006" xmlns:mv="urn:schemas-microsoft-com:mac:vml" xmlns:p="http://schemas.openxmlformats.org/presentationml/2006/main" xmlns:c="http://schemas.openxmlformats.org/drawingml/2006/chart" xmlns:dgm="http://schemas.openxmlformats.org/drawingml/2006/diagram" xmlns:o="urn:schemas-microsoft-com:office:office" xmlns:v="urn:schemas-microsoft-com:vml" xmlns:pvml="urn:schemas-microsoft-com:office:powerpoint" xmlns:com="http://schemas.openxmlformats.org/drawingml/2006/compatibility" xmlns:p14="http://schemas.microsoft.com/office/powerpoint/2010/main" xmlns:p15="http://schemas.microsoft.com/office/powerpoint/2012/main" xmlns:ahyp="http://schemas.microsoft.com/office/drawing/2018/hyperlinkcolor" showMasterPhAnim="0" showMasterSp="0">
+<p:notes xmlns:a="http://schemas.openxmlformats.org/drawingml/2006/main" xmlns:r="http://schemas.openxmlformats.org/officeDocument/2006/relationships" xmlns:p="http://schemas.openxmlformats.org/presentationml/2006/main" showMasterSp="0" showMasterPhAnim="0">
   <p:cSld>
     <p:spTree>
       <p:nvGrpSpPr>
-        <p:cNvPr id="120" name="Shape 120"/>
+        <p:cNvPr id="1" name="Shape 120"/>
         <p:cNvGrpSpPr/>
         <p:nvPr/>
       </p:nvGrpSpPr>
@@ -920,20 +945,26 @@
       <p:sp>
         <p:nvSpPr>
           <p:cNvPr id="121" name="Google Shape;121;gbe8da4bd33_0_75:notes"/>
-          <p:cNvSpPr/>
+          <p:cNvSpPr>
+            <a:spLocks noGrp="1" noRot="1" noChangeAspect="1"/>
+          </p:cNvSpPr>
           <p:nvPr>
-            <p:ph idx="2" type="sldImg"/>
+            <p:ph type="sldImg" idx="2"/>
           </p:nvPr>
         </p:nvSpPr>
         <p:spPr>
           <a:xfrm>
-            <a:off x="381300" y="685800"/>
+            <a:off x="381000" y="685800"/>
             <a:ext cx="6096000" cy="3429000"/>
           </a:xfrm>
           <a:custGeom>
-            <a:rect b="b" l="l" r="r" t="t"/>
+            <a:avLst/>
+            <a:gdLst/>
+            <a:ahLst/>
+            <a:cxnLst/>
+            <a:rect l="l" t="t" r="r" b="b"/>
             <a:pathLst>
-              <a:path extrusionOk="0" h="120000" w="120000">
+              <a:path w="120000" h="120000" extrusionOk="0">
                 <a:moveTo>
                   <a:pt x="0" y="0"/>
                 </a:moveTo>
@@ -955,9 +986,11 @@
       <p:sp>
         <p:nvSpPr>
           <p:cNvPr id="122" name="Google Shape;122;gbe8da4bd33_0_75:notes"/>
-          <p:cNvSpPr txBox="1"/>
+          <p:cNvSpPr txBox="1">
+            <a:spLocks noGrp="1"/>
+          </p:cNvSpPr>
           <p:nvPr>
-            <p:ph idx="1" type="body"/>
+            <p:ph type="body" idx="1"/>
           </p:nvPr>
         </p:nvSpPr>
         <p:spPr>
@@ -970,12 +1003,12 @@
           </a:prstGeom>
         </p:spPr>
         <p:txBody>
-          <a:bodyPr anchorCtr="0" anchor="t" bIns="91425" lIns="91425" spcFirstLastPara="1" rIns="91425" wrap="square" tIns="91425">
+          <a:bodyPr spcFirstLastPara="1" wrap="square" lIns="91425" tIns="91425" rIns="91425" bIns="91425" anchor="t" anchorCtr="0">
             <a:noAutofit/>
           </a:bodyPr>
           <a:lstStyle/>
           <a:p>
-            <a:pPr indent="0" lvl="0" marL="0" rtl="0" algn="l">
+            <a:pPr marL="0" lvl="0" indent="0" algn="l" rtl="0">
               <a:spcBef>
                 <a:spcPts val="0"/>
               </a:spcBef>
@@ -984,9 +1017,6 @@
               </a:spcAft>
               <a:buNone/>
             </a:pPr>
-            <a:r>
-              <a:t/>
-            </a:r>
             <a:endParaRPr/>
           </a:p>
         </p:txBody>
@@ -1000,11 +1030,11 @@
 </file>
 
 <file path=ppt/notesSlides/notesSlide12.xml><?xml version="1.0" encoding="utf-8"?>
-<p:notes xmlns:a="http://schemas.openxmlformats.org/drawingml/2006/main" xmlns:r="http://schemas.openxmlformats.org/officeDocument/2006/relationships" xmlns:mc="http://schemas.openxmlformats.org/markup-compatibility/2006" xmlns:mv="urn:schemas-microsoft-com:mac:vml" xmlns:p="http://schemas.openxmlformats.org/presentationml/2006/main" xmlns:c="http://schemas.openxmlformats.org/drawingml/2006/chart" xmlns:dgm="http://schemas.openxmlformats.org/drawingml/2006/diagram" xmlns:o="urn:schemas-microsoft-com:office:office" xmlns:v="urn:schemas-microsoft-com:vml" xmlns:pvml="urn:schemas-microsoft-com:office:powerpoint" xmlns:com="http://schemas.openxmlformats.org/drawingml/2006/compatibility" xmlns:p14="http://schemas.microsoft.com/office/powerpoint/2010/main" xmlns:p15="http://schemas.microsoft.com/office/powerpoint/2012/main" xmlns:ahyp="http://schemas.microsoft.com/office/drawing/2018/hyperlinkcolor" showMasterPhAnim="0" showMasterSp="0">
+<p:notes xmlns:a="http://schemas.openxmlformats.org/drawingml/2006/main" xmlns:r="http://schemas.openxmlformats.org/officeDocument/2006/relationships" xmlns:p="http://schemas.openxmlformats.org/presentationml/2006/main" showMasterSp="0" showMasterPhAnim="0">
   <p:cSld>
     <p:spTree>
       <p:nvGrpSpPr>
-        <p:cNvPr id="127" name="Shape 127"/>
+        <p:cNvPr id="1" name="Shape 127"/>
         <p:cNvGrpSpPr/>
         <p:nvPr/>
       </p:nvGrpSpPr>
@@ -1019,20 +1049,26 @@
       <p:sp>
         <p:nvSpPr>
           <p:cNvPr id="128" name="Google Shape;128;gbe8da4bd33_0_81:notes"/>
-          <p:cNvSpPr/>
+          <p:cNvSpPr>
+            <a:spLocks noGrp="1" noRot="1" noChangeAspect="1"/>
+          </p:cNvSpPr>
           <p:nvPr>
-            <p:ph idx="2" type="sldImg"/>
+            <p:ph type="sldImg" idx="2"/>
           </p:nvPr>
         </p:nvSpPr>
         <p:spPr>
           <a:xfrm>
-            <a:off x="381300" y="685800"/>
+            <a:off x="381000" y="685800"/>
             <a:ext cx="6096000" cy="3429000"/>
           </a:xfrm>
           <a:custGeom>
-            <a:rect b="b" l="l" r="r" t="t"/>
+            <a:avLst/>
+            <a:gdLst/>
+            <a:ahLst/>
+            <a:cxnLst/>
+            <a:rect l="l" t="t" r="r" b="b"/>
             <a:pathLst>
-              <a:path extrusionOk="0" h="120000" w="120000">
+              <a:path w="120000" h="120000" extrusionOk="0">
                 <a:moveTo>
                   <a:pt x="0" y="0"/>
                 </a:moveTo>
@@ -1054,9 +1090,11 @@
       <p:sp>
         <p:nvSpPr>
           <p:cNvPr id="129" name="Google Shape;129;gbe8da4bd33_0_81:notes"/>
-          <p:cNvSpPr txBox="1"/>
+          <p:cNvSpPr txBox="1">
+            <a:spLocks noGrp="1"/>
+          </p:cNvSpPr>
           <p:nvPr>
-            <p:ph idx="1" type="body"/>
+            <p:ph type="body" idx="1"/>
           </p:nvPr>
         </p:nvSpPr>
         <p:spPr>
@@ -1069,12 +1107,12 @@
           </a:prstGeom>
         </p:spPr>
         <p:txBody>
-          <a:bodyPr anchorCtr="0" anchor="t" bIns="91425" lIns="91425" spcFirstLastPara="1" rIns="91425" wrap="square" tIns="91425">
+          <a:bodyPr spcFirstLastPara="1" wrap="square" lIns="91425" tIns="91425" rIns="91425" bIns="91425" anchor="t" anchorCtr="0">
             <a:noAutofit/>
           </a:bodyPr>
           <a:lstStyle/>
           <a:p>
-            <a:pPr indent="0" lvl="0" marL="0" rtl="0" algn="l">
+            <a:pPr marL="0" lvl="0" indent="0" algn="l" rtl="0">
               <a:spcBef>
                 <a:spcPts val="0"/>
               </a:spcBef>
@@ -1087,9 +1125,6 @@
               <a:buFont typeface="Arial"/>
               <a:buNone/>
             </a:pPr>
-            <a:r>
-              <a:t/>
-            </a:r>
             <a:endParaRPr/>
           </a:p>
         </p:txBody>
@@ -1103,11 +1138,11 @@
 </file>
 
 <file path=ppt/notesSlides/notesSlide13.xml><?xml version="1.0" encoding="utf-8"?>
-<p:notes xmlns:a="http://schemas.openxmlformats.org/drawingml/2006/main" xmlns:r="http://schemas.openxmlformats.org/officeDocument/2006/relationships" xmlns:mc="http://schemas.openxmlformats.org/markup-compatibility/2006" xmlns:mv="urn:schemas-microsoft-com:mac:vml" xmlns:p="http://schemas.openxmlformats.org/presentationml/2006/main" xmlns:c="http://schemas.openxmlformats.org/drawingml/2006/chart" xmlns:dgm="http://schemas.openxmlformats.org/drawingml/2006/diagram" xmlns:o="urn:schemas-microsoft-com:office:office" xmlns:v="urn:schemas-microsoft-com:vml" xmlns:pvml="urn:schemas-microsoft-com:office:powerpoint" xmlns:com="http://schemas.openxmlformats.org/drawingml/2006/compatibility" xmlns:p14="http://schemas.microsoft.com/office/powerpoint/2010/main" xmlns:p15="http://schemas.microsoft.com/office/powerpoint/2012/main" xmlns:ahyp="http://schemas.microsoft.com/office/drawing/2018/hyperlinkcolor" showMasterPhAnim="0" showMasterSp="0">
+<p:notes xmlns:a="http://schemas.openxmlformats.org/drawingml/2006/main" xmlns:r="http://schemas.openxmlformats.org/officeDocument/2006/relationships" xmlns:p="http://schemas.openxmlformats.org/presentationml/2006/main" showMasterSp="0" showMasterPhAnim="0">
   <p:cSld>
     <p:spTree>
       <p:nvGrpSpPr>
-        <p:cNvPr id="134" name="Shape 134"/>
+        <p:cNvPr id="1" name="Shape 134"/>
         <p:cNvGrpSpPr/>
         <p:nvPr/>
       </p:nvGrpSpPr>
@@ -1122,9 +1157,11 @@
       <p:sp>
         <p:nvSpPr>
           <p:cNvPr id="135" name="Google Shape;135;gc0149e431a_1_6:notes"/>
-          <p:cNvSpPr txBox="1"/>
+          <p:cNvSpPr txBox="1">
+            <a:spLocks noGrp="1"/>
+          </p:cNvSpPr>
           <p:nvPr>
-            <p:ph idx="1" type="body"/>
+            <p:ph type="body" idx="1"/>
           </p:nvPr>
         </p:nvSpPr>
         <p:spPr>
@@ -1137,12 +1174,12 @@
           </a:prstGeom>
         </p:spPr>
         <p:txBody>
-          <a:bodyPr anchorCtr="0" anchor="t" bIns="81475" lIns="81475" spcFirstLastPara="1" rIns="81475" wrap="square" tIns="81475">
+          <a:bodyPr spcFirstLastPara="1" wrap="square" lIns="81475" tIns="81475" rIns="81475" bIns="81475" anchor="t" anchorCtr="0">
             <a:noAutofit/>
           </a:bodyPr>
           <a:lstStyle/>
           <a:p>
-            <a:pPr indent="0" lvl="0" marL="0" rtl="0" algn="l">
+            <a:pPr marL="0" lvl="0" indent="0" algn="l" rtl="0">
               <a:spcBef>
                 <a:spcPts val="0"/>
               </a:spcBef>
@@ -1151,9 +1188,6 @@
               </a:spcAft>
               <a:buNone/>
             </a:pPr>
-            <a:r>
-              <a:t/>
-            </a:r>
             <a:endParaRPr/>
           </a:p>
         </p:txBody>
@@ -1161,20 +1195,26 @@
       <p:sp>
         <p:nvSpPr>
           <p:cNvPr id="136" name="Google Shape;136;gc0149e431a_1_6:notes"/>
-          <p:cNvSpPr/>
+          <p:cNvSpPr>
+            <a:spLocks noGrp="1" noRot="1" noChangeAspect="1"/>
+          </p:cNvSpPr>
           <p:nvPr>
-            <p:ph idx="2" type="sldImg"/>
+            <p:ph type="sldImg" idx="2"/>
           </p:nvPr>
         </p:nvSpPr>
         <p:spPr>
           <a:xfrm>
-            <a:off x="1143221" y="685795"/>
-            <a:ext cx="4572300" cy="3429000"/>
+            <a:off x="381000" y="685800"/>
+            <a:ext cx="6096000" cy="3429000"/>
           </a:xfrm>
           <a:custGeom>
-            <a:rect b="b" l="l" r="r" t="t"/>
+            <a:avLst/>
+            <a:gdLst/>
+            <a:ahLst/>
+            <a:cxnLst/>
+            <a:rect l="l" t="t" r="r" b="b"/>
             <a:pathLst>
-              <a:path extrusionOk="0" h="120000" w="120000">
+              <a:path w="120000" h="120000" extrusionOk="0">
                 <a:moveTo>
                   <a:pt x="0" y="0"/>
                 </a:moveTo>
@@ -1202,11 +1242,11 @@
 </file>
 
 <file path=ppt/notesSlides/notesSlide14.xml><?xml version="1.0" encoding="utf-8"?>
-<p:notes xmlns:a="http://schemas.openxmlformats.org/drawingml/2006/main" xmlns:r="http://schemas.openxmlformats.org/officeDocument/2006/relationships" xmlns:mc="http://schemas.openxmlformats.org/markup-compatibility/2006" xmlns:mv="urn:schemas-microsoft-com:mac:vml" xmlns:p="http://schemas.openxmlformats.org/presentationml/2006/main" xmlns:c="http://schemas.openxmlformats.org/drawingml/2006/chart" xmlns:dgm="http://schemas.openxmlformats.org/drawingml/2006/diagram" xmlns:o="urn:schemas-microsoft-com:office:office" xmlns:v="urn:schemas-microsoft-com:vml" xmlns:pvml="urn:schemas-microsoft-com:office:powerpoint" xmlns:com="http://schemas.openxmlformats.org/drawingml/2006/compatibility" xmlns:p14="http://schemas.microsoft.com/office/powerpoint/2010/main" xmlns:p15="http://schemas.microsoft.com/office/powerpoint/2012/main" xmlns:ahyp="http://schemas.microsoft.com/office/drawing/2018/hyperlinkcolor" showMasterPhAnim="0" showMasterSp="0">
+<p:notes xmlns:a="http://schemas.openxmlformats.org/drawingml/2006/main" xmlns:r="http://schemas.openxmlformats.org/officeDocument/2006/relationships" xmlns:p="http://schemas.openxmlformats.org/presentationml/2006/main" showMasterSp="0" showMasterPhAnim="0">
   <p:cSld>
     <p:spTree>
       <p:nvGrpSpPr>
-        <p:cNvPr id="140" name="Shape 140"/>
+        <p:cNvPr id="1" name="Shape 140"/>
         <p:cNvGrpSpPr/>
         <p:nvPr/>
       </p:nvGrpSpPr>
@@ -1221,9 +1261,11 @@
       <p:sp>
         <p:nvSpPr>
           <p:cNvPr id="141" name="Google Shape;141;g79ace40975_0_1:notes"/>
-          <p:cNvSpPr txBox="1"/>
+          <p:cNvSpPr txBox="1">
+            <a:spLocks noGrp="1"/>
+          </p:cNvSpPr>
           <p:nvPr>
-            <p:ph idx="1" type="body"/>
+            <p:ph type="body" idx="1"/>
           </p:nvPr>
         </p:nvSpPr>
         <p:spPr>
@@ -1236,12 +1278,12 @@
           </a:prstGeom>
         </p:spPr>
         <p:txBody>
-          <a:bodyPr anchorCtr="0" anchor="t" bIns="81475" lIns="81475" spcFirstLastPara="1" rIns="81475" wrap="square" tIns="81475">
+          <a:bodyPr spcFirstLastPara="1" wrap="square" lIns="81475" tIns="81475" rIns="81475" bIns="81475" anchor="t" anchorCtr="0">
             <a:noAutofit/>
           </a:bodyPr>
           <a:lstStyle/>
           <a:p>
-            <a:pPr indent="0" lvl="0" marL="0" rtl="0" algn="l">
+            <a:pPr marL="0" lvl="0" indent="0" algn="l" rtl="0">
               <a:spcBef>
                 <a:spcPts val="0"/>
               </a:spcBef>
@@ -1250,9 +1292,6 @@
               </a:spcAft>
               <a:buNone/>
             </a:pPr>
-            <a:r>
-              <a:t/>
-            </a:r>
             <a:endParaRPr/>
           </a:p>
         </p:txBody>
@@ -1260,20 +1299,26 @@
       <p:sp>
         <p:nvSpPr>
           <p:cNvPr id="142" name="Google Shape;142;g79ace40975_0_1:notes"/>
-          <p:cNvSpPr/>
+          <p:cNvSpPr>
+            <a:spLocks noGrp="1" noRot="1" noChangeAspect="1"/>
+          </p:cNvSpPr>
           <p:nvPr>
-            <p:ph idx="2" type="sldImg"/>
+            <p:ph type="sldImg" idx="2"/>
           </p:nvPr>
         </p:nvSpPr>
         <p:spPr>
           <a:xfrm>
-            <a:off x="1143221" y="685795"/>
-            <a:ext cx="4572300" cy="3429000"/>
+            <a:off x="381000" y="685800"/>
+            <a:ext cx="6096000" cy="3429000"/>
           </a:xfrm>
           <a:custGeom>
-            <a:rect b="b" l="l" r="r" t="t"/>
+            <a:avLst/>
+            <a:gdLst/>
+            <a:ahLst/>
+            <a:cxnLst/>
+            <a:rect l="l" t="t" r="r" b="b"/>
             <a:pathLst>
-              <a:path extrusionOk="0" h="120000" w="120000">
+              <a:path w="120000" h="120000" extrusionOk="0">
                 <a:moveTo>
                   <a:pt x="0" y="0"/>
                 </a:moveTo>
@@ -1301,11 +1346,11 @@
 </file>
 
 <file path=ppt/notesSlides/notesSlide2.xml><?xml version="1.0" encoding="utf-8"?>
-<p:notes xmlns:a="http://schemas.openxmlformats.org/drawingml/2006/main" xmlns:r="http://schemas.openxmlformats.org/officeDocument/2006/relationships" xmlns:mc="http://schemas.openxmlformats.org/markup-compatibility/2006" xmlns:mv="urn:schemas-microsoft-com:mac:vml" xmlns:p="http://schemas.openxmlformats.org/presentationml/2006/main" xmlns:c="http://schemas.openxmlformats.org/drawingml/2006/chart" xmlns:dgm="http://schemas.openxmlformats.org/drawingml/2006/diagram" xmlns:o="urn:schemas-microsoft-com:office:office" xmlns:v="urn:schemas-microsoft-com:vml" xmlns:pvml="urn:schemas-microsoft-com:office:powerpoint" xmlns:com="http://schemas.openxmlformats.org/drawingml/2006/compatibility" xmlns:p14="http://schemas.microsoft.com/office/powerpoint/2010/main" xmlns:p15="http://schemas.microsoft.com/office/powerpoint/2012/main" xmlns:ahyp="http://schemas.microsoft.com/office/drawing/2018/hyperlinkcolor" showMasterPhAnim="0" showMasterSp="0">
+<p:notes xmlns:a="http://schemas.openxmlformats.org/drawingml/2006/main" xmlns:r="http://schemas.openxmlformats.org/officeDocument/2006/relationships" xmlns:p="http://schemas.openxmlformats.org/presentationml/2006/main" showMasterSp="0" showMasterPhAnim="0">
   <p:cSld>
     <p:spTree>
       <p:nvGrpSpPr>
-        <p:cNvPr id="60" name="Shape 60"/>
+        <p:cNvPr id="1" name="Shape 60"/>
         <p:cNvGrpSpPr/>
         <p:nvPr/>
       </p:nvGrpSpPr>
@@ -1320,20 +1365,26 @@
       <p:sp>
         <p:nvSpPr>
           <p:cNvPr id="61" name="Google Shape;61;gbe8da4bd33_0_10:notes"/>
-          <p:cNvSpPr/>
+          <p:cNvSpPr>
+            <a:spLocks noGrp="1" noRot="1" noChangeAspect="1"/>
+          </p:cNvSpPr>
           <p:nvPr>
-            <p:ph idx="2" type="sldImg"/>
+            <p:ph type="sldImg" idx="2"/>
           </p:nvPr>
         </p:nvSpPr>
         <p:spPr>
           <a:xfrm>
-            <a:off x="381300" y="685800"/>
+            <a:off x="381000" y="685800"/>
             <a:ext cx="6096000" cy="3429000"/>
           </a:xfrm>
           <a:custGeom>
-            <a:rect b="b" l="l" r="r" t="t"/>
+            <a:avLst/>
+            <a:gdLst/>
+            <a:ahLst/>
+            <a:cxnLst/>
+            <a:rect l="l" t="t" r="r" b="b"/>
             <a:pathLst>
-              <a:path extrusionOk="0" h="120000" w="120000">
+              <a:path w="120000" h="120000" extrusionOk="0">
                 <a:moveTo>
                   <a:pt x="0" y="0"/>
                 </a:moveTo>
@@ -1355,9 +1406,11 @@
       <p:sp>
         <p:nvSpPr>
           <p:cNvPr id="62" name="Google Shape;62;gbe8da4bd33_0_10:notes"/>
-          <p:cNvSpPr txBox="1"/>
+          <p:cNvSpPr txBox="1">
+            <a:spLocks noGrp="1"/>
+          </p:cNvSpPr>
           <p:nvPr>
-            <p:ph idx="1" type="body"/>
+            <p:ph type="body" idx="1"/>
           </p:nvPr>
         </p:nvSpPr>
         <p:spPr>
@@ -1370,12 +1423,12 @@
           </a:prstGeom>
         </p:spPr>
         <p:txBody>
-          <a:bodyPr anchorCtr="0" anchor="t" bIns="91425" lIns="91425" spcFirstLastPara="1" rIns="91425" wrap="square" tIns="91425">
+          <a:bodyPr spcFirstLastPara="1" wrap="square" lIns="91425" tIns="91425" rIns="91425" bIns="91425" anchor="t" anchorCtr="0">
             <a:noAutofit/>
           </a:bodyPr>
           <a:lstStyle/>
           <a:p>
-            <a:pPr indent="0" lvl="0" marL="0" rtl="0" algn="l">
+            <a:pPr marL="0" lvl="0" indent="0" algn="l" rtl="0">
               <a:spcBef>
                 <a:spcPts val="0"/>
               </a:spcBef>
@@ -1384,10 +1437,7 @@
               </a:spcAft>
               <a:buNone/>
             </a:pPr>
-            <a:r>
-              <a:t/>
-            </a:r>
-            <a:endParaRPr/>
+            <a:endParaRPr dirty="0"/>
           </a:p>
         </p:txBody>
       </p:sp>
@@ -1400,11 +1450,11 @@
 </file>
 
 <file path=ppt/notesSlides/notesSlide3.xml><?xml version="1.0" encoding="utf-8"?>
-<p:notes xmlns:a="http://schemas.openxmlformats.org/drawingml/2006/main" xmlns:r="http://schemas.openxmlformats.org/officeDocument/2006/relationships" xmlns:mc="http://schemas.openxmlformats.org/markup-compatibility/2006" xmlns:mv="urn:schemas-microsoft-com:mac:vml" xmlns:p="http://schemas.openxmlformats.org/presentationml/2006/main" xmlns:c="http://schemas.openxmlformats.org/drawingml/2006/chart" xmlns:dgm="http://schemas.openxmlformats.org/drawingml/2006/diagram" xmlns:o="urn:schemas-microsoft-com:office:office" xmlns:v="urn:schemas-microsoft-com:vml" xmlns:pvml="urn:schemas-microsoft-com:office:powerpoint" xmlns:com="http://schemas.openxmlformats.org/drawingml/2006/compatibility" xmlns:p14="http://schemas.microsoft.com/office/powerpoint/2010/main" xmlns:p15="http://schemas.microsoft.com/office/powerpoint/2012/main" xmlns:ahyp="http://schemas.microsoft.com/office/drawing/2018/hyperlinkcolor" showMasterPhAnim="0" showMasterSp="0">
+<p:notes xmlns:a="http://schemas.openxmlformats.org/drawingml/2006/main" xmlns:r="http://schemas.openxmlformats.org/officeDocument/2006/relationships" xmlns:p="http://schemas.openxmlformats.org/presentationml/2006/main" showMasterSp="0" showMasterPhAnim="0">
   <p:cSld>
     <p:spTree>
       <p:nvGrpSpPr>
-        <p:cNvPr id="67" name="Shape 67"/>
+        <p:cNvPr id="1" name="Shape 67"/>
         <p:cNvGrpSpPr/>
         <p:nvPr/>
       </p:nvGrpSpPr>
@@ -1419,20 +1469,26 @@
       <p:sp>
         <p:nvSpPr>
           <p:cNvPr id="68" name="Google Shape;68;gbe8da4bd33_0_87:notes"/>
-          <p:cNvSpPr/>
+          <p:cNvSpPr>
+            <a:spLocks noGrp="1" noRot="1" noChangeAspect="1"/>
+          </p:cNvSpPr>
           <p:nvPr>
-            <p:ph idx="2" type="sldImg"/>
+            <p:ph type="sldImg" idx="2"/>
           </p:nvPr>
         </p:nvSpPr>
         <p:spPr>
           <a:xfrm>
-            <a:off x="381300" y="685800"/>
+            <a:off x="381000" y="685800"/>
             <a:ext cx="6096000" cy="3429000"/>
           </a:xfrm>
           <a:custGeom>
-            <a:rect b="b" l="l" r="r" t="t"/>
+            <a:avLst/>
+            <a:gdLst/>
+            <a:ahLst/>
+            <a:cxnLst/>
+            <a:rect l="l" t="t" r="r" b="b"/>
             <a:pathLst>
-              <a:path extrusionOk="0" h="120000" w="120000">
+              <a:path w="120000" h="120000" extrusionOk="0">
                 <a:moveTo>
                   <a:pt x="0" y="0"/>
                 </a:moveTo>
@@ -1454,9 +1510,11 @@
       <p:sp>
         <p:nvSpPr>
           <p:cNvPr id="69" name="Google Shape;69;gbe8da4bd33_0_87:notes"/>
-          <p:cNvSpPr txBox="1"/>
+          <p:cNvSpPr txBox="1">
+            <a:spLocks noGrp="1"/>
+          </p:cNvSpPr>
           <p:nvPr>
-            <p:ph idx="1" type="body"/>
+            <p:ph type="body" idx="1"/>
           </p:nvPr>
         </p:nvSpPr>
         <p:spPr>
@@ -1469,12 +1527,12 @@
           </a:prstGeom>
         </p:spPr>
         <p:txBody>
-          <a:bodyPr anchorCtr="0" anchor="t" bIns="91425" lIns="91425" spcFirstLastPara="1" rIns="91425" wrap="square" tIns="91425">
+          <a:bodyPr spcFirstLastPara="1" wrap="square" lIns="91425" tIns="91425" rIns="91425" bIns="91425" anchor="t" anchorCtr="0">
             <a:noAutofit/>
           </a:bodyPr>
           <a:lstStyle/>
           <a:p>
-            <a:pPr indent="0" lvl="0" marL="0" rtl="0" algn="l">
+            <a:pPr marL="0" lvl="0" indent="0" algn="l" rtl="0">
               <a:spcBef>
                 <a:spcPts val="0"/>
               </a:spcBef>
@@ -1483,10 +1541,7 @@
               </a:spcAft>
               <a:buNone/>
             </a:pPr>
-            <a:r>
-              <a:t/>
-            </a:r>
-            <a:endParaRPr/>
+            <a:endParaRPr dirty="0"/>
           </a:p>
         </p:txBody>
       </p:sp>
@@ -1499,11 +1554,11 @@
 </file>
 
 <file path=ppt/notesSlides/notesSlide4.xml><?xml version="1.0" encoding="utf-8"?>
-<p:notes xmlns:a="http://schemas.openxmlformats.org/drawingml/2006/main" xmlns:r="http://schemas.openxmlformats.org/officeDocument/2006/relationships" xmlns:mc="http://schemas.openxmlformats.org/markup-compatibility/2006" xmlns:mv="urn:schemas-microsoft-com:mac:vml" xmlns:p="http://schemas.openxmlformats.org/presentationml/2006/main" xmlns:c="http://schemas.openxmlformats.org/drawingml/2006/chart" xmlns:dgm="http://schemas.openxmlformats.org/drawingml/2006/diagram" xmlns:o="urn:schemas-microsoft-com:office:office" xmlns:v="urn:schemas-microsoft-com:vml" xmlns:pvml="urn:schemas-microsoft-com:office:powerpoint" xmlns:com="http://schemas.openxmlformats.org/drawingml/2006/compatibility" xmlns:p14="http://schemas.microsoft.com/office/powerpoint/2010/main" xmlns:p15="http://schemas.microsoft.com/office/powerpoint/2012/main" xmlns:ahyp="http://schemas.microsoft.com/office/drawing/2018/hyperlinkcolor" showMasterPhAnim="0" showMasterSp="0">
+<p:notes xmlns:a="http://schemas.openxmlformats.org/drawingml/2006/main" xmlns:r="http://schemas.openxmlformats.org/officeDocument/2006/relationships" xmlns:p="http://schemas.openxmlformats.org/presentationml/2006/main" showMasterSp="0" showMasterPhAnim="0">
   <p:cSld>
     <p:spTree>
       <p:nvGrpSpPr>
-        <p:cNvPr id="74" name="Shape 74"/>
+        <p:cNvPr id="1" name="Shape 74"/>
         <p:cNvGrpSpPr/>
         <p:nvPr/>
       </p:nvGrpSpPr>
@@ -1518,20 +1573,26 @@
       <p:sp>
         <p:nvSpPr>
           <p:cNvPr id="75" name="Google Shape;75;gbe8da4bd33_0_21:notes"/>
-          <p:cNvSpPr/>
+          <p:cNvSpPr>
+            <a:spLocks noGrp="1" noRot="1" noChangeAspect="1"/>
+          </p:cNvSpPr>
           <p:nvPr>
-            <p:ph idx="2" type="sldImg"/>
+            <p:ph type="sldImg" idx="2"/>
           </p:nvPr>
         </p:nvSpPr>
         <p:spPr>
           <a:xfrm>
-            <a:off x="381300" y="685800"/>
+            <a:off x="381000" y="685800"/>
             <a:ext cx="6096000" cy="3429000"/>
           </a:xfrm>
           <a:custGeom>
-            <a:rect b="b" l="l" r="r" t="t"/>
+            <a:avLst/>
+            <a:gdLst/>
+            <a:ahLst/>
+            <a:cxnLst/>
+            <a:rect l="l" t="t" r="r" b="b"/>
             <a:pathLst>
-              <a:path extrusionOk="0" h="120000" w="120000">
+              <a:path w="120000" h="120000" extrusionOk="0">
                 <a:moveTo>
                   <a:pt x="0" y="0"/>
                 </a:moveTo>
@@ -1553,9 +1614,11 @@
       <p:sp>
         <p:nvSpPr>
           <p:cNvPr id="76" name="Google Shape;76;gbe8da4bd33_0_21:notes"/>
-          <p:cNvSpPr txBox="1"/>
+          <p:cNvSpPr txBox="1">
+            <a:spLocks noGrp="1"/>
+          </p:cNvSpPr>
           <p:nvPr>
-            <p:ph idx="1" type="body"/>
+            <p:ph type="body" idx="1"/>
           </p:nvPr>
         </p:nvSpPr>
         <p:spPr>
@@ -1568,12 +1631,12 @@
           </a:prstGeom>
         </p:spPr>
         <p:txBody>
-          <a:bodyPr anchorCtr="0" anchor="t" bIns="91425" lIns="91425" spcFirstLastPara="1" rIns="91425" wrap="square" tIns="91425">
+          <a:bodyPr spcFirstLastPara="1" wrap="square" lIns="91425" tIns="91425" rIns="91425" bIns="91425" anchor="t" anchorCtr="0">
             <a:noAutofit/>
           </a:bodyPr>
           <a:lstStyle/>
           <a:p>
-            <a:pPr indent="0" lvl="0" marL="0" rtl="0" algn="l">
+            <a:pPr marL="0" lvl="0" indent="0" algn="l" rtl="0">
               <a:spcBef>
                 <a:spcPts val="0"/>
               </a:spcBef>
@@ -1582,9 +1645,6 @@
               </a:spcAft>
               <a:buNone/>
             </a:pPr>
-            <a:r>
-              <a:t/>
-            </a:r>
             <a:endParaRPr/>
           </a:p>
         </p:txBody>
@@ -1598,11 +1658,11 @@
 </file>
 
 <file path=ppt/notesSlides/notesSlide5.xml><?xml version="1.0" encoding="utf-8"?>
-<p:notes xmlns:a="http://schemas.openxmlformats.org/drawingml/2006/main" xmlns:r="http://schemas.openxmlformats.org/officeDocument/2006/relationships" xmlns:mc="http://schemas.openxmlformats.org/markup-compatibility/2006" xmlns:mv="urn:schemas-microsoft-com:mac:vml" xmlns:p="http://schemas.openxmlformats.org/presentationml/2006/main" xmlns:c="http://schemas.openxmlformats.org/drawingml/2006/chart" xmlns:dgm="http://schemas.openxmlformats.org/drawingml/2006/diagram" xmlns:o="urn:schemas-microsoft-com:office:office" xmlns:v="urn:schemas-microsoft-com:vml" xmlns:pvml="urn:schemas-microsoft-com:office:powerpoint" xmlns:com="http://schemas.openxmlformats.org/drawingml/2006/compatibility" xmlns:p14="http://schemas.microsoft.com/office/powerpoint/2010/main" xmlns:p15="http://schemas.microsoft.com/office/powerpoint/2012/main" xmlns:ahyp="http://schemas.microsoft.com/office/drawing/2018/hyperlinkcolor" showMasterPhAnim="0" showMasterSp="0">
+<p:notes xmlns:a="http://schemas.openxmlformats.org/drawingml/2006/main" xmlns:r="http://schemas.openxmlformats.org/officeDocument/2006/relationships" xmlns:p="http://schemas.openxmlformats.org/presentationml/2006/main" showMasterSp="0" showMasterPhAnim="0">
   <p:cSld>
     <p:spTree>
       <p:nvGrpSpPr>
-        <p:cNvPr id="81" name="Shape 81"/>
+        <p:cNvPr id="1" name="Shape 81"/>
         <p:cNvGrpSpPr/>
         <p:nvPr/>
       </p:nvGrpSpPr>
@@ -1617,20 +1677,26 @@
       <p:sp>
         <p:nvSpPr>
           <p:cNvPr id="82" name="Google Shape;82;gbe8da4bd33_0_39:notes"/>
-          <p:cNvSpPr/>
+          <p:cNvSpPr>
+            <a:spLocks noGrp="1" noRot="1" noChangeAspect="1"/>
+          </p:cNvSpPr>
           <p:nvPr>
-            <p:ph idx="2" type="sldImg"/>
+            <p:ph type="sldImg" idx="2"/>
           </p:nvPr>
         </p:nvSpPr>
         <p:spPr>
           <a:xfrm>
-            <a:off x="381300" y="685800"/>
+            <a:off x="381000" y="685800"/>
             <a:ext cx="6096000" cy="3429000"/>
           </a:xfrm>
           <a:custGeom>
-            <a:rect b="b" l="l" r="r" t="t"/>
+            <a:avLst/>
+            <a:gdLst/>
+            <a:ahLst/>
+            <a:cxnLst/>
+            <a:rect l="l" t="t" r="r" b="b"/>
             <a:pathLst>
-              <a:path extrusionOk="0" h="120000" w="120000">
+              <a:path w="120000" h="120000" extrusionOk="0">
                 <a:moveTo>
                   <a:pt x="0" y="0"/>
                 </a:moveTo>
@@ -1652,9 +1718,11 @@
       <p:sp>
         <p:nvSpPr>
           <p:cNvPr id="83" name="Google Shape;83;gbe8da4bd33_0_39:notes"/>
-          <p:cNvSpPr txBox="1"/>
+          <p:cNvSpPr txBox="1">
+            <a:spLocks noGrp="1"/>
+          </p:cNvSpPr>
           <p:nvPr>
-            <p:ph idx="1" type="body"/>
+            <p:ph type="body" idx="1"/>
           </p:nvPr>
         </p:nvSpPr>
         <p:spPr>
@@ -1667,12 +1735,12 @@
           </a:prstGeom>
         </p:spPr>
         <p:txBody>
-          <a:bodyPr anchorCtr="0" anchor="t" bIns="91425" lIns="91425" spcFirstLastPara="1" rIns="91425" wrap="square" tIns="91425">
+          <a:bodyPr spcFirstLastPara="1" wrap="square" lIns="91425" tIns="91425" rIns="91425" bIns="91425" anchor="t" anchorCtr="0">
             <a:noAutofit/>
           </a:bodyPr>
           <a:lstStyle/>
           <a:p>
-            <a:pPr indent="0" lvl="0" marL="0" rtl="0" algn="l">
+            <a:pPr marL="0" lvl="0" indent="0" algn="l" rtl="0">
               <a:spcBef>
                 <a:spcPts val="0"/>
               </a:spcBef>
@@ -1681,9 +1749,6 @@
               </a:spcAft>
               <a:buNone/>
             </a:pPr>
-            <a:r>
-              <a:t/>
-            </a:r>
             <a:endParaRPr/>
           </a:p>
         </p:txBody>
@@ -1697,11 +1762,11 @@
 </file>
 
 <file path=ppt/notesSlides/notesSlide6.xml><?xml version="1.0" encoding="utf-8"?>
-<p:notes xmlns:a="http://schemas.openxmlformats.org/drawingml/2006/main" xmlns:r="http://schemas.openxmlformats.org/officeDocument/2006/relationships" xmlns:mc="http://schemas.openxmlformats.org/markup-compatibility/2006" xmlns:mv="urn:schemas-microsoft-com:mac:vml" xmlns:p="http://schemas.openxmlformats.org/presentationml/2006/main" xmlns:c="http://schemas.openxmlformats.org/drawingml/2006/chart" xmlns:dgm="http://schemas.openxmlformats.org/drawingml/2006/diagram" xmlns:o="urn:schemas-microsoft-com:office:office" xmlns:v="urn:schemas-microsoft-com:vml" xmlns:pvml="urn:schemas-microsoft-com:office:powerpoint" xmlns:com="http://schemas.openxmlformats.org/drawingml/2006/compatibility" xmlns:p14="http://schemas.microsoft.com/office/powerpoint/2010/main" xmlns:p15="http://schemas.microsoft.com/office/powerpoint/2012/main" xmlns:ahyp="http://schemas.microsoft.com/office/drawing/2018/hyperlinkcolor" showMasterPhAnim="0" showMasterSp="0">
+<p:notes xmlns:a="http://schemas.openxmlformats.org/drawingml/2006/main" xmlns:r="http://schemas.openxmlformats.org/officeDocument/2006/relationships" xmlns:p="http://schemas.openxmlformats.org/presentationml/2006/main" showMasterSp="0" showMasterPhAnim="0">
   <p:cSld>
     <p:spTree>
       <p:nvGrpSpPr>
-        <p:cNvPr id="87" name="Shape 87"/>
+        <p:cNvPr id="1" name="Shape 87"/>
         <p:cNvGrpSpPr/>
         <p:nvPr/>
       </p:nvGrpSpPr>
@@ -1716,20 +1781,26 @@
       <p:sp>
         <p:nvSpPr>
           <p:cNvPr id="88" name="Google Shape;88;gbe8da4bd33_0_46:notes"/>
-          <p:cNvSpPr/>
+          <p:cNvSpPr>
+            <a:spLocks noGrp="1" noRot="1" noChangeAspect="1"/>
+          </p:cNvSpPr>
           <p:nvPr>
-            <p:ph idx="2" type="sldImg"/>
+            <p:ph type="sldImg" idx="2"/>
           </p:nvPr>
         </p:nvSpPr>
         <p:spPr>
           <a:xfrm>
-            <a:off x="381300" y="685800"/>
+            <a:off x="381000" y="685800"/>
             <a:ext cx="6096000" cy="3429000"/>
           </a:xfrm>
           <a:custGeom>
-            <a:rect b="b" l="l" r="r" t="t"/>
+            <a:avLst/>
+            <a:gdLst/>
+            <a:ahLst/>
+            <a:cxnLst/>
+            <a:rect l="l" t="t" r="r" b="b"/>
             <a:pathLst>
-              <a:path extrusionOk="0" h="120000" w="120000">
+              <a:path w="120000" h="120000" extrusionOk="0">
                 <a:moveTo>
                   <a:pt x="0" y="0"/>
                 </a:moveTo>
@@ -1751,9 +1822,11 @@
       <p:sp>
         <p:nvSpPr>
           <p:cNvPr id="89" name="Google Shape;89;gbe8da4bd33_0_46:notes"/>
-          <p:cNvSpPr txBox="1"/>
+          <p:cNvSpPr txBox="1">
+            <a:spLocks noGrp="1"/>
+          </p:cNvSpPr>
           <p:nvPr>
-            <p:ph idx="1" type="body"/>
+            <p:ph type="body" idx="1"/>
           </p:nvPr>
         </p:nvSpPr>
         <p:spPr>
@@ -1766,12 +1839,12 @@
           </a:prstGeom>
         </p:spPr>
         <p:txBody>
-          <a:bodyPr anchorCtr="0" anchor="t" bIns="91425" lIns="91425" spcFirstLastPara="1" rIns="91425" wrap="square" tIns="91425">
+          <a:bodyPr spcFirstLastPara="1" wrap="square" lIns="91425" tIns="91425" rIns="91425" bIns="91425" anchor="t" anchorCtr="0">
             <a:noAutofit/>
           </a:bodyPr>
           <a:lstStyle/>
           <a:p>
-            <a:pPr indent="0" lvl="0" marL="0" rtl="0" algn="l">
+            <a:pPr marL="0" lvl="0" indent="0" algn="l" rtl="0">
               <a:lnSpc>
                 <a:spcPct val="115000"/>
               </a:lnSpc>
@@ -1783,9 +1856,6 @@
               </a:spcAft>
               <a:buNone/>
             </a:pPr>
-            <a:r>
-              <a:t/>
-            </a:r>
             <a:endParaRPr/>
           </a:p>
         </p:txBody>
@@ -1799,11 +1869,11 @@
 </file>
 
 <file path=ppt/notesSlides/notesSlide7.xml><?xml version="1.0" encoding="utf-8"?>
-<p:notes xmlns:a="http://schemas.openxmlformats.org/drawingml/2006/main" xmlns:r="http://schemas.openxmlformats.org/officeDocument/2006/relationships" xmlns:mc="http://schemas.openxmlformats.org/markup-compatibility/2006" xmlns:mv="urn:schemas-microsoft-com:mac:vml" xmlns:p="http://schemas.openxmlformats.org/presentationml/2006/main" xmlns:c="http://schemas.openxmlformats.org/drawingml/2006/chart" xmlns:dgm="http://schemas.openxmlformats.org/drawingml/2006/diagram" xmlns:o="urn:schemas-microsoft-com:office:office" xmlns:v="urn:schemas-microsoft-com:vml" xmlns:pvml="urn:schemas-microsoft-com:office:powerpoint" xmlns:com="http://schemas.openxmlformats.org/drawingml/2006/compatibility" xmlns:p14="http://schemas.microsoft.com/office/powerpoint/2010/main" xmlns:p15="http://schemas.microsoft.com/office/powerpoint/2012/main" xmlns:ahyp="http://schemas.microsoft.com/office/drawing/2018/hyperlinkcolor" showMasterPhAnim="0" showMasterSp="0">
+<p:notes xmlns:a="http://schemas.openxmlformats.org/drawingml/2006/main" xmlns:r="http://schemas.openxmlformats.org/officeDocument/2006/relationships" xmlns:p="http://schemas.openxmlformats.org/presentationml/2006/main" showMasterSp="0" showMasterPhAnim="0">
   <p:cSld>
     <p:spTree>
       <p:nvGrpSpPr>
-        <p:cNvPr id="94" name="Shape 94"/>
+        <p:cNvPr id="1" name="Shape 94"/>
         <p:cNvGrpSpPr/>
         <p:nvPr/>
       </p:nvGrpSpPr>
@@ -1818,20 +1888,26 @@
       <p:sp>
         <p:nvSpPr>
           <p:cNvPr id="95" name="Google Shape;95;gbe8da4bd33_0_52:notes"/>
-          <p:cNvSpPr/>
+          <p:cNvSpPr>
+            <a:spLocks noGrp="1" noRot="1" noChangeAspect="1"/>
+          </p:cNvSpPr>
           <p:nvPr>
-            <p:ph idx="2" type="sldImg"/>
+            <p:ph type="sldImg" idx="2"/>
           </p:nvPr>
         </p:nvSpPr>
         <p:spPr>
           <a:xfrm>
-            <a:off x="381300" y="685800"/>
+            <a:off x="381000" y="685800"/>
             <a:ext cx="6096000" cy="3429000"/>
           </a:xfrm>
           <a:custGeom>
-            <a:rect b="b" l="l" r="r" t="t"/>
+            <a:avLst/>
+            <a:gdLst/>
+            <a:ahLst/>
+            <a:cxnLst/>
+            <a:rect l="l" t="t" r="r" b="b"/>
             <a:pathLst>
-              <a:path extrusionOk="0" h="120000" w="120000">
+              <a:path w="120000" h="120000" extrusionOk="0">
                 <a:moveTo>
                   <a:pt x="0" y="0"/>
                 </a:moveTo>
@@ -1853,9 +1929,11 @@
       <p:sp>
         <p:nvSpPr>
           <p:cNvPr id="96" name="Google Shape;96;gbe8da4bd33_0_52:notes"/>
-          <p:cNvSpPr txBox="1"/>
+          <p:cNvSpPr txBox="1">
+            <a:spLocks noGrp="1"/>
+          </p:cNvSpPr>
           <p:nvPr>
-            <p:ph idx="1" type="body"/>
+            <p:ph type="body" idx="1"/>
           </p:nvPr>
         </p:nvSpPr>
         <p:spPr>
@@ -1868,12 +1946,12 @@
           </a:prstGeom>
         </p:spPr>
         <p:txBody>
-          <a:bodyPr anchorCtr="0" anchor="t" bIns="91425" lIns="91425" spcFirstLastPara="1" rIns="91425" wrap="square" tIns="91425">
+          <a:bodyPr spcFirstLastPara="1" wrap="square" lIns="91425" tIns="91425" rIns="91425" bIns="91425" anchor="t" anchorCtr="0">
             <a:noAutofit/>
           </a:bodyPr>
           <a:lstStyle/>
           <a:p>
-            <a:pPr indent="0" lvl="0" marL="0" rtl="0" algn="l">
+            <a:pPr marL="0" lvl="0" indent="0" algn="l" rtl="0">
               <a:spcBef>
                 <a:spcPts val="0"/>
               </a:spcBef>
@@ -1882,9 +1960,6 @@
               </a:spcAft>
               <a:buNone/>
             </a:pPr>
-            <a:r>
-              <a:t/>
-            </a:r>
             <a:endParaRPr/>
           </a:p>
         </p:txBody>
@@ -1898,11 +1973,11 @@
 </file>
 
 <file path=ppt/notesSlides/notesSlide8.xml><?xml version="1.0" encoding="utf-8"?>
-<p:notes xmlns:a="http://schemas.openxmlformats.org/drawingml/2006/main" xmlns:r="http://schemas.openxmlformats.org/officeDocument/2006/relationships" xmlns:mc="http://schemas.openxmlformats.org/markup-compatibility/2006" xmlns:mv="urn:schemas-microsoft-com:mac:vml" xmlns:p="http://schemas.openxmlformats.org/presentationml/2006/main" xmlns:c="http://schemas.openxmlformats.org/drawingml/2006/chart" xmlns:dgm="http://schemas.openxmlformats.org/drawingml/2006/diagram" xmlns:o="urn:schemas-microsoft-com:office:office" xmlns:v="urn:schemas-microsoft-com:vml" xmlns:pvml="urn:schemas-microsoft-com:office:powerpoint" xmlns:com="http://schemas.openxmlformats.org/drawingml/2006/compatibility" xmlns:p14="http://schemas.microsoft.com/office/powerpoint/2010/main" xmlns:p15="http://schemas.microsoft.com/office/powerpoint/2012/main" xmlns:ahyp="http://schemas.microsoft.com/office/drawing/2018/hyperlinkcolor" showMasterPhAnim="0" showMasterSp="0">
+<p:notes xmlns:a="http://schemas.openxmlformats.org/drawingml/2006/main" xmlns:r="http://schemas.openxmlformats.org/officeDocument/2006/relationships" xmlns:p="http://schemas.openxmlformats.org/presentationml/2006/main" showMasterSp="0" showMasterPhAnim="0">
   <p:cSld>
     <p:spTree>
       <p:nvGrpSpPr>
-        <p:cNvPr id="101" name="Shape 101"/>
+        <p:cNvPr id="1" name="Shape 101"/>
         <p:cNvGrpSpPr/>
         <p:nvPr/>
       </p:nvGrpSpPr>
@@ -1917,20 +1992,26 @@
       <p:sp>
         <p:nvSpPr>
           <p:cNvPr id="102" name="Google Shape;102;gbe8da4bd33_0_64:notes"/>
-          <p:cNvSpPr/>
+          <p:cNvSpPr>
+            <a:spLocks noGrp="1" noRot="1" noChangeAspect="1"/>
+          </p:cNvSpPr>
           <p:nvPr>
-            <p:ph idx="2" type="sldImg"/>
+            <p:ph type="sldImg" idx="2"/>
           </p:nvPr>
         </p:nvSpPr>
         <p:spPr>
           <a:xfrm>
-            <a:off x="381300" y="685800"/>
+            <a:off x="381000" y="685800"/>
             <a:ext cx="6096000" cy="3429000"/>
           </a:xfrm>
           <a:custGeom>
-            <a:rect b="b" l="l" r="r" t="t"/>
+            <a:avLst/>
+            <a:gdLst/>
+            <a:ahLst/>
+            <a:cxnLst/>
+            <a:rect l="l" t="t" r="r" b="b"/>
             <a:pathLst>
-              <a:path extrusionOk="0" h="120000" w="120000">
+              <a:path w="120000" h="120000" extrusionOk="0">
                 <a:moveTo>
                   <a:pt x="0" y="0"/>
                 </a:moveTo>
@@ -1952,9 +2033,11 @@
       <p:sp>
         <p:nvSpPr>
           <p:cNvPr id="103" name="Google Shape;103;gbe8da4bd33_0_64:notes"/>
-          <p:cNvSpPr txBox="1"/>
+          <p:cNvSpPr txBox="1">
+            <a:spLocks noGrp="1"/>
+          </p:cNvSpPr>
           <p:nvPr>
-            <p:ph idx="1" type="body"/>
+            <p:ph type="body" idx="1"/>
           </p:nvPr>
         </p:nvSpPr>
         <p:spPr>
@@ -1967,12 +2050,12 @@
           </a:prstGeom>
         </p:spPr>
         <p:txBody>
-          <a:bodyPr anchorCtr="0" anchor="t" bIns="91425" lIns="91425" spcFirstLastPara="1" rIns="91425" wrap="square" tIns="91425">
+          <a:bodyPr spcFirstLastPara="1" wrap="square" lIns="91425" tIns="91425" rIns="91425" bIns="91425" anchor="t" anchorCtr="0">
             <a:noAutofit/>
           </a:bodyPr>
           <a:lstStyle/>
           <a:p>
-            <a:pPr indent="0" lvl="0" marL="0" rtl="0" algn="l">
+            <a:pPr marL="0" lvl="0" indent="0" algn="l" rtl="0">
               <a:spcBef>
                 <a:spcPts val="0"/>
               </a:spcBef>
@@ -1981,9 +2064,6 @@
               </a:spcAft>
               <a:buNone/>
             </a:pPr>
-            <a:r>
-              <a:t/>
-            </a:r>
             <a:endParaRPr/>
           </a:p>
         </p:txBody>
@@ -1997,11 +2077,11 @@
 </file>
 
 <file path=ppt/notesSlides/notesSlide9.xml><?xml version="1.0" encoding="utf-8"?>
-<p:notes xmlns:a="http://schemas.openxmlformats.org/drawingml/2006/main" xmlns:r="http://schemas.openxmlformats.org/officeDocument/2006/relationships" xmlns:mc="http://schemas.openxmlformats.org/markup-compatibility/2006" xmlns:mv="urn:schemas-microsoft-com:mac:vml" xmlns:p="http://schemas.openxmlformats.org/presentationml/2006/main" xmlns:c="http://schemas.openxmlformats.org/drawingml/2006/chart" xmlns:dgm="http://schemas.openxmlformats.org/drawingml/2006/diagram" xmlns:o="urn:schemas-microsoft-com:office:office" xmlns:v="urn:schemas-microsoft-com:vml" xmlns:pvml="urn:schemas-microsoft-com:office:powerpoint" xmlns:com="http://schemas.openxmlformats.org/drawingml/2006/compatibility" xmlns:p14="http://schemas.microsoft.com/office/powerpoint/2010/main" xmlns:p15="http://schemas.microsoft.com/office/powerpoint/2012/main" xmlns:ahyp="http://schemas.microsoft.com/office/drawing/2018/hyperlinkcolor" showMasterPhAnim="0" showMasterSp="0">
+<p:notes xmlns:a="http://schemas.openxmlformats.org/drawingml/2006/main" xmlns:r="http://schemas.openxmlformats.org/officeDocument/2006/relationships" xmlns:p="http://schemas.openxmlformats.org/presentationml/2006/main" showMasterSp="0" showMasterPhAnim="0">
   <p:cSld>
     <p:spTree>
       <p:nvGrpSpPr>
-        <p:cNvPr id="107" name="Shape 107"/>
+        <p:cNvPr id="1" name="Shape 107"/>
         <p:cNvGrpSpPr/>
         <p:nvPr/>
       </p:nvGrpSpPr>
@@ -2016,20 +2096,26 @@
       <p:sp>
         <p:nvSpPr>
           <p:cNvPr id="108" name="Google Shape;108;gbe8da4bd33_0_58:notes"/>
-          <p:cNvSpPr/>
+          <p:cNvSpPr>
+            <a:spLocks noGrp="1" noRot="1" noChangeAspect="1"/>
+          </p:cNvSpPr>
           <p:nvPr>
-            <p:ph idx="2" type="sldImg"/>
+            <p:ph type="sldImg" idx="2"/>
           </p:nvPr>
         </p:nvSpPr>
         <p:spPr>
           <a:xfrm>
-            <a:off x="381300" y="685800"/>
+            <a:off x="381000" y="685800"/>
             <a:ext cx="6096000" cy="3429000"/>
           </a:xfrm>
           <a:custGeom>
-            <a:rect b="b" l="l" r="r" t="t"/>
+            <a:avLst/>
+            <a:gdLst/>
+            <a:ahLst/>
+            <a:cxnLst/>
+            <a:rect l="l" t="t" r="r" b="b"/>
             <a:pathLst>
-              <a:path extrusionOk="0" h="120000" w="120000">
+              <a:path w="120000" h="120000" extrusionOk="0">
                 <a:moveTo>
                   <a:pt x="0" y="0"/>
                 </a:moveTo>
@@ -2051,9 +2137,11 @@
       <p:sp>
         <p:nvSpPr>
           <p:cNvPr id="109" name="Google Shape;109;gbe8da4bd33_0_58:notes"/>
-          <p:cNvSpPr txBox="1"/>
+          <p:cNvSpPr txBox="1">
+            <a:spLocks noGrp="1"/>
+          </p:cNvSpPr>
           <p:nvPr>
-            <p:ph idx="1" type="body"/>
+            <p:ph type="body" idx="1"/>
           </p:nvPr>
         </p:nvSpPr>
         <p:spPr>
@@ -2066,12 +2154,12 @@
           </a:prstGeom>
         </p:spPr>
         <p:txBody>
-          <a:bodyPr anchorCtr="0" anchor="t" bIns="91425" lIns="91425" spcFirstLastPara="1" rIns="91425" wrap="square" tIns="91425">
+          <a:bodyPr spcFirstLastPara="1" wrap="square" lIns="91425" tIns="91425" rIns="91425" bIns="91425" anchor="t" anchorCtr="0">
             <a:noAutofit/>
           </a:bodyPr>
           <a:lstStyle/>
           <a:p>
-            <a:pPr indent="0" lvl="0" marL="0" rtl="0" algn="l">
+            <a:pPr marL="0" lvl="0" indent="0" algn="l" rtl="0">
               <a:spcBef>
                 <a:spcPts val="0"/>
               </a:spcBef>
@@ -2080,9 +2168,6 @@
               </a:spcAft>
               <a:buNone/>
             </a:pPr>
-            <a:r>
-              <a:t/>
-            </a:r>
             <a:endParaRPr/>
           </a:p>
         </p:txBody>
@@ -2096,11 +2181,11 @@
 </file>
 
 <file path=ppt/slideLayouts/slideLayout1.xml><?xml version="1.0" encoding="utf-8"?>
-<p:sldLayout xmlns:a="http://schemas.openxmlformats.org/drawingml/2006/main" xmlns:r="http://schemas.openxmlformats.org/officeDocument/2006/relationships" xmlns:mc="http://schemas.openxmlformats.org/markup-compatibility/2006" xmlns:mv="urn:schemas-microsoft-com:mac:vml" xmlns:p="http://schemas.openxmlformats.org/presentationml/2006/main" xmlns:c="http://schemas.openxmlformats.org/drawingml/2006/chart" xmlns:dgm="http://schemas.openxmlformats.org/drawingml/2006/diagram" xmlns:o="urn:schemas-microsoft-com:office:office" xmlns:v="urn:schemas-microsoft-com:vml" xmlns:pvml="urn:schemas-microsoft-com:office:powerpoint" xmlns:com="http://schemas.openxmlformats.org/drawingml/2006/compatibility" xmlns:p14="http://schemas.microsoft.com/office/powerpoint/2010/main" xmlns:p15="http://schemas.microsoft.com/office/powerpoint/2012/main" xmlns:ahyp="http://schemas.microsoft.com/office/drawing/2018/hyperlinkcolor" matchingName="Title slide" type="title">
+<p:sldLayout xmlns:a="http://schemas.openxmlformats.org/drawingml/2006/main" xmlns:r="http://schemas.openxmlformats.org/officeDocument/2006/relationships" xmlns:p="http://schemas.openxmlformats.org/presentationml/2006/main" matchingName="Title slide" type="title">
   <p:cSld name="TITLE">
     <p:spTree>
       <p:nvGrpSpPr>
-        <p:cNvPr id="9" name="Shape 9"/>
+        <p:cNvPr id="1" name="Shape 9"/>
         <p:cNvGrpSpPr/>
         <p:nvPr/>
       </p:nvGrpSpPr>
@@ -2115,7 +2200,9 @@
       <p:sp>
         <p:nvSpPr>
           <p:cNvPr id="10" name="Google Shape;10;p2"/>
-          <p:cNvSpPr txBox="1"/>
+          <p:cNvSpPr txBox="1">
+            <a:spLocks noGrp="1"/>
+          </p:cNvSpPr>
           <p:nvPr>
             <p:ph type="ctrTitle"/>
           </p:nvPr>
@@ -2130,7 +2217,7 @@
           </a:prstGeom>
         </p:spPr>
         <p:txBody>
-          <a:bodyPr anchorCtr="0" anchor="b" bIns="91425" lIns="91425" spcFirstLastPara="1" rIns="91425" wrap="square" tIns="91425">
+          <a:bodyPr spcFirstLastPara="1" wrap="square" lIns="91425" tIns="91425" rIns="91425" bIns="91425" anchor="b" anchorCtr="0">
             <a:normAutofit/>
           </a:bodyPr>
           <a:lstStyle>
@@ -2234,15 +2321,19 @@
               <a:defRPr sz="5200"/>
             </a:lvl9pPr>
           </a:lstStyle>
-          <a:p/>
+          <a:p>
+            <a:endParaRPr/>
+          </a:p>
         </p:txBody>
       </p:sp>
       <p:sp>
         <p:nvSpPr>
           <p:cNvPr id="11" name="Google Shape;11;p2"/>
-          <p:cNvSpPr txBox="1"/>
+          <p:cNvSpPr txBox="1">
+            <a:spLocks noGrp="1"/>
+          </p:cNvSpPr>
           <p:nvPr>
-            <p:ph idx="1" type="subTitle"/>
+            <p:ph type="subTitle" idx="1"/>
           </p:nvPr>
         </p:nvSpPr>
         <p:spPr>
@@ -2255,7 +2346,7 @@
           </a:prstGeom>
         </p:spPr>
         <p:txBody>
-          <a:bodyPr anchorCtr="0" anchor="t" bIns="91425" lIns="91425" spcFirstLastPara="1" rIns="91425" wrap="square" tIns="91425">
+          <a:bodyPr spcFirstLastPara="1" wrap="square" lIns="91425" tIns="91425" rIns="91425" bIns="91425" anchor="t" anchorCtr="0">
             <a:normAutofit/>
           </a:bodyPr>
           <a:lstStyle>
@@ -2386,15 +2477,19 @@
               <a:defRPr sz="2800"/>
             </a:lvl9pPr>
           </a:lstStyle>
-          <a:p/>
+          <a:p>
+            <a:endParaRPr/>
+          </a:p>
         </p:txBody>
       </p:sp>
       <p:sp>
         <p:nvSpPr>
           <p:cNvPr id="12" name="Google Shape;12;p2"/>
-          <p:cNvSpPr txBox="1"/>
+          <p:cNvSpPr txBox="1">
+            <a:spLocks noGrp="1"/>
+          </p:cNvSpPr>
           <p:nvPr>
-            <p:ph idx="12" type="sldNum"/>
+            <p:ph type="sldNum" idx="12"/>
           </p:nvPr>
         </p:nvSpPr>
         <p:spPr>
@@ -2407,7 +2502,7 @@
           </a:prstGeom>
         </p:spPr>
         <p:txBody>
-          <a:bodyPr anchorCtr="0" anchor="ctr" bIns="91425" lIns="91425" spcFirstLastPara="1" rIns="91425" wrap="square" tIns="91425">
+          <a:bodyPr spcFirstLastPara="1" wrap="square" lIns="91425" tIns="91425" rIns="91425" bIns="91425" anchor="ctr" anchorCtr="0">
             <a:normAutofit/>
           </a:bodyPr>
           <a:lstStyle>
@@ -2449,7 +2544,7 @@
             </a:lvl9pPr>
           </a:lstStyle>
           <a:p>
-            <a:pPr indent="0" lvl="0" marL="0" rtl="0" algn="r">
+            <a:pPr marL="0" lvl="0" indent="0" algn="r" rtl="0">
               <a:spcBef>
                 <a:spcPts val="0"/>
               </a:spcBef>
@@ -2475,11 +2570,11 @@
 </file>
 
 <file path=ppt/slideLayouts/slideLayout10.xml><?xml version="1.0" encoding="utf-8"?>
-<p:sldLayout xmlns:a="http://schemas.openxmlformats.org/drawingml/2006/main" xmlns:r="http://schemas.openxmlformats.org/officeDocument/2006/relationships" xmlns:mc="http://schemas.openxmlformats.org/markup-compatibility/2006" xmlns:mv="urn:schemas-microsoft-com:mac:vml" xmlns:p="http://schemas.openxmlformats.org/presentationml/2006/main" xmlns:c="http://schemas.openxmlformats.org/drawingml/2006/chart" xmlns:dgm="http://schemas.openxmlformats.org/drawingml/2006/diagram" xmlns:o="urn:schemas-microsoft-com:office:office" xmlns:v="urn:schemas-microsoft-com:vml" xmlns:pvml="urn:schemas-microsoft-com:office:powerpoint" xmlns:com="http://schemas.openxmlformats.org/drawingml/2006/compatibility" xmlns:p14="http://schemas.microsoft.com/office/powerpoint/2010/main" xmlns:p15="http://schemas.microsoft.com/office/powerpoint/2012/main" xmlns:ahyp="http://schemas.microsoft.com/office/drawing/2018/hyperlinkcolor" matchingName="Big number">
+<p:sldLayout xmlns:a="http://schemas.openxmlformats.org/drawingml/2006/main" xmlns:r="http://schemas.openxmlformats.org/officeDocument/2006/relationships" xmlns:p="http://schemas.openxmlformats.org/presentationml/2006/main" matchingName="Big number">
   <p:cSld name="BIG_NUMBER">
     <p:spTree>
       <p:nvGrpSpPr>
-        <p:cNvPr id="44" name="Shape 44"/>
+        <p:cNvPr id="1" name="Shape 44"/>
         <p:cNvGrpSpPr/>
         <p:nvPr/>
       </p:nvGrpSpPr>
@@ -2494,9 +2589,11 @@
       <p:sp>
         <p:nvSpPr>
           <p:cNvPr id="45" name="Google Shape;45;p11"/>
-          <p:cNvSpPr txBox="1"/>
+          <p:cNvSpPr txBox="1">
+            <a:spLocks noGrp="1"/>
+          </p:cNvSpPr>
           <p:nvPr>
-            <p:ph hasCustomPrompt="1" type="title"/>
+            <p:ph type="title" hasCustomPrompt="1"/>
           </p:nvPr>
         </p:nvSpPr>
         <p:spPr>
@@ -2509,7 +2606,7 @@
           </a:prstGeom>
         </p:spPr>
         <p:txBody>
-          <a:bodyPr anchorCtr="0" anchor="b" bIns="91425" lIns="91425" spcFirstLastPara="1" rIns="91425" wrap="square" tIns="91425">
+          <a:bodyPr spcFirstLastPara="1" wrap="square" lIns="91425" tIns="91425" rIns="91425" bIns="91425" anchor="b" anchorCtr="0">
             <a:normAutofit/>
           </a:bodyPr>
           <a:lstStyle>
@@ -2623,9 +2720,11 @@
       <p:sp>
         <p:nvSpPr>
           <p:cNvPr id="46" name="Google Shape;46;p11"/>
-          <p:cNvSpPr txBox="1"/>
+          <p:cNvSpPr txBox="1">
+            <a:spLocks noGrp="1"/>
+          </p:cNvSpPr>
           <p:nvPr>
-            <p:ph idx="1" type="body"/>
+            <p:ph type="body" idx="1"/>
           </p:nvPr>
         </p:nvSpPr>
         <p:spPr>
@@ -2638,11 +2737,11 @@
           </a:prstGeom>
         </p:spPr>
         <p:txBody>
-          <a:bodyPr anchorCtr="0" anchor="t" bIns="91425" lIns="91425" spcFirstLastPara="1" rIns="91425" wrap="square" tIns="91425">
+          <a:bodyPr spcFirstLastPara="1" wrap="square" lIns="91425" tIns="91425" rIns="91425" bIns="91425" anchor="t" anchorCtr="0">
             <a:normAutofit/>
           </a:bodyPr>
           <a:lstStyle>
-            <a:lvl1pPr indent="-342900" lvl="0" marL="457200" algn="ctr">
+            <a:lvl1pPr marL="457200" lvl="0" indent="-342900" algn="ctr">
               <a:spcBef>
                 <a:spcPts val="0"/>
               </a:spcBef>
@@ -2653,7 +2752,7 @@
               <a:buChar char="●"/>
               <a:defRPr/>
             </a:lvl1pPr>
-            <a:lvl2pPr indent="-317500" lvl="1" marL="914400" algn="ctr">
+            <a:lvl2pPr marL="914400" lvl="1" indent="-317500" algn="ctr">
               <a:spcBef>
                 <a:spcPts val="0"/>
               </a:spcBef>
@@ -2664,7 +2763,7 @@
               <a:buChar char="○"/>
               <a:defRPr/>
             </a:lvl2pPr>
-            <a:lvl3pPr indent="-317500" lvl="2" marL="1371600" algn="ctr">
+            <a:lvl3pPr marL="1371600" lvl="2" indent="-317500" algn="ctr">
               <a:spcBef>
                 <a:spcPts val="0"/>
               </a:spcBef>
@@ -2675,7 +2774,7 @@
               <a:buChar char="■"/>
               <a:defRPr/>
             </a:lvl3pPr>
-            <a:lvl4pPr indent="-317500" lvl="3" marL="1828800" algn="ctr">
+            <a:lvl4pPr marL="1828800" lvl="3" indent="-317500" algn="ctr">
               <a:spcBef>
                 <a:spcPts val="0"/>
               </a:spcBef>
@@ -2686,7 +2785,7 @@
               <a:buChar char="●"/>
               <a:defRPr/>
             </a:lvl4pPr>
-            <a:lvl5pPr indent="-317500" lvl="4" marL="2286000" algn="ctr">
+            <a:lvl5pPr marL="2286000" lvl="4" indent="-317500" algn="ctr">
               <a:spcBef>
                 <a:spcPts val="0"/>
               </a:spcBef>
@@ -2697,7 +2796,7 @@
               <a:buChar char="○"/>
               <a:defRPr/>
             </a:lvl5pPr>
-            <a:lvl6pPr indent="-317500" lvl="5" marL="2743200" algn="ctr">
+            <a:lvl6pPr marL="2743200" lvl="5" indent="-317500" algn="ctr">
               <a:spcBef>
                 <a:spcPts val="0"/>
               </a:spcBef>
@@ -2708,7 +2807,7 @@
               <a:buChar char="■"/>
               <a:defRPr/>
             </a:lvl6pPr>
-            <a:lvl7pPr indent="-317500" lvl="6" marL="3200400" algn="ctr">
+            <a:lvl7pPr marL="3200400" lvl="6" indent="-317500" algn="ctr">
               <a:spcBef>
                 <a:spcPts val="0"/>
               </a:spcBef>
@@ -2719,7 +2818,7 @@
               <a:buChar char="●"/>
               <a:defRPr/>
             </a:lvl7pPr>
-            <a:lvl8pPr indent="-317500" lvl="7" marL="3657600" algn="ctr">
+            <a:lvl8pPr marL="3657600" lvl="7" indent="-317500" algn="ctr">
               <a:spcBef>
                 <a:spcPts val="0"/>
               </a:spcBef>
@@ -2730,7 +2829,7 @@
               <a:buChar char="○"/>
               <a:defRPr/>
             </a:lvl8pPr>
-            <a:lvl9pPr indent="-317500" lvl="8" marL="4114800" algn="ctr">
+            <a:lvl9pPr marL="4114800" lvl="8" indent="-317500" algn="ctr">
               <a:spcBef>
                 <a:spcPts val="0"/>
               </a:spcBef>
@@ -2742,15 +2841,19 @@
               <a:defRPr/>
             </a:lvl9pPr>
           </a:lstStyle>
-          <a:p/>
+          <a:p>
+            <a:endParaRPr/>
+          </a:p>
         </p:txBody>
       </p:sp>
       <p:sp>
         <p:nvSpPr>
           <p:cNvPr id="47" name="Google Shape;47;p11"/>
-          <p:cNvSpPr txBox="1"/>
+          <p:cNvSpPr txBox="1">
+            <a:spLocks noGrp="1"/>
+          </p:cNvSpPr>
           <p:nvPr>
-            <p:ph idx="12" type="sldNum"/>
+            <p:ph type="sldNum" idx="12"/>
           </p:nvPr>
         </p:nvSpPr>
         <p:spPr>
@@ -2763,7 +2866,7 @@
           </a:prstGeom>
         </p:spPr>
         <p:txBody>
-          <a:bodyPr anchorCtr="0" anchor="ctr" bIns="91425" lIns="91425" spcFirstLastPara="1" rIns="91425" wrap="square" tIns="91425">
+          <a:bodyPr spcFirstLastPara="1" wrap="square" lIns="91425" tIns="91425" rIns="91425" bIns="91425" anchor="ctr" anchorCtr="0">
             <a:normAutofit/>
           </a:bodyPr>
           <a:lstStyle>
@@ -2805,7 +2908,7 @@
             </a:lvl9pPr>
           </a:lstStyle>
           <a:p>
-            <a:pPr indent="0" lvl="0" marL="0" rtl="0" algn="r">
+            <a:pPr marL="0" lvl="0" indent="0" algn="r" rtl="0">
               <a:spcBef>
                 <a:spcPts val="0"/>
               </a:spcBef>
@@ -2831,11 +2934,11 @@
 </file>
 
 <file path=ppt/slideLayouts/slideLayout11.xml><?xml version="1.0" encoding="utf-8"?>
-<p:sldLayout xmlns:a="http://schemas.openxmlformats.org/drawingml/2006/main" xmlns:r="http://schemas.openxmlformats.org/officeDocument/2006/relationships" xmlns:mc="http://schemas.openxmlformats.org/markup-compatibility/2006" xmlns:mv="urn:schemas-microsoft-com:mac:vml" xmlns:p="http://schemas.openxmlformats.org/presentationml/2006/main" xmlns:c="http://schemas.openxmlformats.org/drawingml/2006/chart" xmlns:dgm="http://schemas.openxmlformats.org/drawingml/2006/diagram" xmlns:o="urn:schemas-microsoft-com:office:office" xmlns:v="urn:schemas-microsoft-com:vml" xmlns:pvml="urn:schemas-microsoft-com:office:powerpoint" xmlns:com="http://schemas.openxmlformats.org/drawingml/2006/compatibility" xmlns:p14="http://schemas.microsoft.com/office/powerpoint/2010/main" xmlns:p15="http://schemas.microsoft.com/office/powerpoint/2012/main" xmlns:ahyp="http://schemas.microsoft.com/office/drawing/2018/hyperlinkcolor" matchingName="Blank" type="blank">
+<p:sldLayout xmlns:a="http://schemas.openxmlformats.org/drawingml/2006/main" xmlns:r="http://schemas.openxmlformats.org/officeDocument/2006/relationships" xmlns:p="http://schemas.openxmlformats.org/presentationml/2006/main" matchingName="Blank" type="blank">
   <p:cSld name="BLANK">
     <p:spTree>
       <p:nvGrpSpPr>
-        <p:cNvPr id="48" name="Shape 48"/>
+        <p:cNvPr id="1" name="Shape 48"/>
         <p:cNvGrpSpPr/>
         <p:nvPr/>
       </p:nvGrpSpPr>
@@ -2850,9 +2953,11 @@
       <p:sp>
         <p:nvSpPr>
           <p:cNvPr id="49" name="Google Shape;49;p12"/>
-          <p:cNvSpPr txBox="1"/>
+          <p:cNvSpPr txBox="1">
+            <a:spLocks noGrp="1"/>
+          </p:cNvSpPr>
           <p:nvPr>
-            <p:ph idx="12" type="sldNum"/>
+            <p:ph type="sldNum" idx="12"/>
           </p:nvPr>
         </p:nvSpPr>
         <p:spPr>
@@ -2865,7 +2970,7 @@
           </a:prstGeom>
         </p:spPr>
         <p:txBody>
-          <a:bodyPr anchorCtr="0" anchor="ctr" bIns="91425" lIns="91425" spcFirstLastPara="1" rIns="91425" wrap="square" tIns="91425">
+          <a:bodyPr spcFirstLastPara="1" wrap="square" lIns="91425" tIns="91425" rIns="91425" bIns="91425" anchor="ctr" anchorCtr="0">
             <a:normAutofit/>
           </a:bodyPr>
           <a:lstStyle>
@@ -2907,7 +3012,7 @@
             </a:lvl9pPr>
           </a:lstStyle>
           <a:p>
-            <a:pPr indent="0" lvl="0" marL="0" rtl="0" algn="r">
+            <a:pPr marL="0" lvl="0" indent="0" algn="r" rtl="0">
               <a:spcBef>
                 <a:spcPts val="0"/>
               </a:spcBef>
@@ -2933,11 +3038,11 @@
 </file>
 
 <file path=ppt/slideLayouts/slideLayout12.xml><?xml version="1.0" encoding="utf-8"?>
-<p:sldLayout xmlns:a="http://schemas.openxmlformats.org/drawingml/2006/main" xmlns:r="http://schemas.openxmlformats.org/officeDocument/2006/relationships" xmlns:mc="http://schemas.openxmlformats.org/markup-compatibility/2006" xmlns:mv="urn:schemas-microsoft-com:mac:vml" xmlns:p="http://schemas.openxmlformats.org/presentationml/2006/main" xmlns:c="http://schemas.openxmlformats.org/drawingml/2006/chart" xmlns:dgm="http://schemas.openxmlformats.org/drawingml/2006/diagram" xmlns:o="urn:schemas-microsoft-com:office:office" xmlns:v="urn:schemas-microsoft-com:vml" xmlns:pvml="urn:schemas-microsoft-com:office:powerpoint" xmlns:com="http://schemas.openxmlformats.org/drawingml/2006/compatibility" xmlns:p14="http://schemas.microsoft.com/office/powerpoint/2010/main" xmlns:p15="http://schemas.microsoft.com/office/powerpoint/2012/main" xmlns:ahyp="http://schemas.microsoft.com/office/drawing/2018/hyperlinkcolor" matchingName="Title, 2 Content" type="twoObj">
+<p:sldLayout xmlns:a="http://schemas.openxmlformats.org/drawingml/2006/main" xmlns:r="http://schemas.openxmlformats.org/officeDocument/2006/relationships" xmlns:p="http://schemas.openxmlformats.org/presentationml/2006/main" matchingName="Title, 2 Content" type="twoObj">
   <p:cSld name="TWO_OBJECTS">
     <p:spTree>
       <p:nvGrpSpPr>
-        <p:cNvPr id="50" name="Shape 50"/>
+        <p:cNvPr id="1" name="Shape 50"/>
         <p:cNvGrpSpPr/>
         <p:nvPr/>
       </p:nvGrpSpPr>
@@ -2952,7 +3057,9 @@
       <p:sp>
         <p:nvSpPr>
           <p:cNvPr id="51" name="Google Shape;51;p13"/>
-          <p:cNvSpPr txBox="1"/>
+          <p:cNvSpPr txBox="1">
+            <a:spLocks noGrp="1"/>
+          </p:cNvSpPr>
           <p:nvPr>
             <p:ph type="title"/>
           </p:nvPr>
@@ -2971,11 +3078,11 @@
           </a:ln>
         </p:spPr>
         <p:txBody>
-          <a:bodyPr anchorCtr="0" anchor="ctr" bIns="0" lIns="0" spcFirstLastPara="1" rIns="0" wrap="square" tIns="0">
+          <a:bodyPr spcFirstLastPara="1" wrap="square" lIns="0" tIns="0" rIns="0" bIns="0" anchor="ctr" anchorCtr="0">
             <a:normAutofit/>
           </a:bodyPr>
           <a:lstStyle>
-            <a:lvl1pPr lvl="0" rtl="0" algn="l">
+            <a:lvl1pPr lvl="0" algn="l" rtl="0">
               <a:lnSpc>
                 <a:spcPct val="90000"/>
               </a:lnSpc>
@@ -3081,15 +3188,19 @@
               <a:defRPr/>
             </a:lvl9pPr>
           </a:lstStyle>
-          <a:p/>
+          <a:p>
+            <a:endParaRPr/>
+          </a:p>
         </p:txBody>
       </p:sp>
       <p:sp>
         <p:nvSpPr>
           <p:cNvPr id="52" name="Google Shape;52;p13"/>
-          <p:cNvSpPr txBox="1"/>
+          <p:cNvSpPr txBox="1">
+            <a:spLocks noGrp="1"/>
+          </p:cNvSpPr>
           <p:nvPr>
-            <p:ph idx="1" type="body"/>
+            <p:ph type="body" idx="1"/>
           </p:nvPr>
         </p:nvSpPr>
         <p:spPr>
@@ -3106,11 +3217,11 @@
           </a:ln>
         </p:spPr>
         <p:txBody>
-          <a:bodyPr anchorCtr="0" anchor="t" bIns="0" lIns="0" spcFirstLastPara="1" rIns="0" wrap="square" tIns="0">
+          <a:bodyPr spcFirstLastPara="1" wrap="square" lIns="0" tIns="0" rIns="0" bIns="0" anchor="t" anchorCtr="0">
             <a:normAutofit/>
           </a:bodyPr>
           <a:lstStyle>
-            <a:lvl1pPr indent="-342900" lvl="0" marL="457200" rtl="0" algn="l">
+            <a:lvl1pPr marL="457200" lvl="0" indent="-342900" algn="l" rtl="0">
               <a:lnSpc>
                 <a:spcPct val="90000"/>
               </a:lnSpc>
@@ -3127,7 +3238,7 @@
               <a:buChar char="●"/>
               <a:defRPr/>
             </a:lvl1pPr>
-            <a:lvl2pPr indent="-342900" lvl="1" marL="914400" rtl="0" algn="l">
+            <a:lvl2pPr marL="914400" lvl="1" indent="-342900" algn="l" rtl="0">
               <a:lnSpc>
                 <a:spcPct val="90000"/>
               </a:lnSpc>
@@ -3144,7 +3255,7 @@
               <a:buChar char="○"/>
               <a:defRPr/>
             </a:lvl2pPr>
-            <a:lvl3pPr indent="-342900" lvl="2" marL="1371600" rtl="0" algn="l">
+            <a:lvl3pPr marL="1371600" lvl="2" indent="-342900" algn="l" rtl="0">
               <a:lnSpc>
                 <a:spcPct val="90000"/>
               </a:lnSpc>
@@ -3161,7 +3272,7 @@
               <a:buChar char="■"/>
               <a:defRPr/>
             </a:lvl3pPr>
-            <a:lvl4pPr indent="-342900" lvl="3" marL="1828800" rtl="0" algn="l">
+            <a:lvl4pPr marL="1828800" lvl="3" indent="-342900" algn="l" rtl="0">
               <a:lnSpc>
                 <a:spcPct val="90000"/>
               </a:lnSpc>
@@ -3178,7 +3289,7 @@
               <a:buChar char="●"/>
               <a:defRPr/>
             </a:lvl4pPr>
-            <a:lvl5pPr indent="-342900" lvl="4" marL="2286000" rtl="0" algn="l">
+            <a:lvl5pPr marL="2286000" lvl="4" indent="-342900" algn="l" rtl="0">
               <a:lnSpc>
                 <a:spcPct val="90000"/>
               </a:lnSpc>
@@ -3195,7 +3306,7 @@
               <a:buChar char="○"/>
               <a:defRPr/>
             </a:lvl5pPr>
-            <a:lvl6pPr indent="-342900" lvl="5" marL="2743200" rtl="0" algn="l">
+            <a:lvl6pPr marL="2743200" lvl="5" indent="-342900" algn="l" rtl="0">
               <a:lnSpc>
                 <a:spcPct val="90000"/>
               </a:lnSpc>
@@ -3212,7 +3323,7 @@
               <a:buChar char="■"/>
               <a:defRPr/>
             </a:lvl6pPr>
-            <a:lvl7pPr indent="-342900" lvl="6" marL="3200400" rtl="0" algn="l">
+            <a:lvl7pPr marL="3200400" lvl="6" indent="-342900" algn="l" rtl="0">
               <a:lnSpc>
                 <a:spcPct val="90000"/>
               </a:lnSpc>
@@ -3229,7 +3340,7 @@
               <a:buChar char="●"/>
               <a:defRPr/>
             </a:lvl7pPr>
-            <a:lvl8pPr indent="-342900" lvl="7" marL="3657600" rtl="0" algn="l">
+            <a:lvl8pPr marL="3657600" lvl="7" indent="-342900" algn="l" rtl="0">
               <a:lnSpc>
                 <a:spcPct val="90000"/>
               </a:lnSpc>
@@ -3246,7 +3357,7 @@
               <a:buChar char="○"/>
               <a:defRPr/>
             </a:lvl8pPr>
-            <a:lvl9pPr indent="-342900" lvl="8" marL="4114800" rtl="0" algn="l">
+            <a:lvl9pPr marL="4114800" lvl="8" indent="-342900" algn="l" rtl="0">
               <a:lnSpc>
                 <a:spcPct val="90000"/>
               </a:lnSpc>
@@ -3264,15 +3375,19 @@
               <a:defRPr/>
             </a:lvl9pPr>
           </a:lstStyle>
-          <a:p/>
+          <a:p>
+            <a:endParaRPr/>
+          </a:p>
         </p:txBody>
       </p:sp>
       <p:sp>
         <p:nvSpPr>
           <p:cNvPr id="53" name="Google Shape;53;p13"/>
-          <p:cNvSpPr txBox="1"/>
+          <p:cNvSpPr txBox="1">
+            <a:spLocks noGrp="1"/>
+          </p:cNvSpPr>
           <p:nvPr>
-            <p:ph idx="2" type="body"/>
+            <p:ph type="body" idx="2"/>
           </p:nvPr>
         </p:nvSpPr>
         <p:spPr>
@@ -3289,11 +3404,11 @@
           </a:ln>
         </p:spPr>
         <p:txBody>
-          <a:bodyPr anchorCtr="0" anchor="t" bIns="0" lIns="0" spcFirstLastPara="1" rIns="0" wrap="square" tIns="0">
+          <a:bodyPr spcFirstLastPara="1" wrap="square" lIns="0" tIns="0" rIns="0" bIns="0" anchor="t" anchorCtr="0">
             <a:normAutofit/>
           </a:bodyPr>
           <a:lstStyle>
-            <a:lvl1pPr indent="-342900" lvl="0" marL="457200" rtl="0" algn="l">
+            <a:lvl1pPr marL="457200" lvl="0" indent="-342900" algn="l" rtl="0">
               <a:lnSpc>
                 <a:spcPct val="90000"/>
               </a:lnSpc>
@@ -3310,7 +3425,7 @@
               <a:buChar char="●"/>
               <a:defRPr/>
             </a:lvl1pPr>
-            <a:lvl2pPr indent="-342900" lvl="1" marL="914400" rtl="0" algn="l">
+            <a:lvl2pPr marL="914400" lvl="1" indent="-342900" algn="l" rtl="0">
               <a:lnSpc>
                 <a:spcPct val="90000"/>
               </a:lnSpc>
@@ -3327,7 +3442,7 @@
               <a:buChar char="○"/>
               <a:defRPr/>
             </a:lvl2pPr>
-            <a:lvl3pPr indent="-342900" lvl="2" marL="1371600" rtl="0" algn="l">
+            <a:lvl3pPr marL="1371600" lvl="2" indent="-342900" algn="l" rtl="0">
               <a:lnSpc>
                 <a:spcPct val="90000"/>
               </a:lnSpc>
@@ -3344,7 +3459,7 @@
               <a:buChar char="■"/>
               <a:defRPr/>
             </a:lvl3pPr>
-            <a:lvl4pPr indent="-342900" lvl="3" marL="1828800" rtl="0" algn="l">
+            <a:lvl4pPr marL="1828800" lvl="3" indent="-342900" algn="l" rtl="0">
               <a:lnSpc>
                 <a:spcPct val="90000"/>
               </a:lnSpc>
@@ -3361,7 +3476,7 @@
               <a:buChar char="●"/>
               <a:defRPr/>
             </a:lvl4pPr>
-            <a:lvl5pPr indent="-342900" lvl="4" marL="2286000" rtl="0" algn="l">
+            <a:lvl5pPr marL="2286000" lvl="4" indent="-342900" algn="l" rtl="0">
               <a:lnSpc>
                 <a:spcPct val="90000"/>
               </a:lnSpc>
@@ -3378,7 +3493,7 @@
               <a:buChar char="○"/>
               <a:defRPr/>
             </a:lvl5pPr>
-            <a:lvl6pPr indent="-342900" lvl="5" marL="2743200" rtl="0" algn="l">
+            <a:lvl6pPr marL="2743200" lvl="5" indent="-342900" algn="l" rtl="0">
               <a:lnSpc>
                 <a:spcPct val="90000"/>
               </a:lnSpc>
@@ -3395,7 +3510,7 @@
               <a:buChar char="■"/>
               <a:defRPr/>
             </a:lvl6pPr>
-            <a:lvl7pPr indent="-342900" lvl="6" marL="3200400" rtl="0" algn="l">
+            <a:lvl7pPr marL="3200400" lvl="6" indent="-342900" algn="l" rtl="0">
               <a:lnSpc>
                 <a:spcPct val="90000"/>
               </a:lnSpc>
@@ -3412,7 +3527,7 @@
               <a:buChar char="●"/>
               <a:defRPr/>
             </a:lvl7pPr>
-            <a:lvl8pPr indent="-342900" lvl="7" marL="3657600" rtl="0" algn="l">
+            <a:lvl8pPr marL="3657600" lvl="7" indent="-342900" algn="l" rtl="0">
               <a:lnSpc>
                 <a:spcPct val="90000"/>
               </a:lnSpc>
@@ -3429,7 +3544,7 @@
               <a:buChar char="○"/>
               <a:defRPr/>
             </a:lvl8pPr>
-            <a:lvl9pPr indent="-342900" lvl="8" marL="4114800" rtl="0" algn="l">
+            <a:lvl9pPr marL="4114800" lvl="8" indent="-342900" algn="l" rtl="0">
               <a:lnSpc>
                 <a:spcPct val="90000"/>
               </a:lnSpc>
@@ -3447,7 +3562,9 @@
               <a:defRPr/>
             </a:lvl9pPr>
           </a:lstStyle>
-          <a:p/>
+          <a:p>
+            <a:endParaRPr/>
+          </a:p>
         </p:txBody>
       </p:sp>
     </p:spTree>
@@ -3459,11 +3576,11 @@
 </file>
 
 <file path=ppt/slideLayouts/slideLayout2.xml><?xml version="1.0" encoding="utf-8"?>
-<p:sldLayout xmlns:a="http://schemas.openxmlformats.org/drawingml/2006/main" xmlns:r="http://schemas.openxmlformats.org/officeDocument/2006/relationships" xmlns:mc="http://schemas.openxmlformats.org/markup-compatibility/2006" xmlns:mv="urn:schemas-microsoft-com:mac:vml" xmlns:p="http://schemas.openxmlformats.org/presentationml/2006/main" xmlns:c="http://schemas.openxmlformats.org/drawingml/2006/chart" xmlns:dgm="http://schemas.openxmlformats.org/drawingml/2006/diagram" xmlns:o="urn:schemas-microsoft-com:office:office" xmlns:v="urn:schemas-microsoft-com:vml" xmlns:pvml="urn:schemas-microsoft-com:office:powerpoint" xmlns:com="http://schemas.openxmlformats.org/drawingml/2006/compatibility" xmlns:p14="http://schemas.microsoft.com/office/powerpoint/2010/main" xmlns:p15="http://schemas.microsoft.com/office/powerpoint/2012/main" xmlns:ahyp="http://schemas.microsoft.com/office/drawing/2018/hyperlinkcolor" matchingName="Section header" type="secHead">
+<p:sldLayout xmlns:a="http://schemas.openxmlformats.org/drawingml/2006/main" xmlns:r="http://schemas.openxmlformats.org/officeDocument/2006/relationships" xmlns:p="http://schemas.openxmlformats.org/presentationml/2006/main" matchingName="Section header" type="secHead">
   <p:cSld name="SECTION_HEADER">
     <p:spTree>
       <p:nvGrpSpPr>
-        <p:cNvPr id="13" name="Shape 13"/>
+        <p:cNvPr id="1" name="Shape 13"/>
         <p:cNvGrpSpPr/>
         <p:nvPr/>
       </p:nvGrpSpPr>
@@ -3478,7 +3595,9 @@
       <p:sp>
         <p:nvSpPr>
           <p:cNvPr id="14" name="Google Shape;14;p3"/>
-          <p:cNvSpPr txBox="1"/>
+          <p:cNvSpPr txBox="1">
+            <a:spLocks noGrp="1"/>
+          </p:cNvSpPr>
           <p:nvPr>
             <p:ph type="title"/>
           </p:nvPr>
@@ -3493,7 +3612,7 @@
           </a:prstGeom>
         </p:spPr>
         <p:txBody>
-          <a:bodyPr anchorCtr="0" anchor="ctr" bIns="91425" lIns="91425" spcFirstLastPara="1" rIns="91425" wrap="square" tIns="91425">
+          <a:bodyPr spcFirstLastPara="1" wrap="square" lIns="91425" tIns="91425" rIns="91425" bIns="91425" anchor="ctr" anchorCtr="0">
             <a:normAutofit/>
           </a:bodyPr>
           <a:lstStyle>
@@ -3597,15 +3716,19 @@
               <a:defRPr sz="3600"/>
             </a:lvl9pPr>
           </a:lstStyle>
-          <a:p/>
+          <a:p>
+            <a:endParaRPr/>
+          </a:p>
         </p:txBody>
       </p:sp>
       <p:sp>
         <p:nvSpPr>
           <p:cNvPr id="15" name="Google Shape;15;p3"/>
-          <p:cNvSpPr txBox="1"/>
+          <p:cNvSpPr txBox="1">
+            <a:spLocks noGrp="1"/>
+          </p:cNvSpPr>
           <p:nvPr>
-            <p:ph idx="12" type="sldNum"/>
+            <p:ph type="sldNum" idx="12"/>
           </p:nvPr>
         </p:nvSpPr>
         <p:spPr>
@@ -3618,7 +3741,7 @@
           </a:prstGeom>
         </p:spPr>
         <p:txBody>
-          <a:bodyPr anchorCtr="0" anchor="ctr" bIns="91425" lIns="91425" spcFirstLastPara="1" rIns="91425" wrap="square" tIns="91425">
+          <a:bodyPr spcFirstLastPara="1" wrap="square" lIns="91425" tIns="91425" rIns="91425" bIns="91425" anchor="ctr" anchorCtr="0">
             <a:normAutofit/>
           </a:bodyPr>
           <a:lstStyle>
@@ -3660,7 +3783,7 @@
             </a:lvl9pPr>
           </a:lstStyle>
           <a:p>
-            <a:pPr indent="0" lvl="0" marL="0" rtl="0" algn="r">
+            <a:pPr marL="0" lvl="0" indent="0" algn="r" rtl="0">
               <a:spcBef>
                 <a:spcPts val="0"/>
               </a:spcBef>
@@ -3686,11 +3809,11 @@
 </file>
 
 <file path=ppt/slideLayouts/slideLayout3.xml><?xml version="1.0" encoding="utf-8"?>
-<p:sldLayout xmlns:a="http://schemas.openxmlformats.org/drawingml/2006/main" xmlns:r="http://schemas.openxmlformats.org/officeDocument/2006/relationships" xmlns:mc="http://schemas.openxmlformats.org/markup-compatibility/2006" xmlns:mv="urn:schemas-microsoft-com:mac:vml" xmlns:p="http://schemas.openxmlformats.org/presentationml/2006/main" xmlns:c="http://schemas.openxmlformats.org/drawingml/2006/chart" xmlns:dgm="http://schemas.openxmlformats.org/drawingml/2006/diagram" xmlns:o="urn:schemas-microsoft-com:office:office" xmlns:v="urn:schemas-microsoft-com:vml" xmlns:pvml="urn:schemas-microsoft-com:office:powerpoint" xmlns:com="http://schemas.openxmlformats.org/drawingml/2006/compatibility" xmlns:p14="http://schemas.microsoft.com/office/powerpoint/2010/main" xmlns:p15="http://schemas.microsoft.com/office/powerpoint/2012/main" xmlns:ahyp="http://schemas.microsoft.com/office/drawing/2018/hyperlinkcolor" matchingName="Title and body" type="tx">
+<p:sldLayout xmlns:a="http://schemas.openxmlformats.org/drawingml/2006/main" xmlns:r="http://schemas.openxmlformats.org/officeDocument/2006/relationships" xmlns:p="http://schemas.openxmlformats.org/presentationml/2006/main" matchingName="Title and body" type="tx">
   <p:cSld name="TITLE_AND_BODY">
     <p:spTree>
       <p:nvGrpSpPr>
-        <p:cNvPr id="16" name="Shape 16"/>
+        <p:cNvPr id="1" name="Shape 16"/>
         <p:cNvGrpSpPr/>
         <p:nvPr/>
       </p:nvGrpSpPr>
@@ -3705,7 +3828,9 @@
       <p:sp>
         <p:nvSpPr>
           <p:cNvPr id="17" name="Google Shape;17;p4"/>
-          <p:cNvSpPr txBox="1"/>
+          <p:cNvSpPr txBox="1">
+            <a:spLocks noGrp="1"/>
+          </p:cNvSpPr>
           <p:nvPr>
             <p:ph type="title"/>
           </p:nvPr>
@@ -3720,7 +3845,7 @@
           </a:prstGeom>
         </p:spPr>
         <p:txBody>
-          <a:bodyPr anchorCtr="0" anchor="t" bIns="91425" lIns="91425" spcFirstLastPara="1" rIns="91425" wrap="square" tIns="91425">
+          <a:bodyPr spcFirstLastPara="1" wrap="square" lIns="91425" tIns="91425" rIns="91425" bIns="91425" anchor="t" anchorCtr="0">
             <a:normAutofit/>
           </a:bodyPr>
           <a:lstStyle>
@@ -3824,15 +3949,19 @@
               <a:defRPr/>
             </a:lvl9pPr>
           </a:lstStyle>
-          <a:p/>
+          <a:p>
+            <a:endParaRPr/>
+          </a:p>
         </p:txBody>
       </p:sp>
       <p:sp>
         <p:nvSpPr>
           <p:cNvPr id="18" name="Google Shape;18;p4"/>
-          <p:cNvSpPr txBox="1"/>
+          <p:cNvSpPr txBox="1">
+            <a:spLocks noGrp="1"/>
+          </p:cNvSpPr>
           <p:nvPr>
-            <p:ph idx="1" type="body"/>
+            <p:ph type="body" idx="1"/>
           </p:nvPr>
         </p:nvSpPr>
         <p:spPr>
@@ -3845,11 +3974,11 @@
           </a:prstGeom>
         </p:spPr>
         <p:txBody>
-          <a:bodyPr anchorCtr="0" anchor="t" bIns="91425" lIns="91425" spcFirstLastPara="1" rIns="91425" wrap="square" tIns="91425">
+          <a:bodyPr spcFirstLastPara="1" wrap="square" lIns="91425" tIns="91425" rIns="91425" bIns="91425" anchor="t" anchorCtr="0">
             <a:normAutofit/>
           </a:bodyPr>
           <a:lstStyle>
-            <a:lvl1pPr indent="-342900" lvl="0" marL="457200">
+            <a:lvl1pPr marL="457200" lvl="0" indent="-342900">
               <a:spcBef>
                 <a:spcPts val="0"/>
               </a:spcBef>
@@ -3860,7 +3989,7 @@
               <a:buChar char="●"/>
               <a:defRPr/>
             </a:lvl1pPr>
-            <a:lvl2pPr indent="-317500" lvl="1" marL="914400">
+            <a:lvl2pPr marL="914400" lvl="1" indent="-317500">
               <a:spcBef>
                 <a:spcPts val="0"/>
               </a:spcBef>
@@ -3871,7 +4000,7 @@
               <a:buChar char="○"/>
               <a:defRPr/>
             </a:lvl2pPr>
-            <a:lvl3pPr indent="-317500" lvl="2" marL="1371600">
+            <a:lvl3pPr marL="1371600" lvl="2" indent="-317500">
               <a:spcBef>
                 <a:spcPts val="0"/>
               </a:spcBef>
@@ -3882,7 +4011,7 @@
               <a:buChar char="■"/>
               <a:defRPr/>
             </a:lvl3pPr>
-            <a:lvl4pPr indent="-317500" lvl="3" marL="1828800">
+            <a:lvl4pPr marL="1828800" lvl="3" indent="-317500">
               <a:spcBef>
                 <a:spcPts val="0"/>
               </a:spcBef>
@@ -3893,7 +4022,7 @@
               <a:buChar char="●"/>
               <a:defRPr/>
             </a:lvl4pPr>
-            <a:lvl5pPr indent="-317500" lvl="4" marL="2286000">
+            <a:lvl5pPr marL="2286000" lvl="4" indent="-317500">
               <a:spcBef>
                 <a:spcPts val="0"/>
               </a:spcBef>
@@ -3904,7 +4033,7 @@
               <a:buChar char="○"/>
               <a:defRPr/>
             </a:lvl5pPr>
-            <a:lvl6pPr indent="-317500" lvl="5" marL="2743200">
+            <a:lvl6pPr marL="2743200" lvl="5" indent="-317500">
               <a:spcBef>
                 <a:spcPts val="0"/>
               </a:spcBef>
@@ -3915,7 +4044,7 @@
               <a:buChar char="■"/>
               <a:defRPr/>
             </a:lvl6pPr>
-            <a:lvl7pPr indent="-317500" lvl="6" marL="3200400">
+            <a:lvl7pPr marL="3200400" lvl="6" indent="-317500">
               <a:spcBef>
                 <a:spcPts val="0"/>
               </a:spcBef>
@@ -3926,7 +4055,7 @@
               <a:buChar char="●"/>
               <a:defRPr/>
             </a:lvl7pPr>
-            <a:lvl8pPr indent="-317500" lvl="7" marL="3657600">
+            <a:lvl8pPr marL="3657600" lvl="7" indent="-317500">
               <a:spcBef>
                 <a:spcPts val="0"/>
               </a:spcBef>
@@ -3937,7 +4066,7 @@
               <a:buChar char="○"/>
               <a:defRPr/>
             </a:lvl8pPr>
-            <a:lvl9pPr indent="-317500" lvl="8" marL="4114800">
+            <a:lvl9pPr marL="4114800" lvl="8" indent="-317500">
               <a:spcBef>
                 <a:spcPts val="0"/>
               </a:spcBef>
@@ -3949,15 +4078,19 @@
               <a:defRPr/>
             </a:lvl9pPr>
           </a:lstStyle>
-          <a:p/>
+          <a:p>
+            <a:endParaRPr/>
+          </a:p>
         </p:txBody>
       </p:sp>
       <p:sp>
         <p:nvSpPr>
           <p:cNvPr id="19" name="Google Shape;19;p4"/>
-          <p:cNvSpPr txBox="1"/>
+          <p:cNvSpPr txBox="1">
+            <a:spLocks noGrp="1"/>
+          </p:cNvSpPr>
           <p:nvPr>
-            <p:ph idx="12" type="sldNum"/>
+            <p:ph type="sldNum" idx="12"/>
           </p:nvPr>
         </p:nvSpPr>
         <p:spPr>
@@ -3970,7 +4103,7 @@
           </a:prstGeom>
         </p:spPr>
         <p:txBody>
-          <a:bodyPr anchorCtr="0" anchor="ctr" bIns="91425" lIns="91425" spcFirstLastPara="1" rIns="91425" wrap="square" tIns="91425">
+          <a:bodyPr spcFirstLastPara="1" wrap="square" lIns="91425" tIns="91425" rIns="91425" bIns="91425" anchor="ctr" anchorCtr="0">
             <a:normAutofit/>
           </a:bodyPr>
           <a:lstStyle>
@@ -4012,7 +4145,7 @@
             </a:lvl9pPr>
           </a:lstStyle>
           <a:p>
-            <a:pPr indent="0" lvl="0" marL="0" rtl="0" algn="r">
+            <a:pPr marL="0" lvl="0" indent="0" algn="r" rtl="0">
               <a:spcBef>
                 <a:spcPts val="0"/>
               </a:spcBef>
@@ -4038,11 +4171,11 @@
 </file>
 
 <file path=ppt/slideLayouts/slideLayout4.xml><?xml version="1.0" encoding="utf-8"?>
-<p:sldLayout xmlns:a="http://schemas.openxmlformats.org/drawingml/2006/main" xmlns:r="http://schemas.openxmlformats.org/officeDocument/2006/relationships" xmlns:mc="http://schemas.openxmlformats.org/markup-compatibility/2006" xmlns:mv="urn:schemas-microsoft-com:mac:vml" xmlns:p="http://schemas.openxmlformats.org/presentationml/2006/main" xmlns:c="http://schemas.openxmlformats.org/drawingml/2006/chart" xmlns:dgm="http://schemas.openxmlformats.org/drawingml/2006/diagram" xmlns:o="urn:schemas-microsoft-com:office:office" xmlns:v="urn:schemas-microsoft-com:vml" xmlns:pvml="urn:schemas-microsoft-com:office:powerpoint" xmlns:com="http://schemas.openxmlformats.org/drawingml/2006/compatibility" xmlns:p14="http://schemas.microsoft.com/office/powerpoint/2010/main" xmlns:p15="http://schemas.microsoft.com/office/powerpoint/2012/main" xmlns:ahyp="http://schemas.microsoft.com/office/drawing/2018/hyperlinkcolor" matchingName="Title and two columns" type="twoColTx">
+<p:sldLayout xmlns:a="http://schemas.openxmlformats.org/drawingml/2006/main" xmlns:r="http://schemas.openxmlformats.org/officeDocument/2006/relationships" xmlns:p="http://schemas.openxmlformats.org/presentationml/2006/main" matchingName="Title and two columns" type="twoColTx">
   <p:cSld name="TITLE_AND_TWO_COLUMNS">
     <p:spTree>
       <p:nvGrpSpPr>
-        <p:cNvPr id="20" name="Shape 20"/>
+        <p:cNvPr id="1" name="Shape 20"/>
         <p:cNvGrpSpPr/>
         <p:nvPr/>
       </p:nvGrpSpPr>
@@ -4057,7 +4190,9 @@
       <p:sp>
         <p:nvSpPr>
           <p:cNvPr id="21" name="Google Shape;21;p5"/>
-          <p:cNvSpPr txBox="1"/>
+          <p:cNvSpPr txBox="1">
+            <a:spLocks noGrp="1"/>
+          </p:cNvSpPr>
           <p:nvPr>
             <p:ph type="title"/>
           </p:nvPr>
@@ -4072,7 +4207,7 @@
           </a:prstGeom>
         </p:spPr>
         <p:txBody>
-          <a:bodyPr anchorCtr="0" anchor="t" bIns="91425" lIns="91425" spcFirstLastPara="1" rIns="91425" wrap="square" tIns="91425">
+          <a:bodyPr spcFirstLastPara="1" wrap="square" lIns="91425" tIns="91425" rIns="91425" bIns="91425" anchor="t" anchorCtr="0">
             <a:normAutofit/>
           </a:bodyPr>
           <a:lstStyle>
@@ -4176,15 +4311,19 @@
               <a:defRPr/>
             </a:lvl9pPr>
           </a:lstStyle>
-          <a:p/>
+          <a:p>
+            <a:endParaRPr/>
+          </a:p>
         </p:txBody>
       </p:sp>
       <p:sp>
         <p:nvSpPr>
           <p:cNvPr id="22" name="Google Shape;22;p5"/>
-          <p:cNvSpPr txBox="1"/>
+          <p:cNvSpPr txBox="1">
+            <a:spLocks noGrp="1"/>
+          </p:cNvSpPr>
           <p:nvPr>
-            <p:ph idx="1" type="body"/>
+            <p:ph type="body" idx="1"/>
           </p:nvPr>
         </p:nvSpPr>
         <p:spPr>
@@ -4197,11 +4336,11 @@
           </a:prstGeom>
         </p:spPr>
         <p:txBody>
-          <a:bodyPr anchorCtr="0" anchor="t" bIns="91425" lIns="91425" spcFirstLastPara="1" rIns="91425" wrap="square" tIns="91425">
+          <a:bodyPr spcFirstLastPara="1" wrap="square" lIns="91425" tIns="91425" rIns="91425" bIns="91425" anchor="t" anchorCtr="0">
             <a:normAutofit/>
           </a:bodyPr>
           <a:lstStyle>
-            <a:lvl1pPr indent="-317500" lvl="0" marL="457200">
+            <a:lvl1pPr marL="457200" lvl="0" indent="-317500">
               <a:spcBef>
                 <a:spcPts val="0"/>
               </a:spcBef>
@@ -4212,7 +4351,7 @@
               <a:buChar char="●"/>
               <a:defRPr sz="1400"/>
             </a:lvl1pPr>
-            <a:lvl2pPr indent="-304800" lvl="1" marL="914400">
+            <a:lvl2pPr marL="914400" lvl="1" indent="-304800">
               <a:spcBef>
                 <a:spcPts val="0"/>
               </a:spcBef>
@@ -4223,7 +4362,7 @@
               <a:buChar char="○"/>
               <a:defRPr sz="1200"/>
             </a:lvl2pPr>
-            <a:lvl3pPr indent="-304800" lvl="2" marL="1371600">
+            <a:lvl3pPr marL="1371600" lvl="2" indent="-304800">
               <a:spcBef>
                 <a:spcPts val="0"/>
               </a:spcBef>
@@ -4234,7 +4373,7 @@
               <a:buChar char="■"/>
               <a:defRPr sz="1200"/>
             </a:lvl3pPr>
-            <a:lvl4pPr indent="-304800" lvl="3" marL="1828800">
+            <a:lvl4pPr marL="1828800" lvl="3" indent="-304800">
               <a:spcBef>
                 <a:spcPts val="0"/>
               </a:spcBef>
@@ -4245,7 +4384,7 @@
               <a:buChar char="●"/>
               <a:defRPr sz="1200"/>
             </a:lvl4pPr>
-            <a:lvl5pPr indent="-304800" lvl="4" marL="2286000">
+            <a:lvl5pPr marL="2286000" lvl="4" indent="-304800">
               <a:spcBef>
                 <a:spcPts val="0"/>
               </a:spcBef>
@@ -4256,7 +4395,7 @@
               <a:buChar char="○"/>
               <a:defRPr sz="1200"/>
             </a:lvl5pPr>
-            <a:lvl6pPr indent="-304800" lvl="5" marL="2743200">
+            <a:lvl6pPr marL="2743200" lvl="5" indent="-304800">
               <a:spcBef>
                 <a:spcPts val="0"/>
               </a:spcBef>
@@ -4267,7 +4406,7 @@
               <a:buChar char="■"/>
               <a:defRPr sz="1200"/>
             </a:lvl6pPr>
-            <a:lvl7pPr indent="-304800" lvl="6" marL="3200400">
+            <a:lvl7pPr marL="3200400" lvl="6" indent="-304800">
               <a:spcBef>
                 <a:spcPts val="0"/>
               </a:spcBef>
@@ -4278,7 +4417,7 @@
               <a:buChar char="●"/>
               <a:defRPr sz="1200"/>
             </a:lvl7pPr>
-            <a:lvl8pPr indent="-304800" lvl="7" marL="3657600">
+            <a:lvl8pPr marL="3657600" lvl="7" indent="-304800">
               <a:spcBef>
                 <a:spcPts val="0"/>
               </a:spcBef>
@@ -4289,7 +4428,7 @@
               <a:buChar char="○"/>
               <a:defRPr sz="1200"/>
             </a:lvl8pPr>
-            <a:lvl9pPr indent="-304800" lvl="8" marL="4114800">
+            <a:lvl9pPr marL="4114800" lvl="8" indent="-304800">
               <a:spcBef>
                 <a:spcPts val="0"/>
               </a:spcBef>
@@ -4301,15 +4440,19 @@
               <a:defRPr sz="1200"/>
             </a:lvl9pPr>
           </a:lstStyle>
-          <a:p/>
+          <a:p>
+            <a:endParaRPr/>
+          </a:p>
         </p:txBody>
       </p:sp>
       <p:sp>
         <p:nvSpPr>
           <p:cNvPr id="23" name="Google Shape;23;p5"/>
-          <p:cNvSpPr txBox="1"/>
+          <p:cNvSpPr txBox="1">
+            <a:spLocks noGrp="1"/>
+          </p:cNvSpPr>
           <p:nvPr>
-            <p:ph idx="2" type="body"/>
+            <p:ph type="body" idx="2"/>
           </p:nvPr>
         </p:nvSpPr>
         <p:spPr>
@@ -4322,11 +4465,11 @@
           </a:prstGeom>
         </p:spPr>
         <p:txBody>
-          <a:bodyPr anchorCtr="0" anchor="t" bIns="91425" lIns="91425" spcFirstLastPara="1" rIns="91425" wrap="square" tIns="91425">
+          <a:bodyPr spcFirstLastPara="1" wrap="square" lIns="91425" tIns="91425" rIns="91425" bIns="91425" anchor="t" anchorCtr="0">
             <a:normAutofit/>
           </a:bodyPr>
           <a:lstStyle>
-            <a:lvl1pPr indent="-317500" lvl="0" marL="457200">
+            <a:lvl1pPr marL="457200" lvl="0" indent="-317500">
               <a:spcBef>
                 <a:spcPts val="0"/>
               </a:spcBef>
@@ -4337,7 +4480,7 @@
               <a:buChar char="●"/>
               <a:defRPr sz="1400"/>
             </a:lvl1pPr>
-            <a:lvl2pPr indent="-304800" lvl="1" marL="914400">
+            <a:lvl2pPr marL="914400" lvl="1" indent="-304800">
               <a:spcBef>
                 <a:spcPts val="0"/>
               </a:spcBef>
@@ -4348,7 +4491,7 @@
               <a:buChar char="○"/>
               <a:defRPr sz="1200"/>
             </a:lvl2pPr>
-            <a:lvl3pPr indent="-304800" lvl="2" marL="1371600">
+            <a:lvl3pPr marL="1371600" lvl="2" indent="-304800">
               <a:spcBef>
                 <a:spcPts val="0"/>
               </a:spcBef>
@@ -4359,7 +4502,7 @@
               <a:buChar char="■"/>
               <a:defRPr sz="1200"/>
             </a:lvl3pPr>
-            <a:lvl4pPr indent="-304800" lvl="3" marL="1828800">
+            <a:lvl4pPr marL="1828800" lvl="3" indent="-304800">
               <a:spcBef>
                 <a:spcPts val="0"/>
               </a:spcBef>
@@ -4370,7 +4513,7 @@
               <a:buChar char="●"/>
               <a:defRPr sz="1200"/>
             </a:lvl4pPr>
-            <a:lvl5pPr indent="-304800" lvl="4" marL="2286000">
+            <a:lvl5pPr marL="2286000" lvl="4" indent="-304800">
               <a:spcBef>
                 <a:spcPts val="0"/>
               </a:spcBef>
@@ -4381,7 +4524,7 @@
               <a:buChar char="○"/>
               <a:defRPr sz="1200"/>
             </a:lvl5pPr>
-            <a:lvl6pPr indent="-304800" lvl="5" marL="2743200">
+            <a:lvl6pPr marL="2743200" lvl="5" indent="-304800">
               <a:spcBef>
                 <a:spcPts val="0"/>
               </a:spcBef>
@@ -4392,7 +4535,7 @@
               <a:buChar char="■"/>
               <a:defRPr sz="1200"/>
             </a:lvl6pPr>
-            <a:lvl7pPr indent="-304800" lvl="6" marL="3200400">
+            <a:lvl7pPr marL="3200400" lvl="6" indent="-304800">
               <a:spcBef>
                 <a:spcPts val="0"/>
               </a:spcBef>
@@ -4403,7 +4546,7 @@
               <a:buChar char="●"/>
               <a:defRPr sz="1200"/>
             </a:lvl7pPr>
-            <a:lvl8pPr indent="-304800" lvl="7" marL="3657600">
+            <a:lvl8pPr marL="3657600" lvl="7" indent="-304800">
               <a:spcBef>
                 <a:spcPts val="0"/>
               </a:spcBef>
@@ -4414,7 +4557,7 @@
               <a:buChar char="○"/>
               <a:defRPr sz="1200"/>
             </a:lvl8pPr>
-            <a:lvl9pPr indent="-304800" lvl="8" marL="4114800">
+            <a:lvl9pPr marL="4114800" lvl="8" indent="-304800">
               <a:spcBef>
                 <a:spcPts val="0"/>
               </a:spcBef>
@@ -4426,15 +4569,19 @@
               <a:defRPr sz="1200"/>
             </a:lvl9pPr>
           </a:lstStyle>
-          <a:p/>
+          <a:p>
+            <a:endParaRPr/>
+          </a:p>
         </p:txBody>
       </p:sp>
       <p:sp>
         <p:nvSpPr>
           <p:cNvPr id="24" name="Google Shape;24;p5"/>
-          <p:cNvSpPr txBox="1"/>
+          <p:cNvSpPr txBox="1">
+            <a:spLocks noGrp="1"/>
+          </p:cNvSpPr>
           <p:nvPr>
-            <p:ph idx="12" type="sldNum"/>
+            <p:ph type="sldNum" idx="12"/>
           </p:nvPr>
         </p:nvSpPr>
         <p:spPr>
@@ -4447,7 +4594,7 @@
           </a:prstGeom>
         </p:spPr>
         <p:txBody>
-          <a:bodyPr anchorCtr="0" anchor="ctr" bIns="91425" lIns="91425" spcFirstLastPara="1" rIns="91425" wrap="square" tIns="91425">
+          <a:bodyPr spcFirstLastPara="1" wrap="square" lIns="91425" tIns="91425" rIns="91425" bIns="91425" anchor="ctr" anchorCtr="0">
             <a:normAutofit/>
           </a:bodyPr>
           <a:lstStyle>
@@ -4489,7 +4636,7 @@
             </a:lvl9pPr>
           </a:lstStyle>
           <a:p>
-            <a:pPr indent="0" lvl="0" marL="0" rtl="0" algn="r">
+            <a:pPr marL="0" lvl="0" indent="0" algn="r" rtl="0">
               <a:spcBef>
                 <a:spcPts val="0"/>
               </a:spcBef>
@@ -4515,11 +4662,11 @@
 </file>
 
 <file path=ppt/slideLayouts/slideLayout5.xml><?xml version="1.0" encoding="utf-8"?>
-<p:sldLayout xmlns:a="http://schemas.openxmlformats.org/drawingml/2006/main" xmlns:r="http://schemas.openxmlformats.org/officeDocument/2006/relationships" xmlns:mc="http://schemas.openxmlformats.org/markup-compatibility/2006" xmlns:mv="urn:schemas-microsoft-com:mac:vml" xmlns:p="http://schemas.openxmlformats.org/presentationml/2006/main" xmlns:c="http://schemas.openxmlformats.org/drawingml/2006/chart" xmlns:dgm="http://schemas.openxmlformats.org/drawingml/2006/diagram" xmlns:o="urn:schemas-microsoft-com:office:office" xmlns:v="urn:schemas-microsoft-com:vml" xmlns:pvml="urn:schemas-microsoft-com:office:powerpoint" xmlns:com="http://schemas.openxmlformats.org/drawingml/2006/compatibility" xmlns:p14="http://schemas.microsoft.com/office/powerpoint/2010/main" xmlns:p15="http://schemas.microsoft.com/office/powerpoint/2012/main" xmlns:ahyp="http://schemas.microsoft.com/office/drawing/2018/hyperlinkcolor" matchingName="Title only" type="titleOnly">
+<p:sldLayout xmlns:a="http://schemas.openxmlformats.org/drawingml/2006/main" xmlns:r="http://schemas.openxmlformats.org/officeDocument/2006/relationships" xmlns:p="http://schemas.openxmlformats.org/presentationml/2006/main" matchingName="Title only" type="titleOnly">
   <p:cSld name="TITLE_ONLY">
     <p:spTree>
       <p:nvGrpSpPr>
-        <p:cNvPr id="25" name="Shape 25"/>
+        <p:cNvPr id="1" name="Shape 25"/>
         <p:cNvGrpSpPr/>
         <p:nvPr/>
       </p:nvGrpSpPr>
@@ -4534,7 +4681,9 @@
       <p:sp>
         <p:nvSpPr>
           <p:cNvPr id="26" name="Google Shape;26;p6"/>
-          <p:cNvSpPr txBox="1"/>
+          <p:cNvSpPr txBox="1">
+            <a:spLocks noGrp="1"/>
+          </p:cNvSpPr>
           <p:nvPr>
             <p:ph type="title"/>
           </p:nvPr>
@@ -4549,7 +4698,7 @@
           </a:prstGeom>
         </p:spPr>
         <p:txBody>
-          <a:bodyPr anchorCtr="0" anchor="t" bIns="91425" lIns="91425" spcFirstLastPara="1" rIns="91425" wrap="square" tIns="91425">
+          <a:bodyPr spcFirstLastPara="1" wrap="square" lIns="91425" tIns="91425" rIns="91425" bIns="91425" anchor="t" anchorCtr="0">
             <a:normAutofit/>
           </a:bodyPr>
           <a:lstStyle>
@@ -4653,15 +4802,19 @@
               <a:defRPr/>
             </a:lvl9pPr>
           </a:lstStyle>
-          <a:p/>
+          <a:p>
+            <a:endParaRPr/>
+          </a:p>
         </p:txBody>
       </p:sp>
       <p:sp>
         <p:nvSpPr>
           <p:cNvPr id="27" name="Google Shape;27;p6"/>
-          <p:cNvSpPr txBox="1"/>
+          <p:cNvSpPr txBox="1">
+            <a:spLocks noGrp="1"/>
+          </p:cNvSpPr>
           <p:nvPr>
-            <p:ph idx="12" type="sldNum"/>
+            <p:ph type="sldNum" idx="12"/>
           </p:nvPr>
         </p:nvSpPr>
         <p:spPr>
@@ -4674,7 +4827,7 @@
           </a:prstGeom>
         </p:spPr>
         <p:txBody>
-          <a:bodyPr anchorCtr="0" anchor="ctr" bIns="91425" lIns="91425" spcFirstLastPara="1" rIns="91425" wrap="square" tIns="91425">
+          <a:bodyPr spcFirstLastPara="1" wrap="square" lIns="91425" tIns="91425" rIns="91425" bIns="91425" anchor="ctr" anchorCtr="0">
             <a:normAutofit/>
           </a:bodyPr>
           <a:lstStyle>
@@ -4716,7 +4869,7 @@
             </a:lvl9pPr>
           </a:lstStyle>
           <a:p>
-            <a:pPr indent="0" lvl="0" marL="0" rtl="0" algn="r">
+            <a:pPr marL="0" lvl="0" indent="0" algn="r" rtl="0">
               <a:spcBef>
                 <a:spcPts val="0"/>
               </a:spcBef>
@@ -4742,11 +4895,11 @@
 </file>
 
 <file path=ppt/slideLayouts/slideLayout6.xml><?xml version="1.0" encoding="utf-8"?>
-<p:sldLayout xmlns:a="http://schemas.openxmlformats.org/drawingml/2006/main" xmlns:r="http://schemas.openxmlformats.org/officeDocument/2006/relationships" xmlns:mc="http://schemas.openxmlformats.org/markup-compatibility/2006" xmlns:mv="urn:schemas-microsoft-com:mac:vml" xmlns:p="http://schemas.openxmlformats.org/presentationml/2006/main" xmlns:c="http://schemas.openxmlformats.org/drawingml/2006/chart" xmlns:dgm="http://schemas.openxmlformats.org/drawingml/2006/diagram" xmlns:o="urn:schemas-microsoft-com:office:office" xmlns:v="urn:schemas-microsoft-com:vml" xmlns:pvml="urn:schemas-microsoft-com:office:powerpoint" xmlns:com="http://schemas.openxmlformats.org/drawingml/2006/compatibility" xmlns:p14="http://schemas.microsoft.com/office/powerpoint/2010/main" xmlns:p15="http://schemas.microsoft.com/office/powerpoint/2012/main" xmlns:ahyp="http://schemas.microsoft.com/office/drawing/2018/hyperlinkcolor" matchingName="One column text">
+<p:sldLayout xmlns:a="http://schemas.openxmlformats.org/drawingml/2006/main" xmlns:r="http://schemas.openxmlformats.org/officeDocument/2006/relationships" xmlns:p="http://schemas.openxmlformats.org/presentationml/2006/main" matchingName="One column text">
   <p:cSld name="ONE_COLUMN_TEXT">
     <p:spTree>
       <p:nvGrpSpPr>
-        <p:cNvPr id="28" name="Shape 28"/>
+        <p:cNvPr id="1" name="Shape 28"/>
         <p:cNvGrpSpPr/>
         <p:nvPr/>
       </p:nvGrpSpPr>
@@ -4761,7 +4914,9 @@
       <p:sp>
         <p:nvSpPr>
           <p:cNvPr id="29" name="Google Shape;29;p7"/>
-          <p:cNvSpPr txBox="1"/>
+          <p:cNvSpPr txBox="1">
+            <a:spLocks noGrp="1"/>
+          </p:cNvSpPr>
           <p:nvPr>
             <p:ph type="title"/>
           </p:nvPr>
@@ -4776,7 +4931,7 @@
           </a:prstGeom>
         </p:spPr>
         <p:txBody>
-          <a:bodyPr anchorCtr="0" anchor="b" bIns="91425" lIns="91425" spcFirstLastPara="1" rIns="91425" wrap="square" tIns="91425">
+          <a:bodyPr spcFirstLastPara="1" wrap="square" lIns="91425" tIns="91425" rIns="91425" bIns="91425" anchor="b" anchorCtr="0">
             <a:normAutofit/>
           </a:bodyPr>
           <a:lstStyle>
@@ -4880,15 +5035,19 @@
               <a:defRPr sz="2400"/>
             </a:lvl9pPr>
           </a:lstStyle>
-          <a:p/>
+          <a:p>
+            <a:endParaRPr/>
+          </a:p>
         </p:txBody>
       </p:sp>
       <p:sp>
         <p:nvSpPr>
           <p:cNvPr id="30" name="Google Shape;30;p7"/>
-          <p:cNvSpPr txBox="1"/>
+          <p:cNvSpPr txBox="1">
+            <a:spLocks noGrp="1"/>
+          </p:cNvSpPr>
           <p:nvPr>
-            <p:ph idx="1" type="body"/>
+            <p:ph type="body" idx="1"/>
           </p:nvPr>
         </p:nvSpPr>
         <p:spPr>
@@ -4901,11 +5060,11 @@
           </a:prstGeom>
         </p:spPr>
         <p:txBody>
-          <a:bodyPr anchorCtr="0" anchor="t" bIns="91425" lIns="91425" spcFirstLastPara="1" rIns="91425" wrap="square" tIns="91425">
+          <a:bodyPr spcFirstLastPara="1" wrap="square" lIns="91425" tIns="91425" rIns="91425" bIns="91425" anchor="t" anchorCtr="0">
             <a:normAutofit/>
           </a:bodyPr>
           <a:lstStyle>
-            <a:lvl1pPr indent="-304800" lvl="0" marL="457200">
+            <a:lvl1pPr marL="457200" lvl="0" indent="-304800">
               <a:spcBef>
                 <a:spcPts val="0"/>
               </a:spcBef>
@@ -4916,7 +5075,7 @@
               <a:buChar char="●"/>
               <a:defRPr sz="1200"/>
             </a:lvl1pPr>
-            <a:lvl2pPr indent="-304800" lvl="1" marL="914400">
+            <a:lvl2pPr marL="914400" lvl="1" indent="-304800">
               <a:spcBef>
                 <a:spcPts val="0"/>
               </a:spcBef>
@@ -4927,7 +5086,7 @@
               <a:buChar char="○"/>
               <a:defRPr sz="1200"/>
             </a:lvl2pPr>
-            <a:lvl3pPr indent="-304800" lvl="2" marL="1371600">
+            <a:lvl3pPr marL="1371600" lvl="2" indent="-304800">
               <a:spcBef>
                 <a:spcPts val="0"/>
               </a:spcBef>
@@ -4938,7 +5097,7 @@
               <a:buChar char="■"/>
               <a:defRPr sz="1200"/>
             </a:lvl3pPr>
-            <a:lvl4pPr indent="-304800" lvl="3" marL="1828800">
+            <a:lvl4pPr marL="1828800" lvl="3" indent="-304800">
               <a:spcBef>
                 <a:spcPts val="0"/>
               </a:spcBef>
@@ -4949,7 +5108,7 @@
               <a:buChar char="●"/>
               <a:defRPr sz="1200"/>
             </a:lvl4pPr>
-            <a:lvl5pPr indent="-304800" lvl="4" marL="2286000">
+            <a:lvl5pPr marL="2286000" lvl="4" indent="-304800">
               <a:spcBef>
                 <a:spcPts val="0"/>
               </a:spcBef>
@@ -4960,7 +5119,7 @@
               <a:buChar char="○"/>
               <a:defRPr sz="1200"/>
             </a:lvl5pPr>
-            <a:lvl6pPr indent="-304800" lvl="5" marL="2743200">
+            <a:lvl6pPr marL="2743200" lvl="5" indent="-304800">
               <a:spcBef>
                 <a:spcPts val="0"/>
               </a:spcBef>
@@ -4971,7 +5130,7 @@
               <a:buChar char="■"/>
               <a:defRPr sz="1200"/>
             </a:lvl6pPr>
-            <a:lvl7pPr indent="-304800" lvl="6" marL="3200400">
+            <a:lvl7pPr marL="3200400" lvl="6" indent="-304800">
               <a:spcBef>
                 <a:spcPts val="0"/>
               </a:spcBef>
@@ -4982,7 +5141,7 @@
               <a:buChar char="●"/>
               <a:defRPr sz="1200"/>
             </a:lvl7pPr>
-            <a:lvl8pPr indent="-304800" lvl="7" marL="3657600">
+            <a:lvl8pPr marL="3657600" lvl="7" indent="-304800">
               <a:spcBef>
                 <a:spcPts val="0"/>
               </a:spcBef>
@@ -4993,7 +5152,7 @@
               <a:buChar char="○"/>
               <a:defRPr sz="1200"/>
             </a:lvl8pPr>
-            <a:lvl9pPr indent="-304800" lvl="8" marL="4114800">
+            <a:lvl9pPr marL="4114800" lvl="8" indent="-304800">
               <a:spcBef>
                 <a:spcPts val="0"/>
               </a:spcBef>
@@ -5005,15 +5164,19 @@
               <a:defRPr sz="1200"/>
             </a:lvl9pPr>
           </a:lstStyle>
-          <a:p/>
+          <a:p>
+            <a:endParaRPr/>
+          </a:p>
         </p:txBody>
       </p:sp>
       <p:sp>
         <p:nvSpPr>
           <p:cNvPr id="31" name="Google Shape;31;p7"/>
-          <p:cNvSpPr txBox="1"/>
+          <p:cNvSpPr txBox="1">
+            <a:spLocks noGrp="1"/>
+          </p:cNvSpPr>
           <p:nvPr>
-            <p:ph idx="12" type="sldNum"/>
+            <p:ph type="sldNum" idx="12"/>
           </p:nvPr>
         </p:nvSpPr>
         <p:spPr>
@@ -5026,7 +5189,7 @@
           </a:prstGeom>
         </p:spPr>
         <p:txBody>
-          <a:bodyPr anchorCtr="0" anchor="ctr" bIns="91425" lIns="91425" spcFirstLastPara="1" rIns="91425" wrap="square" tIns="91425">
+          <a:bodyPr spcFirstLastPara="1" wrap="square" lIns="91425" tIns="91425" rIns="91425" bIns="91425" anchor="ctr" anchorCtr="0">
             <a:normAutofit/>
           </a:bodyPr>
           <a:lstStyle>
@@ -5068,7 +5231,7 @@
             </a:lvl9pPr>
           </a:lstStyle>
           <a:p>
-            <a:pPr indent="0" lvl="0" marL="0" rtl="0" algn="r">
+            <a:pPr marL="0" lvl="0" indent="0" algn="r" rtl="0">
               <a:spcBef>
                 <a:spcPts val="0"/>
               </a:spcBef>
@@ -5094,11 +5257,11 @@
 </file>
 
 <file path=ppt/slideLayouts/slideLayout7.xml><?xml version="1.0" encoding="utf-8"?>
-<p:sldLayout xmlns:a="http://schemas.openxmlformats.org/drawingml/2006/main" xmlns:r="http://schemas.openxmlformats.org/officeDocument/2006/relationships" xmlns:mc="http://schemas.openxmlformats.org/markup-compatibility/2006" xmlns:mv="urn:schemas-microsoft-com:mac:vml" xmlns:p="http://schemas.openxmlformats.org/presentationml/2006/main" xmlns:c="http://schemas.openxmlformats.org/drawingml/2006/chart" xmlns:dgm="http://schemas.openxmlformats.org/drawingml/2006/diagram" xmlns:o="urn:schemas-microsoft-com:office:office" xmlns:v="urn:schemas-microsoft-com:vml" xmlns:pvml="urn:schemas-microsoft-com:office:powerpoint" xmlns:com="http://schemas.openxmlformats.org/drawingml/2006/compatibility" xmlns:p14="http://schemas.microsoft.com/office/powerpoint/2010/main" xmlns:p15="http://schemas.microsoft.com/office/powerpoint/2012/main" xmlns:ahyp="http://schemas.microsoft.com/office/drawing/2018/hyperlinkcolor" matchingName="Main point">
+<p:sldLayout xmlns:a="http://schemas.openxmlformats.org/drawingml/2006/main" xmlns:r="http://schemas.openxmlformats.org/officeDocument/2006/relationships" xmlns:p="http://schemas.openxmlformats.org/presentationml/2006/main" matchingName="Main point">
   <p:cSld name="MAIN_POINT">
     <p:spTree>
       <p:nvGrpSpPr>
-        <p:cNvPr id="32" name="Shape 32"/>
+        <p:cNvPr id="1" name="Shape 32"/>
         <p:cNvGrpSpPr/>
         <p:nvPr/>
       </p:nvGrpSpPr>
@@ -5113,7 +5276,9 @@
       <p:sp>
         <p:nvSpPr>
           <p:cNvPr id="33" name="Google Shape;33;p8"/>
-          <p:cNvSpPr txBox="1"/>
+          <p:cNvSpPr txBox="1">
+            <a:spLocks noGrp="1"/>
+          </p:cNvSpPr>
           <p:nvPr>
             <p:ph type="title"/>
           </p:nvPr>
@@ -5128,7 +5293,7 @@
           </a:prstGeom>
         </p:spPr>
         <p:txBody>
-          <a:bodyPr anchorCtr="0" anchor="ctr" bIns="91425" lIns="91425" spcFirstLastPara="1" rIns="91425" wrap="square" tIns="91425">
+          <a:bodyPr spcFirstLastPara="1" wrap="square" lIns="91425" tIns="91425" rIns="91425" bIns="91425" anchor="ctr" anchorCtr="0">
             <a:normAutofit/>
           </a:bodyPr>
           <a:lstStyle>
@@ -5232,15 +5397,19 @@
               <a:defRPr sz="4800"/>
             </a:lvl9pPr>
           </a:lstStyle>
-          <a:p/>
+          <a:p>
+            <a:endParaRPr/>
+          </a:p>
         </p:txBody>
       </p:sp>
       <p:sp>
         <p:nvSpPr>
           <p:cNvPr id="34" name="Google Shape;34;p8"/>
-          <p:cNvSpPr txBox="1"/>
+          <p:cNvSpPr txBox="1">
+            <a:spLocks noGrp="1"/>
+          </p:cNvSpPr>
           <p:nvPr>
-            <p:ph idx="12" type="sldNum"/>
+            <p:ph type="sldNum" idx="12"/>
           </p:nvPr>
         </p:nvSpPr>
         <p:spPr>
@@ -5253,7 +5422,7 @@
           </a:prstGeom>
         </p:spPr>
         <p:txBody>
-          <a:bodyPr anchorCtr="0" anchor="ctr" bIns="91425" lIns="91425" spcFirstLastPara="1" rIns="91425" wrap="square" tIns="91425">
+          <a:bodyPr spcFirstLastPara="1" wrap="square" lIns="91425" tIns="91425" rIns="91425" bIns="91425" anchor="ctr" anchorCtr="0">
             <a:normAutofit/>
           </a:bodyPr>
           <a:lstStyle>
@@ -5295,7 +5464,7 @@
             </a:lvl9pPr>
           </a:lstStyle>
           <a:p>
-            <a:pPr indent="0" lvl="0" marL="0" rtl="0" algn="r">
+            <a:pPr marL="0" lvl="0" indent="0" algn="r" rtl="0">
               <a:spcBef>
                 <a:spcPts val="0"/>
               </a:spcBef>
@@ -5321,11 +5490,11 @@
 </file>
 
 <file path=ppt/slideLayouts/slideLayout8.xml><?xml version="1.0" encoding="utf-8"?>
-<p:sldLayout xmlns:a="http://schemas.openxmlformats.org/drawingml/2006/main" xmlns:r="http://schemas.openxmlformats.org/officeDocument/2006/relationships" xmlns:mc="http://schemas.openxmlformats.org/markup-compatibility/2006" xmlns:mv="urn:schemas-microsoft-com:mac:vml" xmlns:p="http://schemas.openxmlformats.org/presentationml/2006/main" xmlns:c="http://schemas.openxmlformats.org/drawingml/2006/chart" xmlns:dgm="http://schemas.openxmlformats.org/drawingml/2006/diagram" xmlns:o="urn:schemas-microsoft-com:office:office" xmlns:v="urn:schemas-microsoft-com:vml" xmlns:pvml="urn:schemas-microsoft-com:office:powerpoint" xmlns:com="http://schemas.openxmlformats.org/drawingml/2006/compatibility" xmlns:p14="http://schemas.microsoft.com/office/powerpoint/2010/main" xmlns:p15="http://schemas.microsoft.com/office/powerpoint/2012/main" xmlns:ahyp="http://schemas.microsoft.com/office/drawing/2018/hyperlinkcolor" matchingName="Section title and description">
+<p:sldLayout xmlns:a="http://schemas.openxmlformats.org/drawingml/2006/main" xmlns:r="http://schemas.openxmlformats.org/officeDocument/2006/relationships" xmlns:p="http://schemas.openxmlformats.org/presentationml/2006/main" matchingName="Section title and description">
   <p:cSld name="SECTION_TITLE_AND_DESCRIPTION">
     <p:spTree>
       <p:nvGrpSpPr>
-        <p:cNvPr id="35" name="Shape 35"/>
+        <p:cNvPr id="1" name="Shape 35"/>
         <p:cNvGrpSpPr/>
         <p:nvPr/>
       </p:nvGrpSpPr>
@@ -5359,12 +5528,12 @@
           </a:ln>
         </p:spPr>
         <p:txBody>
-          <a:bodyPr anchorCtr="0" anchor="ctr" bIns="91425" lIns="91425" spcFirstLastPara="1" rIns="91425" wrap="square" tIns="91425">
+          <a:bodyPr spcFirstLastPara="1" wrap="square" lIns="91425" tIns="91425" rIns="91425" bIns="91425" anchor="ctr" anchorCtr="0">
             <a:noAutofit/>
           </a:bodyPr>
           <a:lstStyle/>
           <a:p>
-            <a:pPr indent="0" lvl="0" marL="0" rtl="0" algn="l">
+            <a:pPr marL="0" lvl="0" indent="0" algn="l" rtl="0">
               <a:spcBef>
                 <a:spcPts val="0"/>
               </a:spcBef>
@@ -5373,9 +5542,6 @@
               </a:spcAft>
               <a:buNone/>
             </a:pPr>
-            <a:r>
-              <a:t/>
-            </a:r>
             <a:endParaRPr/>
           </a:p>
         </p:txBody>
@@ -5383,7 +5549,9 @@
       <p:sp>
         <p:nvSpPr>
           <p:cNvPr id="37" name="Google Shape;37;p9"/>
-          <p:cNvSpPr txBox="1"/>
+          <p:cNvSpPr txBox="1">
+            <a:spLocks noGrp="1"/>
+          </p:cNvSpPr>
           <p:nvPr>
             <p:ph type="title"/>
           </p:nvPr>
@@ -5398,7 +5566,7 @@
           </a:prstGeom>
         </p:spPr>
         <p:txBody>
-          <a:bodyPr anchorCtr="0" anchor="b" bIns="91425" lIns="91425" spcFirstLastPara="1" rIns="91425" wrap="square" tIns="91425">
+          <a:bodyPr spcFirstLastPara="1" wrap="square" lIns="91425" tIns="91425" rIns="91425" bIns="91425" anchor="b" anchorCtr="0">
             <a:normAutofit/>
           </a:bodyPr>
           <a:lstStyle>
@@ -5502,15 +5670,19 @@
               <a:defRPr sz="4200"/>
             </a:lvl9pPr>
           </a:lstStyle>
-          <a:p/>
+          <a:p>
+            <a:endParaRPr/>
+          </a:p>
         </p:txBody>
       </p:sp>
       <p:sp>
         <p:nvSpPr>
           <p:cNvPr id="38" name="Google Shape;38;p9"/>
-          <p:cNvSpPr txBox="1"/>
+          <p:cNvSpPr txBox="1">
+            <a:spLocks noGrp="1"/>
+          </p:cNvSpPr>
           <p:nvPr>
-            <p:ph idx="1" type="subTitle"/>
+            <p:ph type="subTitle" idx="1"/>
           </p:nvPr>
         </p:nvSpPr>
         <p:spPr>
@@ -5523,7 +5695,7 @@
           </a:prstGeom>
         </p:spPr>
         <p:txBody>
-          <a:bodyPr anchorCtr="0" anchor="t" bIns="91425" lIns="91425" spcFirstLastPara="1" rIns="91425" wrap="square" tIns="91425">
+          <a:bodyPr spcFirstLastPara="1" wrap="square" lIns="91425" tIns="91425" rIns="91425" bIns="91425" anchor="t" anchorCtr="0">
             <a:normAutofit/>
           </a:bodyPr>
           <a:lstStyle>
@@ -5654,15 +5826,19 @@
               <a:defRPr sz="2100"/>
             </a:lvl9pPr>
           </a:lstStyle>
-          <a:p/>
+          <a:p>
+            <a:endParaRPr/>
+          </a:p>
         </p:txBody>
       </p:sp>
       <p:sp>
         <p:nvSpPr>
           <p:cNvPr id="39" name="Google Shape;39;p9"/>
-          <p:cNvSpPr txBox="1"/>
+          <p:cNvSpPr txBox="1">
+            <a:spLocks noGrp="1"/>
+          </p:cNvSpPr>
           <p:nvPr>
-            <p:ph idx="2" type="body"/>
+            <p:ph type="body" idx="2"/>
           </p:nvPr>
         </p:nvSpPr>
         <p:spPr>
@@ -5675,11 +5851,11 @@
           </a:prstGeom>
         </p:spPr>
         <p:txBody>
-          <a:bodyPr anchorCtr="0" anchor="ctr" bIns="91425" lIns="91425" spcFirstLastPara="1" rIns="91425" wrap="square" tIns="91425">
+          <a:bodyPr spcFirstLastPara="1" wrap="square" lIns="91425" tIns="91425" rIns="91425" bIns="91425" anchor="ctr" anchorCtr="0">
             <a:normAutofit/>
           </a:bodyPr>
           <a:lstStyle>
-            <a:lvl1pPr indent="-342900" lvl="0" marL="457200">
+            <a:lvl1pPr marL="457200" lvl="0" indent="-342900">
               <a:spcBef>
                 <a:spcPts val="0"/>
               </a:spcBef>
@@ -5690,7 +5866,7 @@
               <a:buChar char="●"/>
               <a:defRPr/>
             </a:lvl1pPr>
-            <a:lvl2pPr indent="-317500" lvl="1" marL="914400">
+            <a:lvl2pPr marL="914400" lvl="1" indent="-317500">
               <a:spcBef>
                 <a:spcPts val="0"/>
               </a:spcBef>
@@ -5701,7 +5877,7 @@
               <a:buChar char="○"/>
               <a:defRPr/>
             </a:lvl2pPr>
-            <a:lvl3pPr indent="-317500" lvl="2" marL="1371600">
+            <a:lvl3pPr marL="1371600" lvl="2" indent="-317500">
               <a:spcBef>
                 <a:spcPts val="0"/>
               </a:spcBef>
@@ -5712,7 +5888,7 @@
               <a:buChar char="■"/>
               <a:defRPr/>
             </a:lvl3pPr>
-            <a:lvl4pPr indent="-317500" lvl="3" marL="1828800">
+            <a:lvl4pPr marL="1828800" lvl="3" indent="-317500">
               <a:spcBef>
                 <a:spcPts val="0"/>
               </a:spcBef>
@@ -5723,7 +5899,7 @@
               <a:buChar char="●"/>
               <a:defRPr/>
             </a:lvl4pPr>
-            <a:lvl5pPr indent="-317500" lvl="4" marL="2286000">
+            <a:lvl5pPr marL="2286000" lvl="4" indent="-317500">
               <a:spcBef>
                 <a:spcPts val="0"/>
               </a:spcBef>
@@ -5734,7 +5910,7 @@
               <a:buChar char="○"/>
               <a:defRPr/>
             </a:lvl5pPr>
-            <a:lvl6pPr indent="-317500" lvl="5" marL="2743200">
+            <a:lvl6pPr marL="2743200" lvl="5" indent="-317500">
               <a:spcBef>
                 <a:spcPts val="0"/>
               </a:spcBef>
@@ -5745,7 +5921,7 @@
               <a:buChar char="■"/>
               <a:defRPr/>
             </a:lvl6pPr>
-            <a:lvl7pPr indent="-317500" lvl="6" marL="3200400">
+            <a:lvl7pPr marL="3200400" lvl="6" indent="-317500">
               <a:spcBef>
                 <a:spcPts val="0"/>
               </a:spcBef>
@@ -5756,7 +5932,7 @@
               <a:buChar char="●"/>
               <a:defRPr/>
             </a:lvl7pPr>
-            <a:lvl8pPr indent="-317500" lvl="7" marL="3657600">
+            <a:lvl8pPr marL="3657600" lvl="7" indent="-317500">
               <a:spcBef>
                 <a:spcPts val="0"/>
               </a:spcBef>
@@ -5767,7 +5943,7 @@
               <a:buChar char="○"/>
               <a:defRPr/>
             </a:lvl8pPr>
-            <a:lvl9pPr indent="-317500" lvl="8" marL="4114800">
+            <a:lvl9pPr marL="4114800" lvl="8" indent="-317500">
               <a:spcBef>
                 <a:spcPts val="0"/>
               </a:spcBef>
@@ -5779,15 +5955,19 @@
               <a:defRPr/>
             </a:lvl9pPr>
           </a:lstStyle>
-          <a:p/>
+          <a:p>
+            <a:endParaRPr/>
+          </a:p>
         </p:txBody>
       </p:sp>
       <p:sp>
         <p:nvSpPr>
           <p:cNvPr id="40" name="Google Shape;40;p9"/>
-          <p:cNvSpPr txBox="1"/>
+          <p:cNvSpPr txBox="1">
+            <a:spLocks noGrp="1"/>
+          </p:cNvSpPr>
           <p:nvPr>
-            <p:ph idx="12" type="sldNum"/>
+            <p:ph type="sldNum" idx="12"/>
           </p:nvPr>
         </p:nvSpPr>
         <p:spPr>
@@ -5800,7 +5980,7 @@
           </a:prstGeom>
         </p:spPr>
         <p:txBody>
-          <a:bodyPr anchorCtr="0" anchor="ctr" bIns="91425" lIns="91425" spcFirstLastPara="1" rIns="91425" wrap="square" tIns="91425">
+          <a:bodyPr spcFirstLastPara="1" wrap="square" lIns="91425" tIns="91425" rIns="91425" bIns="91425" anchor="ctr" anchorCtr="0">
             <a:normAutofit/>
           </a:bodyPr>
           <a:lstStyle>
@@ -5842,7 +6022,7 @@
             </a:lvl9pPr>
           </a:lstStyle>
           <a:p>
-            <a:pPr indent="0" lvl="0" marL="0" rtl="0" algn="r">
+            <a:pPr marL="0" lvl="0" indent="0" algn="r" rtl="0">
               <a:spcBef>
                 <a:spcPts val="0"/>
               </a:spcBef>
@@ -5868,11 +6048,11 @@
 </file>
 
 <file path=ppt/slideLayouts/slideLayout9.xml><?xml version="1.0" encoding="utf-8"?>
-<p:sldLayout xmlns:a="http://schemas.openxmlformats.org/drawingml/2006/main" xmlns:r="http://schemas.openxmlformats.org/officeDocument/2006/relationships" xmlns:mc="http://schemas.openxmlformats.org/markup-compatibility/2006" xmlns:mv="urn:schemas-microsoft-com:mac:vml" xmlns:p="http://schemas.openxmlformats.org/presentationml/2006/main" xmlns:c="http://schemas.openxmlformats.org/drawingml/2006/chart" xmlns:dgm="http://schemas.openxmlformats.org/drawingml/2006/diagram" xmlns:o="urn:schemas-microsoft-com:office:office" xmlns:v="urn:schemas-microsoft-com:vml" xmlns:pvml="urn:schemas-microsoft-com:office:powerpoint" xmlns:com="http://schemas.openxmlformats.org/drawingml/2006/compatibility" xmlns:p14="http://schemas.microsoft.com/office/powerpoint/2010/main" xmlns:p15="http://schemas.microsoft.com/office/powerpoint/2012/main" xmlns:ahyp="http://schemas.microsoft.com/office/drawing/2018/hyperlinkcolor" matchingName="Caption">
+<p:sldLayout xmlns:a="http://schemas.openxmlformats.org/drawingml/2006/main" xmlns:r="http://schemas.openxmlformats.org/officeDocument/2006/relationships" xmlns:p="http://schemas.openxmlformats.org/presentationml/2006/main" matchingName="Caption">
   <p:cSld name="CAPTION_ONLY">
     <p:spTree>
       <p:nvGrpSpPr>
-        <p:cNvPr id="41" name="Shape 41"/>
+        <p:cNvPr id="1" name="Shape 41"/>
         <p:cNvGrpSpPr/>
         <p:nvPr/>
       </p:nvGrpSpPr>
@@ -5887,9 +6067,11 @@
       <p:sp>
         <p:nvSpPr>
           <p:cNvPr id="42" name="Google Shape;42;p10"/>
-          <p:cNvSpPr txBox="1"/>
+          <p:cNvSpPr txBox="1">
+            <a:spLocks noGrp="1"/>
+          </p:cNvSpPr>
           <p:nvPr>
-            <p:ph idx="1" type="body"/>
+            <p:ph type="body" idx="1"/>
           </p:nvPr>
         </p:nvSpPr>
         <p:spPr>
@@ -5902,11 +6084,11 @@
           </a:prstGeom>
         </p:spPr>
         <p:txBody>
-          <a:bodyPr anchorCtr="0" anchor="ctr" bIns="91425" lIns="91425" spcFirstLastPara="1" rIns="91425" wrap="square" tIns="91425">
+          <a:bodyPr spcFirstLastPara="1" wrap="square" lIns="91425" tIns="91425" rIns="91425" bIns="91425" anchor="ctr" anchorCtr="0">
             <a:normAutofit/>
           </a:bodyPr>
           <a:lstStyle>
-            <a:lvl1pPr indent="-228600" lvl="0" marL="457200">
+            <a:lvl1pPr marL="457200" lvl="0" indent="-228600">
               <a:lnSpc>
                 <a:spcPct val="100000"/>
               </a:lnSpc>
@@ -5921,15 +6103,19 @@
               <a:defRPr/>
             </a:lvl1pPr>
           </a:lstStyle>
-          <a:p/>
+          <a:p>
+            <a:endParaRPr/>
+          </a:p>
         </p:txBody>
       </p:sp>
       <p:sp>
         <p:nvSpPr>
           <p:cNvPr id="43" name="Google Shape;43;p10"/>
-          <p:cNvSpPr txBox="1"/>
+          <p:cNvSpPr txBox="1">
+            <a:spLocks noGrp="1"/>
+          </p:cNvSpPr>
           <p:nvPr>
-            <p:ph idx="12" type="sldNum"/>
+            <p:ph type="sldNum" idx="12"/>
           </p:nvPr>
         </p:nvSpPr>
         <p:spPr>
@@ -5942,7 +6128,7 @@
           </a:prstGeom>
         </p:spPr>
         <p:txBody>
-          <a:bodyPr anchorCtr="0" anchor="ctr" bIns="91425" lIns="91425" spcFirstLastPara="1" rIns="91425" wrap="square" tIns="91425">
+          <a:bodyPr spcFirstLastPara="1" wrap="square" lIns="91425" tIns="91425" rIns="91425" bIns="91425" anchor="ctr" anchorCtr="0">
             <a:normAutofit/>
           </a:bodyPr>
           <a:lstStyle>
@@ -5984,7 +6170,7 @@
             </a:lvl9pPr>
           </a:lstStyle>
           <a:p>
-            <a:pPr indent="0" lvl="0" marL="0" rtl="0" algn="r">
+            <a:pPr marL="0" lvl="0" indent="0" algn="r" rtl="0">
               <a:spcBef>
                 <a:spcPts val="0"/>
               </a:spcBef>
@@ -6010,18 +6196,19 @@
 </file>
 
 <file path=ppt/slideMasters/slideMaster1.xml><?xml version="1.0" encoding="utf-8"?>
-<p:sldMaster xmlns:a="http://schemas.openxmlformats.org/drawingml/2006/main" xmlns:r="http://schemas.openxmlformats.org/officeDocument/2006/relationships" xmlns:mc="http://schemas.openxmlformats.org/markup-compatibility/2006" xmlns:mv="urn:schemas-microsoft-com:mac:vml" xmlns:p="http://schemas.openxmlformats.org/presentationml/2006/main" xmlns:c="http://schemas.openxmlformats.org/drawingml/2006/chart" xmlns:dgm="http://schemas.openxmlformats.org/drawingml/2006/diagram" xmlns:o="urn:schemas-microsoft-com:office:office" xmlns:v="urn:schemas-microsoft-com:vml" xmlns:pvml="urn:schemas-microsoft-com:office:powerpoint" xmlns:com="http://schemas.openxmlformats.org/drawingml/2006/compatibility" xmlns:p14="http://schemas.microsoft.com/office/powerpoint/2010/main" xmlns:p15="http://schemas.microsoft.com/office/powerpoint/2012/main" xmlns:ahyp="http://schemas.microsoft.com/office/drawing/2018/hyperlinkcolor">
+<p:sldMaster xmlns:a="http://schemas.openxmlformats.org/drawingml/2006/main" xmlns:r="http://schemas.openxmlformats.org/officeDocument/2006/relationships" xmlns:p="http://schemas.openxmlformats.org/presentationml/2006/main">
   <p:cSld name="simple-light-2">
     <p:bg>
       <p:bgPr>
         <a:solidFill>
           <a:schemeClr val="lt1"/>
         </a:solidFill>
+        <a:effectLst/>
       </p:bgPr>
     </p:bg>
     <p:spTree>
       <p:nvGrpSpPr>
-        <p:cNvPr id="5" name="Shape 5"/>
+        <p:cNvPr id="1" name="Shape 5"/>
         <p:cNvGrpSpPr/>
         <p:nvPr/>
       </p:nvGrpSpPr>
@@ -6036,7 +6223,9 @@
       <p:sp>
         <p:nvSpPr>
           <p:cNvPr id="6" name="Google Shape;6;p1"/>
-          <p:cNvSpPr txBox="1"/>
+          <p:cNvSpPr txBox="1">
+            <a:spLocks noGrp="1"/>
+          </p:cNvSpPr>
           <p:nvPr>
             <p:ph type="title"/>
           </p:nvPr>
@@ -6055,7 +6244,7 @@
           </a:ln>
         </p:spPr>
         <p:txBody>
-          <a:bodyPr anchorCtr="0" anchor="t" bIns="91425" lIns="91425" spcFirstLastPara="1" rIns="91425" wrap="square" tIns="91425">
+          <a:bodyPr spcFirstLastPara="1" wrap="square" lIns="91425" tIns="91425" rIns="91425" bIns="91425" anchor="t" anchorCtr="0">
             <a:normAutofit/>
           </a:bodyPr>
           <a:lstStyle>
@@ -6222,15 +6411,19 @@
               </a:defRPr>
             </a:lvl9pPr>
           </a:lstStyle>
-          <a:p/>
+          <a:p>
+            <a:endParaRPr/>
+          </a:p>
         </p:txBody>
       </p:sp>
       <p:sp>
         <p:nvSpPr>
           <p:cNvPr id="7" name="Google Shape;7;p1"/>
-          <p:cNvSpPr txBox="1"/>
+          <p:cNvSpPr txBox="1">
+            <a:spLocks noGrp="1"/>
+          </p:cNvSpPr>
           <p:nvPr>
-            <p:ph idx="1" type="body"/>
+            <p:ph type="body" idx="1"/>
           </p:nvPr>
         </p:nvSpPr>
         <p:spPr>
@@ -6247,11 +6440,11 @@
           </a:ln>
         </p:spPr>
         <p:txBody>
-          <a:bodyPr anchorCtr="0" anchor="t" bIns="91425" lIns="91425" spcFirstLastPara="1" rIns="91425" wrap="square" tIns="91425">
+          <a:bodyPr spcFirstLastPara="1" wrap="square" lIns="91425" tIns="91425" rIns="91425" bIns="91425" anchor="t" anchorCtr="0">
             <a:normAutofit/>
           </a:bodyPr>
           <a:lstStyle>
-            <a:lvl1pPr indent="-342900" lvl="0" marL="457200">
+            <a:lvl1pPr marL="457200" lvl="0" indent="-342900">
               <a:lnSpc>
                 <a:spcPct val="115000"/>
               </a:lnSpc>
@@ -6272,7 +6465,7 @@
                 </a:solidFill>
               </a:defRPr>
             </a:lvl1pPr>
-            <a:lvl2pPr indent="-317500" lvl="1" marL="914400">
+            <a:lvl2pPr marL="914400" lvl="1" indent="-317500">
               <a:lnSpc>
                 <a:spcPct val="115000"/>
               </a:lnSpc>
@@ -6293,7 +6486,7 @@
                 </a:solidFill>
               </a:defRPr>
             </a:lvl2pPr>
-            <a:lvl3pPr indent="-317500" lvl="2" marL="1371600">
+            <a:lvl3pPr marL="1371600" lvl="2" indent="-317500">
               <a:lnSpc>
                 <a:spcPct val="115000"/>
               </a:lnSpc>
@@ -6314,7 +6507,7 @@
                 </a:solidFill>
               </a:defRPr>
             </a:lvl3pPr>
-            <a:lvl4pPr indent="-317500" lvl="3" marL="1828800">
+            <a:lvl4pPr marL="1828800" lvl="3" indent="-317500">
               <a:lnSpc>
                 <a:spcPct val="115000"/>
               </a:lnSpc>
@@ -6335,7 +6528,7 @@
                 </a:solidFill>
               </a:defRPr>
             </a:lvl4pPr>
-            <a:lvl5pPr indent="-317500" lvl="4" marL="2286000">
+            <a:lvl5pPr marL="2286000" lvl="4" indent="-317500">
               <a:lnSpc>
                 <a:spcPct val="115000"/>
               </a:lnSpc>
@@ -6356,7 +6549,7 @@
                 </a:solidFill>
               </a:defRPr>
             </a:lvl5pPr>
-            <a:lvl6pPr indent="-317500" lvl="5" marL="2743200">
+            <a:lvl6pPr marL="2743200" lvl="5" indent="-317500">
               <a:lnSpc>
                 <a:spcPct val="115000"/>
               </a:lnSpc>
@@ -6377,7 +6570,7 @@
                 </a:solidFill>
               </a:defRPr>
             </a:lvl6pPr>
-            <a:lvl7pPr indent="-317500" lvl="6" marL="3200400">
+            <a:lvl7pPr marL="3200400" lvl="6" indent="-317500">
               <a:lnSpc>
                 <a:spcPct val="115000"/>
               </a:lnSpc>
@@ -6398,7 +6591,7 @@
                 </a:solidFill>
               </a:defRPr>
             </a:lvl7pPr>
-            <a:lvl8pPr indent="-317500" lvl="7" marL="3657600">
+            <a:lvl8pPr marL="3657600" lvl="7" indent="-317500">
               <a:lnSpc>
                 <a:spcPct val="115000"/>
               </a:lnSpc>
@@ -6419,7 +6612,7 @@
                 </a:solidFill>
               </a:defRPr>
             </a:lvl8pPr>
-            <a:lvl9pPr indent="-317500" lvl="8" marL="4114800">
+            <a:lvl9pPr marL="4114800" lvl="8" indent="-317500">
               <a:lnSpc>
                 <a:spcPct val="115000"/>
               </a:lnSpc>
@@ -6441,15 +6634,19 @@
               </a:defRPr>
             </a:lvl9pPr>
           </a:lstStyle>
-          <a:p/>
+          <a:p>
+            <a:endParaRPr/>
+          </a:p>
         </p:txBody>
       </p:sp>
       <p:sp>
         <p:nvSpPr>
           <p:cNvPr id="8" name="Google Shape;8;p1"/>
-          <p:cNvSpPr txBox="1"/>
+          <p:cNvSpPr txBox="1">
+            <a:spLocks noGrp="1"/>
+          </p:cNvSpPr>
           <p:nvPr>
-            <p:ph idx="12" type="sldNum"/>
+            <p:ph type="sldNum" idx="12"/>
           </p:nvPr>
         </p:nvSpPr>
         <p:spPr>
@@ -6466,7 +6663,7 @@
           </a:ln>
         </p:spPr>
         <p:txBody>
-          <a:bodyPr anchorCtr="0" anchor="ctr" bIns="91425" lIns="91425" spcFirstLastPara="1" rIns="91425" wrap="square" tIns="91425">
+          <a:bodyPr spcFirstLastPara="1" wrap="square" lIns="91425" tIns="91425" rIns="91425" bIns="91425" anchor="ctr" anchorCtr="0">
             <a:normAutofit/>
           </a:bodyPr>
           <a:lstStyle>
@@ -6544,7 +6741,7 @@
             </a:lvl9pPr>
           </a:lstStyle>
           <a:p>
-            <a:pPr indent="0" lvl="0" marL="0" rtl="0" algn="r">
+            <a:pPr marL="0" lvl="0" indent="0" algn="r" rtl="0">
               <a:spcBef>
                 <a:spcPts val="0"/>
               </a:spcBef>
@@ -6563,7 +6760,7 @@
       </p:sp>
     </p:spTree>
   </p:cSld>
-  <p:clrMap accent1="accent1" accent2="accent2" accent3="accent3" accent4="accent4" accent5="accent5" accent6="accent6" bg1="lt1" bg2="dk2" tx1="dk1" tx2="lt2" folHlink="folHlink" hlink="hlink"/>
+  <p:clrMap bg1="lt1" tx1="dk1" bg2="dk2" tx2="lt2" accent1="accent1" accent2="accent2" accent3="accent3" accent4="accent4" accent5="accent5" accent6="accent6" hlink="hlink" folHlink="folHlink"/>
   <p:sldLayoutIdLst>
     <p:sldLayoutId id="2147483648" r:id="rId1"/>
     <p:sldLayoutId id="2147483649" r:id="rId2"/>
@@ -6578,10 +6775,10 @@
     <p:sldLayoutId id="2147483658" r:id="rId11"/>
     <p:sldLayoutId id="2147483659" r:id="rId12"/>
   </p:sldLayoutIdLst>
-  <p:hf dt="0" ftr="0" hdr="0" sldNum="0"/>
+  <p:hf sldNum="0" hdr="0" ftr="0" dt="0"/>
   <p:txStyles>
     <p:titleStyle>
-      <a:defPPr lvl="0" marR="0" rtl="0" algn="l">
+      <a:defPPr marR="0" lvl="0" algn="l" rtl="0">
         <a:lnSpc>
           <a:spcPct val="100000"/>
         </a:lnSpc>
@@ -6592,7 +6789,7 @@
           <a:spcPts val="0"/>
         </a:spcAft>
       </a:defPPr>
-      <a:lvl1pPr lvl="0" marR="0" rtl="0" algn="l">
+      <a:lvl1pPr marR="0" lvl="0" algn="l" rtl="0">
         <a:lnSpc>
           <a:spcPct val="100000"/>
         </a:lnSpc>
@@ -6606,7 +6803,7 @@
           <a:srgbClr val="000000"/>
         </a:buClr>
         <a:buFont typeface="Arial"/>
-        <a:defRPr b="0" i="0" sz="1400" u="none" cap="none" strike="noStrike">
+        <a:defRPr sz="1400" b="0" i="0" u="none" strike="noStrike" cap="none">
           <a:solidFill>
             <a:srgbClr val="000000"/>
           </a:solidFill>
@@ -6616,7 +6813,7 @@
           <a:sym typeface="Arial"/>
         </a:defRPr>
       </a:lvl1pPr>
-      <a:lvl2pPr lvl="1" marR="0" rtl="0" algn="l">
+      <a:lvl2pPr marR="0" lvl="1" algn="l" rtl="0">
         <a:lnSpc>
           <a:spcPct val="100000"/>
         </a:lnSpc>
@@ -6630,7 +6827,7 @@
           <a:srgbClr val="000000"/>
         </a:buClr>
         <a:buFont typeface="Arial"/>
-        <a:defRPr b="0" i="0" sz="1400" u="none" cap="none" strike="noStrike">
+        <a:defRPr sz="1400" b="0" i="0" u="none" strike="noStrike" cap="none">
           <a:solidFill>
             <a:srgbClr val="000000"/>
           </a:solidFill>
@@ -6640,7 +6837,7 @@
           <a:sym typeface="Arial"/>
         </a:defRPr>
       </a:lvl2pPr>
-      <a:lvl3pPr lvl="2" marR="0" rtl="0" algn="l">
+      <a:lvl3pPr marR="0" lvl="2" algn="l" rtl="0">
         <a:lnSpc>
           <a:spcPct val="100000"/>
         </a:lnSpc>
@@ -6654,7 +6851,7 @@
           <a:srgbClr val="000000"/>
         </a:buClr>
         <a:buFont typeface="Arial"/>
-        <a:defRPr b="0" i="0" sz="1400" u="none" cap="none" strike="noStrike">
+        <a:defRPr sz="1400" b="0" i="0" u="none" strike="noStrike" cap="none">
           <a:solidFill>
             <a:srgbClr val="000000"/>
           </a:solidFill>
@@ -6664,7 +6861,7 @@
           <a:sym typeface="Arial"/>
         </a:defRPr>
       </a:lvl3pPr>
-      <a:lvl4pPr lvl="3" marR="0" rtl="0" algn="l">
+      <a:lvl4pPr marR="0" lvl="3" algn="l" rtl="0">
         <a:lnSpc>
           <a:spcPct val="100000"/>
         </a:lnSpc>
@@ -6678,7 +6875,7 @@
           <a:srgbClr val="000000"/>
         </a:buClr>
         <a:buFont typeface="Arial"/>
-        <a:defRPr b="0" i="0" sz="1400" u="none" cap="none" strike="noStrike">
+        <a:defRPr sz="1400" b="0" i="0" u="none" strike="noStrike" cap="none">
           <a:solidFill>
             <a:srgbClr val="000000"/>
           </a:solidFill>
@@ -6688,7 +6885,7 @@
           <a:sym typeface="Arial"/>
         </a:defRPr>
       </a:lvl4pPr>
-      <a:lvl5pPr lvl="4" marR="0" rtl="0" algn="l">
+      <a:lvl5pPr marR="0" lvl="4" algn="l" rtl="0">
         <a:lnSpc>
           <a:spcPct val="100000"/>
         </a:lnSpc>
@@ -6702,7 +6899,7 @@
           <a:srgbClr val="000000"/>
         </a:buClr>
         <a:buFont typeface="Arial"/>
-        <a:defRPr b="0" i="0" sz="1400" u="none" cap="none" strike="noStrike">
+        <a:defRPr sz="1400" b="0" i="0" u="none" strike="noStrike" cap="none">
           <a:solidFill>
             <a:srgbClr val="000000"/>
           </a:solidFill>
@@ -6712,7 +6909,7 @@
           <a:sym typeface="Arial"/>
         </a:defRPr>
       </a:lvl5pPr>
-      <a:lvl6pPr lvl="5" marR="0" rtl="0" algn="l">
+      <a:lvl6pPr marR="0" lvl="5" algn="l" rtl="0">
         <a:lnSpc>
           <a:spcPct val="100000"/>
         </a:lnSpc>
@@ -6726,7 +6923,7 @@
           <a:srgbClr val="000000"/>
         </a:buClr>
         <a:buFont typeface="Arial"/>
-        <a:defRPr b="0" i="0" sz="1400" u="none" cap="none" strike="noStrike">
+        <a:defRPr sz="1400" b="0" i="0" u="none" strike="noStrike" cap="none">
           <a:solidFill>
             <a:srgbClr val="000000"/>
           </a:solidFill>
@@ -6736,7 +6933,7 @@
           <a:sym typeface="Arial"/>
         </a:defRPr>
       </a:lvl6pPr>
-      <a:lvl7pPr lvl="6" marR="0" rtl="0" algn="l">
+      <a:lvl7pPr marR="0" lvl="6" algn="l" rtl="0">
         <a:lnSpc>
           <a:spcPct val="100000"/>
         </a:lnSpc>
@@ -6750,7 +6947,7 @@
           <a:srgbClr val="000000"/>
         </a:buClr>
         <a:buFont typeface="Arial"/>
-        <a:defRPr b="0" i="0" sz="1400" u="none" cap="none" strike="noStrike">
+        <a:defRPr sz="1400" b="0" i="0" u="none" strike="noStrike" cap="none">
           <a:solidFill>
             <a:srgbClr val="000000"/>
           </a:solidFill>
@@ -6760,7 +6957,7 @@
           <a:sym typeface="Arial"/>
         </a:defRPr>
       </a:lvl7pPr>
-      <a:lvl8pPr lvl="7" marR="0" rtl="0" algn="l">
+      <a:lvl8pPr marR="0" lvl="7" algn="l" rtl="0">
         <a:lnSpc>
           <a:spcPct val="100000"/>
         </a:lnSpc>
@@ -6774,7 +6971,7 @@
           <a:srgbClr val="000000"/>
         </a:buClr>
         <a:buFont typeface="Arial"/>
-        <a:defRPr b="0" i="0" sz="1400" u="none" cap="none" strike="noStrike">
+        <a:defRPr sz="1400" b="0" i="0" u="none" strike="noStrike" cap="none">
           <a:solidFill>
             <a:srgbClr val="000000"/>
           </a:solidFill>
@@ -6784,7 +6981,7 @@
           <a:sym typeface="Arial"/>
         </a:defRPr>
       </a:lvl8pPr>
-      <a:lvl9pPr lvl="8" marR="0" rtl="0" algn="l">
+      <a:lvl9pPr marR="0" lvl="8" algn="l" rtl="0">
         <a:lnSpc>
           <a:spcPct val="100000"/>
         </a:lnSpc>
@@ -6798,7 +6995,7 @@
           <a:srgbClr val="000000"/>
         </a:buClr>
         <a:buFont typeface="Arial"/>
-        <a:defRPr b="0" i="0" sz="1400" u="none" cap="none" strike="noStrike">
+        <a:defRPr sz="1400" b="0" i="0" u="none" strike="noStrike" cap="none">
           <a:solidFill>
             <a:srgbClr val="000000"/>
           </a:solidFill>
@@ -6810,7 +7007,7 @@
       </a:lvl9pPr>
     </p:titleStyle>
     <p:bodyStyle>
-      <a:defPPr lvl="0" marR="0" rtl="0" algn="l">
+      <a:defPPr marR="0" lvl="0" algn="l" rtl="0">
         <a:lnSpc>
           <a:spcPct val="100000"/>
         </a:lnSpc>
@@ -6821,7 +7018,7 @@
           <a:spcPts val="0"/>
         </a:spcAft>
       </a:defPPr>
-      <a:lvl1pPr lvl="0" marR="0" rtl="0" algn="l">
+      <a:lvl1pPr marR="0" lvl="0" algn="l" rtl="0">
         <a:lnSpc>
           <a:spcPct val="100000"/>
         </a:lnSpc>
@@ -6835,7 +7032,7 @@
           <a:srgbClr val="000000"/>
         </a:buClr>
         <a:buFont typeface="Arial"/>
-        <a:defRPr b="0" i="0" sz="1400" u="none" cap="none" strike="noStrike">
+        <a:defRPr sz="1400" b="0" i="0" u="none" strike="noStrike" cap="none">
           <a:solidFill>
             <a:srgbClr val="000000"/>
           </a:solidFill>
@@ -6845,7 +7042,7 @@
           <a:sym typeface="Arial"/>
         </a:defRPr>
       </a:lvl1pPr>
-      <a:lvl2pPr lvl="1" marR="0" rtl="0" algn="l">
+      <a:lvl2pPr marR="0" lvl="1" algn="l" rtl="0">
         <a:lnSpc>
           <a:spcPct val="100000"/>
         </a:lnSpc>
@@ -6859,7 +7056,7 @@
           <a:srgbClr val="000000"/>
         </a:buClr>
         <a:buFont typeface="Arial"/>
-        <a:defRPr b="0" i="0" sz="1400" u="none" cap="none" strike="noStrike">
+        <a:defRPr sz="1400" b="0" i="0" u="none" strike="noStrike" cap="none">
           <a:solidFill>
             <a:srgbClr val="000000"/>
           </a:solidFill>
@@ -6869,7 +7066,7 @@
           <a:sym typeface="Arial"/>
         </a:defRPr>
       </a:lvl2pPr>
-      <a:lvl3pPr lvl="2" marR="0" rtl="0" algn="l">
+      <a:lvl3pPr marR="0" lvl="2" algn="l" rtl="0">
         <a:lnSpc>
           <a:spcPct val="100000"/>
         </a:lnSpc>
@@ -6883,7 +7080,7 @@
           <a:srgbClr val="000000"/>
         </a:buClr>
         <a:buFont typeface="Arial"/>
-        <a:defRPr b="0" i="0" sz="1400" u="none" cap="none" strike="noStrike">
+        <a:defRPr sz="1400" b="0" i="0" u="none" strike="noStrike" cap="none">
           <a:solidFill>
             <a:srgbClr val="000000"/>
           </a:solidFill>
@@ -6893,7 +7090,7 @@
           <a:sym typeface="Arial"/>
         </a:defRPr>
       </a:lvl3pPr>
-      <a:lvl4pPr lvl="3" marR="0" rtl="0" algn="l">
+      <a:lvl4pPr marR="0" lvl="3" algn="l" rtl="0">
         <a:lnSpc>
           <a:spcPct val="100000"/>
         </a:lnSpc>
@@ -6907,7 +7104,7 @@
           <a:srgbClr val="000000"/>
         </a:buClr>
         <a:buFont typeface="Arial"/>
-        <a:defRPr b="0" i="0" sz="1400" u="none" cap="none" strike="noStrike">
+        <a:defRPr sz="1400" b="0" i="0" u="none" strike="noStrike" cap="none">
           <a:solidFill>
             <a:srgbClr val="000000"/>
           </a:solidFill>
@@ -6917,7 +7114,7 @@
           <a:sym typeface="Arial"/>
         </a:defRPr>
       </a:lvl4pPr>
-      <a:lvl5pPr lvl="4" marR="0" rtl="0" algn="l">
+      <a:lvl5pPr marR="0" lvl="4" algn="l" rtl="0">
         <a:lnSpc>
           <a:spcPct val="100000"/>
         </a:lnSpc>
@@ -6931,7 +7128,7 @@
           <a:srgbClr val="000000"/>
         </a:buClr>
         <a:buFont typeface="Arial"/>
-        <a:defRPr b="0" i="0" sz="1400" u="none" cap="none" strike="noStrike">
+        <a:defRPr sz="1400" b="0" i="0" u="none" strike="noStrike" cap="none">
           <a:solidFill>
             <a:srgbClr val="000000"/>
           </a:solidFill>
@@ -6941,7 +7138,7 @@
           <a:sym typeface="Arial"/>
         </a:defRPr>
       </a:lvl5pPr>
-      <a:lvl6pPr lvl="5" marR="0" rtl="0" algn="l">
+      <a:lvl6pPr marR="0" lvl="5" algn="l" rtl="0">
         <a:lnSpc>
           <a:spcPct val="100000"/>
         </a:lnSpc>
@@ -6955,7 +7152,7 @@
           <a:srgbClr val="000000"/>
         </a:buClr>
         <a:buFont typeface="Arial"/>
-        <a:defRPr b="0" i="0" sz="1400" u="none" cap="none" strike="noStrike">
+        <a:defRPr sz="1400" b="0" i="0" u="none" strike="noStrike" cap="none">
           <a:solidFill>
             <a:srgbClr val="000000"/>
           </a:solidFill>
@@ -6965,7 +7162,7 @@
           <a:sym typeface="Arial"/>
         </a:defRPr>
       </a:lvl6pPr>
-      <a:lvl7pPr lvl="6" marR="0" rtl="0" algn="l">
+      <a:lvl7pPr marR="0" lvl="6" algn="l" rtl="0">
         <a:lnSpc>
           <a:spcPct val="100000"/>
         </a:lnSpc>
@@ -6979,7 +7176,7 @@
           <a:srgbClr val="000000"/>
         </a:buClr>
         <a:buFont typeface="Arial"/>
-        <a:defRPr b="0" i="0" sz="1400" u="none" cap="none" strike="noStrike">
+        <a:defRPr sz="1400" b="0" i="0" u="none" strike="noStrike" cap="none">
           <a:solidFill>
             <a:srgbClr val="000000"/>
           </a:solidFill>
@@ -6989,7 +7186,7 @@
           <a:sym typeface="Arial"/>
         </a:defRPr>
       </a:lvl7pPr>
-      <a:lvl8pPr lvl="7" marR="0" rtl="0" algn="l">
+      <a:lvl8pPr marR="0" lvl="7" algn="l" rtl="0">
         <a:lnSpc>
           <a:spcPct val="100000"/>
         </a:lnSpc>
@@ -7003,7 +7200,7 @@
           <a:srgbClr val="000000"/>
         </a:buClr>
         <a:buFont typeface="Arial"/>
-        <a:defRPr b="0" i="0" sz="1400" u="none" cap="none" strike="noStrike">
+        <a:defRPr sz="1400" b="0" i="0" u="none" strike="noStrike" cap="none">
           <a:solidFill>
             <a:srgbClr val="000000"/>
           </a:solidFill>
@@ -7013,7 +7210,7 @@
           <a:sym typeface="Arial"/>
         </a:defRPr>
       </a:lvl8pPr>
-      <a:lvl9pPr lvl="8" marR="0" rtl="0" algn="l">
+      <a:lvl9pPr marR="0" lvl="8" algn="l" rtl="0">
         <a:lnSpc>
           <a:spcPct val="100000"/>
         </a:lnSpc>
@@ -7027,7 +7224,7 @@
           <a:srgbClr val="000000"/>
         </a:buClr>
         <a:buFont typeface="Arial"/>
-        <a:defRPr b="0" i="0" sz="1400" u="none" cap="none" strike="noStrike">
+        <a:defRPr sz="1400" b="0" i="0" u="none" strike="noStrike" cap="none">
           <a:solidFill>
             <a:srgbClr val="000000"/>
           </a:solidFill>
@@ -7039,7 +7236,7 @@
       </a:lvl9pPr>
     </p:bodyStyle>
     <p:otherStyle>
-      <a:defPPr lvl="0" marR="0" rtl="0" algn="l">
+      <a:defPPr marR="0" lvl="0" algn="l" rtl="0">
         <a:lnSpc>
           <a:spcPct val="100000"/>
         </a:lnSpc>
@@ -7050,7 +7247,7 @@
           <a:spcPts val="0"/>
         </a:spcAft>
       </a:defPPr>
-      <a:lvl1pPr lvl="0" marR="0" rtl="0" algn="l">
+      <a:lvl1pPr marR="0" lvl="0" algn="l" rtl="0">
         <a:lnSpc>
           <a:spcPct val="100000"/>
         </a:lnSpc>
@@ -7064,7 +7261,7 @@
           <a:srgbClr val="000000"/>
         </a:buClr>
         <a:buFont typeface="Arial"/>
-        <a:defRPr b="0" i="0" sz="1400" u="none" cap="none" strike="noStrike">
+        <a:defRPr sz="1400" b="0" i="0" u="none" strike="noStrike" cap="none">
           <a:solidFill>
             <a:srgbClr val="000000"/>
           </a:solidFill>
@@ -7074,7 +7271,7 @@
           <a:sym typeface="Arial"/>
         </a:defRPr>
       </a:lvl1pPr>
-      <a:lvl2pPr lvl="1" marR="0" rtl="0" algn="l">
+      <a:lvl2pPr marR="0" lvl="1" algn="l" rtl="0">
         <a:lnSpc>
           <a:spcPct val="100000"/>
         </a:lnSpc>
@@ -7088,7 +7285,7 @@
           <a:srgbClr val="000000"/>
         </a:buClr>
         <a:buFont typeface="Arial"/>
-        <a:defRPr b="0" i="0" sz="1400" u="none" cap="none" strike="noStrike">
+        <a:defRPr sz="1400" b="0" i="0" u="none" strike="noStrike" cap="none">
           <a:solidFill>
             <a:srgbClr val="000000"/>
           </a:solidFill>
@@ -7098,7 +7295,7 @@
           <a:sym typeface="Arial"/>
         </a:defRPr>
       </a:lvl2pPr>
-      <a:lvl3pPr lvl="2" marR="0" rtl="0" algn="l">
+      <a:lvl3pPr marR="0" lvl="2" algn="l" rtl="0">
         <a:lnSpc>
           <a:spcPct val="100000"/>
         </a:lnSpc>
@@ -7112,7 +7309,7 @@
           <a:srgbClr val="000000"/>
         </a:buClr>
         <a:buFont typeface="Arial"/>
-        <a:defRPr b="0" i="0" sz="1400" u="none" cap="none" strike="noStrike">
+        <a:defRPr sz="1400" b="0" i="0" u="none" strike="noStrike" cap="none">
           <a:solidFill>
             <a:srgbClr val="000000"/>
           </a:solidFill>
@@ -7122,7 +7319,7 @@
           <a:sym typeface="Arial"/>
         </a:defRPr>
       </a:lvl3pPr>
-      <a:lvl4pPr lvl="3" marR="0" rtl="0" algn="l">
+      <a:lvl4pPr marR="0" lvl="3" algn="l" rtl="0">
         <a:lnSpc>
           <a:spcPct val="100000"/>
         </a:lnSpc>
@@ -7136,7 +7333,7 @@
           <a:srgbClr val="000000"/>
         </a:buClr>
         <a:buFont typeface="Arial"/>
-        <a:defRPr b="0" i="0" sz="1400" u="none" cap="none" strike="noStrike">
+        <a:defRPr sz="1400" b="0" i="0" u="none" strike="noStrike" cap="none">
           <a:solidFill>
             <a:srgbClr val="000000"/>
           </a:solidFill>
@@ -7146,7 +7343,7 @@
           <a:sym typeface="Arial"/>
         </a:defRPr>
       </a:lvl4pPr>
-      <a:lvl5pPr lvl="4" marR="0" rtl="0" algn="l">
+      <a:lvl5pPr marR="0" lvl="4" algn="l" rtl="0">
         <a:lnSpc>
           <a:spcPct val="100000"/>
         </a:lnSpc>
@@ -7160,7 +7357,7 @@
           <a:srgbClr val="000000"/>
         </a:buClr>
         <a:buFont typeface="Arial"/>
-        <a:defRPr b="0" i="0" sz="1400" u="none" cap="none" strike="noStrike">
+        <a:defRPr sz="1400" b="0" i="0" u="none" strike="noStrike" cap="none">
           <a:solidFill>
             <a:srgbClr val="000000"/>
           </a:solidFill>
@@ -7170,7 +7367,7 @@
           <a:sym typeface="Arial"/>
         </a:defRPr>
       </a:lvl5pPr>
-      <a:lvl6pPr lvl="5" marR="0" rtl="0" algn="l">
+      <a:lvl6pPr marR="0" lvl="5" algn="l" rtl="0">
         <a:lnSpc>
           <a:spcPct val="100000"/>
         </a:lnSpc>
@@ -7184,7 +7381,7 @@
           <a:srgbClr val="000000"/>
         </a:buClr>
         <a:buFont typeface="Arial"/>
-        <a:defRPr b="0" i="0" sz="1400" u="none" cap="none" strike="noStrike">
+        <a:defRPr sz="1400" b="0" i="0" u="none" strike="noStrike" cap="none">
           <a:solidFill>
             <a:srgbClr val="000000"/>
           </a:solidFill>
@@ -7194,7 +7391,7 @@
           <a:sym typeface="Arial"/>
         </a:defRPr>
       </a:lvl6pPr>
-      <a:lvl7pPr lvl="6" marR="0" rtl="0" algn="l">
+      <a:lvl7pPr marR="0" lvl="6" algn="l" rtl="0">
         <a:lnSpc>
           <a:spcPct val="100000"/>
         </a:lnSpc>
@@ -7208,7 +7405,7 @@
           <a:srgbClr val="000000"/>
         </a:buClr>
         <a:buFont typeface="Arial"/>
-        <a:defRPr b="0" i="0" sz="1400" u="none" cap="none" strike="noStrike">
+        <a:defRPr sz="1400" b="0" i="0" u="none" strike="noStrike" cap="none">
           <a:solidFill>
             <a:srgbClr val="000000"/>
           </a:solidFill>
@@ -7218,7 +7415,7 @@
           <a:sym typeface="Arial"/>
         </a:defRPr>
       </a:lvl7pPr>
-      <a:lvl8pPr lvl="7" marR="0" rtl="0" algn="l">
+      <a:lvl8pPr marR="0" lvl="7" algn="l" rtl="0">
         <a:lnSpc>
           <a:spcPct val="100000"/>
         </a:lnSpc>
@@ -7232,7 +7429,7 @@
           <a:srgbClr val="000000"/>
         </a:buClr>
         <a:buFont typeface="Arial"/>
-        <a:defRPr b="0" i="0" sz="1400" u="none" cap="none" strike="noStrike">
+        <a:defRPr sz="1400" b="0" i="0" u="none" strike="noStrike" cap="none">
           <a:solidFill>
             <a:srgbClr val="000000"/>
           </a:solidFill>
@@ -7242,7 +7439,7 @@
           <a:sym typeface="Arial"/>
         </a:defRPr>
       </a:lvl8pPr>
-      <a:lvl9pPr lvl="8" marR="0" rtl="0" algn="l">
+      <a:lvl9pPr marR="0" lvl="8" algn="l" rtl="0">
         <a:lnSpc>
           <a:spcPct val="100000"/>
         </a:lnSpc>
@@ -7256,7 +7453,7 @@
           <a:srgbClr val="000000"/>
         </a:buClr>
         <a:buFont typeface="Arial"/>
-        <a:defRPr b="0" i="0" sz="1400" u="none" cap="none" strike="noStrike">
+        <a:defRPr sz="1400" b="0" i="0" u="none" strike="noStrike" cap="none">
           <a:solidFill>
             <a:srgbClr val="000000"/>
           </a:solidFill>
@@ -7272,11 +7469,11 @@
 </file>
 
 <file path=ppt/slides/slide1.xml><?xml version="1.0" encoding="utf-8"?>
-<p:sld xmlns:a="http://schemas.openxmlformats.org/drawingml/2006/main" xmlns:r="http://schemas.openxmlformats.org/officeDocument/2006/relationships" xmlns:mc="http://schemas.openxmlformats.org/markup-compatibility/2006" xmlns:mv="urn:schemas-microsoft-com:mac:vml" xmlns:p="http://schemas.openxmlformats.org/presentationml/2006/main" xmlns:c="http://schemas.openxmlformats.org/drawingml/2006/chart" xmlns:dgm="http://schemas.openxmlformats.org/drawingml/2006/diagram" xmlns:o="urn:schemas-microsoft-com:office:office" xmlns:v="urn:schemas-microsoft-com:vml" xmlns:pvml="urn:schemas-microsoft-com:office:powerpoint" xmlns:com="http://schemas.openxmlformats.org/drawingml/2006/compatibility" xmlns:p14="http://schemas.microsoft.com/office/powerpoint/2010/main" xmlns:p15="http://schemas.microsoft.com/office/powerpoint/2012/main" xmlns:ahyp="http://schemas.microsoft.com/office/drawing/2018/hyperlinkcolor">
+<p:sld xmlns:a="http://schemas.openxmlformats.org/drawingml/2006/main" xmlns:r="http://schemas.openxmlformats.org/officeDocument/2006/relationships" xmlns:p="http://schemas.openxmlformats.org/presentationml/2006/main">
   <p:cSld>
     <p:spTree>
       <p:nvGrpSpPr>
-        <p:cNvPr id="57" name="Shape 57"/>
+        <p:cNvPr id="1" name="Shape 57"/>
         <p:cNvGrpSpPr/>
         <p:nvPr/>
       </p:nvGrpSpPr>
@@ -7308,12 +7505,12 @@
           </a:ln>
         </p:spPr>
         <p:txBody>
-          <a:bodyPr anchorCtr="0" anchor="b" bIns="91425" lIns="90000" spcFirstLastPara="1" rIns="90000" wrap="square" tIns="91425">
+          <a:bodyPr spcFirstLastPara="1" wrap="square" lIns="90000" tIns="91425" rIns="90000" bIns="91425" anchor="b" anchorCtr="0">
             <a:noAutofit/>
           </a:bodyPr>
           <a:lstStyle/>
           <a:p>
-            <a:pPr indent="0" lvl="0" marL="0" marR="0" rtl="0" algn="ctr">
+            <a:pPr marL="0" marR="0" lvl="0" indent="0" algn="ctr" rtl="0">
               <a:lnSpc>
                 <a:spcPct val="100000"/>
               </a:lnSpc>
@@ -7326,7 +7523,7 @@
               <a:buNone/>
             </a:pPr>
             <a:r>
-              <a:rPr b="0" i="0" lang="en" sz="5200" u="none" cap="none" strike="noStrike">
+              <a:rPr lang="en" sz="5200" b="0" i="0" u="none" strike="noStrike" cap="none">
                 <a:solidFill>
                   <a:srgbClr val="000000"/>
                 </a:solidFill>
@@ -7337,7 +7534,7 @@
               </a:rPr>
               <a:t>CS 6476 Project 3</a:t>
             </a:r>
-            <a:endParaRPr b="0" i="0" sz="5200" u="none" cap="none" strike="noStrike">
+            <a:endParaRPr sz="5200" b="0" i="0" u="none" strike="noStrike" cap="none">
               <a:solidFill>
                 <a:schemeClr val="dk1"/>
               </a:solidFill>
@@ -7369,12 +7566,12 @@
           </a:ln>
         </p:spPr>
         <p:txBody>
-          <a:bodyPr anchorCtr="0" anchor="t" bIns="91425" lIns="90000" spcFirstLastPara="1" rIns="90000" wrap="square" tIns="91425">
+          <a:bodyPr spcFirstLastPara="1" wrap="square" lIns="90000" tIns="91425" rIns="90000" bIns="91425" anchor="t" anchorCtr="0">
             <a:noAutofit/>
           </a:bodyPr>
           <a:lstStyle/>
           <a:p>
-            <a:pPr indent="0" lvl="0" marL="0" marR="0" rtl="0" algn="ctr">
+            <a:pPr marL="0" marR="0" lvl="0" indent="0" algn="ctr" rtl="0">
               <a:lnSpc>
                 <a:spcPct val="100000"/>
               </a:lnSpc>
@@ -7387,14 +7584,22 @@
               <a:buNone/>
             </a:pPr>
             <a:r>
-              <a:rPr lang="en" sz="2800">
+              <a:rPr lang="en" sz="2800" dirty="0" err="1">
                 <a:solidFill>
                   <a:srgbClr val="595959"/>
                 </a:solidFill>
               </a:rPr>
-              <a:t>[name]</a:t>
+              <a:t>Bojun</a:t>
             </a:r>
-            <a:endParaRPr b="0" i="0" sz="2800" u="none" cap="none" strike="noStrike">
+            <a:r>
+              <a:rPr lang="en" sz="2800" dirty="0">
+                <a:solidFill>
+                  <a:srgbClr val="595959"/>
+                </a:solidFill>
+              </a:rPr>
+              <a:t> Yang</a:t>
+            </a:r>
+            <a:endParaRPr sz="2800" b="0" i="0" u="none" strike="noStrike" cap="none" dirty="0">
               <a:solidFill>
                 <a:schemeClr val="dk1"/>
               </a:solidFill>
@@ -7405,7 +7610,7 @@
             </a:endParaRPr>
           </a:p>
           <a:p>
-            <a:pPr indent="0" lvl="0" marL="0" marR="0" rtl="0" algn="ctr">
+            <a:pPr marL="0" marR="0" lvl="0" indent="0" algn="ctr" rtl="0">
               <a:lnSpc>
                 <a:spcPct val="100000"/>
               </a:lnSpc>
@@ -7418,15 +7623,61 @@
               <a:buNone/>
             </a:pPr>
             <a:r>
-              <a:rPr lang="en" sz="2800">
+              <a:rPr lang="en-US" sz="2800" dirty="0">
                 <a:solidFill>
                   <a:srgbClr val="595959"/>
                 </a:solidFill>
               </a:rPr>
-              <a:t>[</a:t>
+              <a:t>byang301@gatech.edu</a:t>
             </a:r>
+            <a:endParaRPr sz="2800" dirty="0">
+              <a:solidFill>
+                <a:srgbClr val="595959"/>
+              </a:solidFill>
+            </a:endParaRPr>
+          </a:p>
+          <a:p>
+            <a:pPr marL="0" marR="0" lvl="0" indent="0" algn="ctr" rtl="0">
+              <a:lnSpc>
+                <a:spcPct val="100000"/>
+              </a:lnSpc>
+              <a:spcBef>
+                <a:spcPts val="0"/>
+              </a:spcBef>
+              <a:spcAft>
+                <a:spcPts val="0"/>
+              </a:spcAft>
+              <a:buNone/>
+            </a:pPr>
             <a:r>
-              <a:rPr b="0" i="0" lang="en" sz="2800" u="none" cap="none" strike="noStrike">
+              <a:rPr lang="en-US" sz="2800" dirty="0">
+                <a:solidFill>
+                  <a:srgbClr val="595959"/>
+                </a:solidFill>
+              </a:rPr>
+              <a:t>byang301</a:t>
+            </a:r>
+            <a:endParaRPr sz="2800" dirty="0">
+              <a:solidFill>
+                <a:srgbClr val="595959"/>
+              </a:solidFill>
+            </a:endParaRPr>
+          </a:p>
+          <a:p>
+            <a:pPr marL="0" marR="0" lvl="0" indent="0" algn="ctr" rtl="0">
+              <a:lnSpc>
+                <a:spcPct val="100000"/>
+              </a:lnSpc>
+              <a:spcBef>
+                <a:spcPts val="0"/>
+              </a:spcBef>
+              <a:spcAft>
+                <a:spcPts val="0"/>
+              </a:spcAft>
+              <a:buNone/>
+            </a:pPr>
+            <a:r>
+              <a:rPr lang="en" sz="2800" b="0" i="0" u="none" strike="noStrike" cap="none" dirty="0">
                 <a:solidFill>
                   <a:srgbClr val="595959"/>
                 </a:solidFill>
@@ -7435,83 +7686,9 @@
                 <a:cs typeface="Arial"/>
                 <a:sym typeface="Arial"/>
               </a:rPr>
-              <a:t>GT </a:t>
+              <a:t>903254309</a:t>
             </a:r>
-            <a:r>
-              <a:rPr lang="en" sz="2800">
-                <a:solidFill>
-                  <a:srgbClr val="595959"/>
-                </a:solidFill>
-              </a:rPr>
-              <a:t>email]</a:t>
-            </a:r>
-            <a:endParaRPr sz="2800">
-              <a:solidFill>
-                <a:srgbClr val="595959"/>
-              </a:solidFill>
-            </a:endParaRPr>
-          </a:p>
-          <a:p>
-            <a:pPr indent="0" lvl="0" marL="0" marR="0" rtl="0" algn="ctr">
-              <a:lnSpc>
-                <a:spcPct val="100000"/>
-              </a:lnSpc>
-              <a:spcBef>
-                <a:spcPts val="0"/>
-              </a:spcBef>
-              <a:spcAft>
-                <a:spcPts val="0"/>
-              </a:spcAft>
-              <a:buNone/>
-            </a:pPr>
-            <a:r>
-              <a:rPr lang="en" sz="2800">
-                <a:solidFill>
-                  <a:srgbClr val="595959"/>
-                </a:solidFill>
-              </a:rPr>
-              <a:t>[GT username]</a:t>
-            </a:r>
-            <a:endParaRPr sz="2800">
-              <a:solidFill>
-                <a:srgbClr val="595959"/>
-              </a:solidFill>
-            </a:endParaRPr>
-          </a:p>
-          <a:p>
-            <a:pPr indent="0" lvl="0" marL="0" marR="0" rtl="0" algn="ctr">
-              <a:lnSpc>
-                <a:spcPct val="100000"/>
-              </a:lnSpc>
-              <a:spcBef>
-                <a:spcPts val="0"/>
-              </a:spcBef>
-              <a:spcAft>
-                <a:spcPts val="0"/>
-              </a:spcAft>
-              <a:buNone/>
-            </a:pPr>
-            <a:r>
-              <a:rPr lang="en" sz="2800">
-                <a:solidFill>
-                  <a:srgbClr val="595959"/>
-                </a:solidFill>
-              </a:rPr>
-              <a:t>[</a:t>
-            </a:r>
-            <a:r>
-              <a:rPr b="0" i="0" lang="en" sz="2800" u="none" cap="none" strike="noStrike">
-                <a:solidFill>
-                  <a:srgbClr val="595959"/>
-                </a:solidFill>
-                <a:latin typeface="Arial"/>
-                <a:ea typeface="Arial"/>
-                <a:cs typeface="Arial"/>
-                <a:sym typeface="Arial"/>
-              </a:rPr>
-              <a:t>GTID]</a:t>
-            </a:r>
-            <a:endParaRPr b="0" i="0" sz="2800" u="none" cap="none" strike="noStrike">
+            <a:endParaRPr sz="2800" b="0" i="0" u="none" strike="noStrike" cap="none" dirty="0">
               <a:solidFill>
                 <a:schemeClr val="dk1"/>
               </a:solidFill>
@@ -7532,11 +7709,11 @@
 </file>
 
 <file path=ppt/slides/slide10.xml><?xml version="1.0" encoding="utf-8"?>
-<p:sld xmlns:a="http://schemas.openxmlformats.org/drawingml/2006/main" xmlns:r="http://schemas.openxmlformats.org/officeDocument/2006/relationships" xmlns:mc="http://schemas.openxmlformats.org/markup-compatibility/2006" xmlns:mv="urn:schemas-microsoft-com:mac:vml" xmlns:p="http://schemas.openxmlformats.org/presentationml/2006/main" xmlns:c="http://schemas.openxmlformats.org/drawingml/2006/chart" xmlns:dgm="http://schemas.openxmlformats.org/drawingml/2006/diagram" xmlns:o="urn:schemas-microsoft-com:office:office" xmlns:v="urn:schemas-microsoft-com:vml" xmlns:pvml="urn:schemas-microsoft-com:office:powerpoint" xmlns:com="http://schemas.openxmlformats.org/drawingml/2006/compatibility" xmlns:p14="http://schemas.microsoft.com/office/powerpoint/2010/main" xmlns:p15="http://schemas.microsoft.com/office/powerpoint/2012/main" xmlns:ahyp="http://schemas.microsoft.com/office/drawing/2018/hyperlinkcolor">
+<p:sld xmlns:a="http://schemas.openxmlformats.org/drawingml/2006/main" xmlns:r="http://schemas.openxmlformats.org/officeDocument/2006/relationships" xmlns:p="http://schemas.openxmlformats.org/presentationml/2006/main">
   <p:cSld>
     <p:spTree>
       <p:nvGrpSpPr>
-        <p:cNvPr id="116" name="Shape 116"/>
+        <p:cNvPr id="1" name="Shape 116"/>
         <p:cNvGrpSpPr/>
         <p:nvPr/>
       </p:nvGrpSpPr>
@@ -7551,7 +7728,9 @@
       <p:sp>
         <p:nvSpPr>
           <p:cNvPr id="117" name="Google Shape;117;p23"/>
-          <p:cNvSpPr txBox="1"/>
+          <p:cNvSpPr txBox="1">
+            <a:spLocks noGrp="1"/>
+          </p:cNvSpPr>
           <p:nvPr>
             <p:ph type="title"/>
           </p:nvPr>
@@ -7566,12 +7745,12 @@
           </a:prstGeom>
         </p:spPr>
         <p:txBody>
-          <a:bodyPr anchorCtr="0" anchor="t" bIns="91425" lIns="91425" spcFirstLastPara="1" rIns="91425" wrap="square" tIns="91425">
+          <a:bodyPr spcFirstLastPara="1" wrap="square" lIns="91425" tIns="91425" rIns="91425" bIns="91425" anchor="t" anchorCtr="0">
             <a:normAutofit fontScale="90000"/>
           </a:bodyPr>
           <a:lstStyle/>
           <a:p>
-            <a:pPr indent="0" lvl="0" marL="0" rtl="0" algn="l">
+            <a:pPr marL="0" lvl="0" indent="0" algn="l" rtl="0">
               <a:spcBef>
                 <a:spcPts val="0"/>
               </a:spcBef>
@@ -7591,9 +7770,11 @@
       <p:sp>
         <p:nvSpPr>
           <p:cNvPr id="118" name="Google Shape;118;p23"/>
-          <p:cNvSpPr txBox="1"/>
+          <p:cNvSpPr txBox="1">
+            <a:spLocks noGrp="1"/>
+          </p:cNvSpPr>
           <p:nvPr>
-            <p:ph idx="1" type="body"/>
+            <p:ph type="body" idx="1"/>
           </p:nvPr>
         </p:nvSpPr>
         <p:spPr>
@@ -7606,14 +7787,14 @@
           </a:prstGeom>
         </p:spPr>
         <p:txBody>
-          <a:bodyPr anchorCtr="0" anchor="t" bIns="91425" lIns="91425" spcFirstLastPara="1" rIns="91425" wrap="square" tIns="91425">
+          <a:bodyPr spcFirstLastPara="1" wrap="square" lIns="91425" tIns="91425" rIns="91425" bIns="91425" anchor="t" anchorCtr="0">
             <a:normAutofit/>
           </a:bodyPr>
           <a:lstStyle/>
           <a:p>
-            <a:pPr indent="0" lvl="0" marL="0" rtl="0" algn="l">
-              <a:spcBef>
-                <a:spcPts val="0"/>
+            <a:pPr marL="0" lvl="0" indent="0" algn="l" rtl="0">
+              <a:spcBef>
+                <a:spcPts val="1200"/>
               </a:spcBef>
               <a:spcAft>
                 <a:spcPts val="0"/>
@@ -7621,50 +7802,40 @@
               <a:buNone/>
             </a:pPr>
             <a:r>
-              <a:rPr lang="en"/>
-              <a:t>[How many RANSAC iterations would we need to find the fundamental matrix with 99.9% certainty from your Mt. Rushmore and Notre Dame SIFT results assuming that they had a 90% point correspondence accuracy?]</a:t>
+              <a:rPr lang="en-US" dirty="0"/>
+              <a:t>99.9% certainty and 90% point correspondence: 12 iterations with a sample size of 8. </a:t>
             </a:r>
-            <a:endParaRPr/>
+            <a:endParaRPr dirty="0"/>
           </a:p>
           <a:p>
-            <a:pPr indent="0" lvl="0" marL="0" rtl="0" algn="l">
+            <a:pPr marL="0" lvl="0" indent="0" algn="l" rtl="0">
               <a:spcBef>
                 <a:spcPts val="1200"/>
               </a:spcBef>
               <a:spcAft>
-                <a:spcPts val="0"/>
+                <a:spcPts val="1200"/>
               </a:spcAft>
               <a:buNone/>
             </a:pPr>
+            <a:br>
+              <a:rPr lang="en" dirty="0"/>
+            </a:br>
             <a:r>
-              <a:t/>
+              <a:rPr lang="en" dirty="0"/>
+              <a:t>18 point correspondence: 42 iterations. 3.5 times more iterations for twice the amount of points. </a:t>
             </a:r>
-            <a:endParaRPr/>
-          </a:p>
-          <a:p>
-            <a:pPr indent="0" lvl="0" marL="0" rtl="0" algn="l">
-              <a:spcBef>
-                <a:spcPts val="1200"/>
-              </a:spcBef>
-              <a:spcAft>
-                <a:spcPts val="1200"/>
-              </a:spcAft>
-              <a:buNone/>
-            </a:pPr>
-            <a:r>
-              <a:rPr lang="en"/>
-              <a:t>[One might imagine that if we had more than 9 point correspondences, it would be better to use more of them to solve for the fundamental matrix. Investigate this by finding the # of RANSAC iterations you would need to run with 18 points.]</a:t>
-            </a:r>
-            <a:endParaRPr/>
+            <a:endParaRPr dirty="0"/>
           </a:p>
         </p:txBody>
       </p:sp>
       <p:sp>
         <p:nvSpPr>
           <p:cNvPr id="119" name="Google Shape;119;p23"/>
-          <p:cNvSpPr txBox="1"/>
+          <p:cNvSpPr txBox="1">
+            <a:spLocks noGrp="1"/>
+          </p:cNvSpPr>
           <p:nvPr>
-            <p:ph idx="2" type="body"/>
+            <p:ph type="body" idx="2"/>
           </p:nvPr>
         </p:nvSpPr>
         <p:spPr>
@@ -7677,12 +7848,12 @@
           </a:prstGeom>
         </p:spPr>
         <p:txBody>
-          <a:bodyPr anchorCtr="0" anchor="t" bIns="91425" lIns="91425" spcFirstLastPara="1" rIns="91425" wrap="square" tIns="91425">
+          <a:bodyPr spcFirstLastPara="1" wrap="square" lIns="91425" tIns="91425" rIns="91425" bIns="91425" anchor="t" anchorCtr="0">
             <a:normAutofit/>
           </a:bodyPr>
           <a:lstStyle/>
           <a:p>
-            <a:pPr indent="0" lvl="0" marL="0" rtl="0" algn="l">
+            <a:pPr marL="0" lvl="0" indent="0" algn="l" rtl="0">
               <a:spcBef>
                 <a:spcPts val="0"/>
               </a:spcBef>
@@ -7692,10 +7863,37 @@
               <a:buNone/>
             </a:pPr>
             <a:r>
-              <a:rPr lang="en"/>
-              <a:t>[If our dataset had a lower point correspondence accuracy, say 70%, what is the minimum # of iterations needed to find the fundamental matrix with 99.9% certainty?]</a:t>
+              <a:rPr lang="en-US" dirty="0"/>
+              <a:t>99.9% certainty, 70% point correspondence: 116 with a sample size of 8. </a:t>
             </a:r>
-            <a:endParaRPr/>
+          </a:p>
+          <a:p>
+            <a:pPr marL="0" lvl="0" indent="0" algn="l" rtl="0">
+              <a:spcBef>
+                <a:spcPts val="0"/>
+              </a:spcBef>
+              <a:spcAft>
+                <a:spcPts val="1200"/>
+              </a:spcAft>
+              <a:buNone/>
+            </a:pPr>
+            <a:endParaRPr lang="en-US" dirty="0"/>
+          </a:p>
+          <a:p>
+            <a:pPr marL="0" lvl="0" indent="0" algn="l" rtl="0">
+              <a:spcBef>
+                <a:spcPts val="0"/>
+              </a:spcBef>
+              <a:spcAft>
+                <a:spcPts val="1200"/>
+              </a:spcAft>
+              <a:buNone/>
+            </a:pPr>
+            <a:r>
+              <a:rPr lang="en-US" dirty="0"/>
+              <a:t>The lower the point correspondence, the more iterations.</a:t>
+            </a:r>
+            <a:endParaRPr dirty="0"/>
           </a:p>
         </p:txBody>
       </p:sp>
@@ -7708,11 +7906,11 @@
 </file>
 
 <file path=ppt/slides/slide11.xml><?xml version="1.0" encoding="utf-8"?>
-<p:sld xmlns:a="http://schemas.openxmlformats.org/drawingml/2006/main" xmlns:r="http://schemas.openxmlformats.org/officeDocument/2006/relationships" xmlns:mc="http://schemas.openxmlformats.org/markup-compatibility/2006" xmlns:mv="urn:schemas-microsoft-com:mac:vml" xmlns:p="http://schemas.openxmlformats.org/presentationml/2006/main" xmlns:c="http://schemas.openxmlformats.org/drawingml/2006/chart" xmlns:dgm="http://schemas.openxmlformats.org/drawingml/2006/diagram" xmlns:o="urn:schemas-microsoft-com:office:office" xmlns:v="urn:schemas-microsoft-com:vml" xmlns:pvml="urn:schemas-microsoft-com:office:powerpoint" xmlns:com="http://schemas.openxmlformats.org/drawingml/2006/compatibility" xmlns:p14="http://schemas.microsoft.com/office/powerpoint/2010/main" xmlns:p15="http://schemas.microsoft.com/office/powerpoint/2012/main" xmlns:ahyp="http://schemas.microsoft.com/office/drawing/2018/hyperlinkcolor">
+<p:sld xmlns:a="http://schemas.openxmlformats.org/drawingml/2006/main" xmlns:r="http://schemas.openxmlformats.org/officeDocument/2006/relationships" xmlns:p="http://schemas.openxmlformats.org/presentationml/2006/main">
   <p:cSld>
     <p:spTree>
       <p:nvGrpSpPr>
-        <p:cNvPr id="123" name="Shape 123"/>
+        <p:cNvPr id="1" name="Shape 123"/>
         <p:cNvGrpSpPr/>
         <p:nvPr/>
       </p:nvGrpSpPr>
@@ -7727,7 +7925,9 @@
       <p:sp>
         <p:nvSpPr>
           <p:cNvPr id="124" name="Google Shape;124;p24"/>
-          <p:cNvSpPr txBox="1"/>
+          <p:cNvSpPr txBox="1">
+            <a:spLocks noGrp="1"/>
+          </p:cNvSpPr>
           <p:nvPr>
             <p:ph type="title"/>
           </p:nvPr>
@@ -7742,12 +7942,12 @@
           </a:prstGeom>
         </p:spPr>
         <p:txBody>
-          <a:bodyPr anchorCtr="0" anchor="t" bIns="91425" lIns="91425" spcFirstLastPara="1" rIns="91425" wrap="square" tIns="91425">
+          <a:bodyPr spcFirstLastPara="1" wrap="square" lIns="91425" tIns="91425" rIns="91425" bIns="91425" anchor="t" anchorCtr="0">
             <a:normAutofit fontScale="90000"/>
           </a:bodyPr>
           <a:lstStyle/>
           <a:p>
-            <a:pPr indent="0" lvl="0" marL="0" rtl="0" algn="l">
+            <a:pPr marL="0" lvl="0" indent="0" algn="l" rtl="0">
               <a:spcBef>
                 <a:spcPts val="0"/>
               </a:spcBef>
@@ -7767,9 +7967,11 @@
       <p:sp>
         <p:nvSpPr>
           <p:cNvPr id="125" name="Google Shape;125;p24"/>
-          <p:cNvSpPr txBox="1"/>
+          <p:cNvSpPr txBox="1">
+            <a:spLocks noGrp="1"/>
+          </p:cNvSpPr>
           <p:nvPr>
-            <p:ph idx="1" type="body"/>
+            <p:ph type="body" idx="1"/>
           </p:nvPr>
         </p:nvSpPr>
         <p:spPr>
@@ -7782,12 +7984,12 @@
           </a:prstGeom>
         </p:spPr>
         <p:txBody>
-          <a:bodyPr anchorCtr="0" anchor="t" bIns="91425" lIns="91425" spcFirstLastPara="1" rIns="91425" wrap="square" tIns="91425">
+          <a:bodyPr spcFirstLastPara="1" wrap="square" lIns="91425" tIns="91425" rIns="91425" bIns="91425" anchor="t" anchorCtr="0">
             <a:normAutofit/>
           </a:bodyPr>
           <a:lstStyle/>
           <a:p>
-            <a:pPr indent="0" lvl="0" marL="0" rtl="0" algn="l">
+            <a:pPr marL="0" lvl="0" indent="0" algn="l" rtl="0">
               <a:spcBef>
                 <a:spcPts val="0"/>
               </a:spcBef>
@@ -7807,9 +8009,11 @@
       <p:sp>
         <p:nvSpPr>
           <p:cNvPr id="126" name="Google Shape;126;p24"/>
-          <p:cNvSpPr txBox="1"/>
+          <p:cNvSpPr txBox="1">
+            <a:spLocks noGrp="1"/>
+          </p:cNvSpPr>
           <p:nvPr>
-            <p:ph idx="2" type="body"/>
+            <p:ph type="body" idx="2"/>
           </p:nvPr>
         </p:nvSpPr>
         <p:spPr>
@@ -7822,12 +8026,12 @@
           </a:prstGeom>
         </p:spPr>
         <p:txBody>
-          <a:bodyPr anchorCtr="0" anchor="t" bIns="91425" lIns="91425" spcFirstLastPara="1" rIns="91425" wrap="square" tIns="91425">
+          <a:bodyPr spcFirstLastPara="1" wrap="square" lIns="91425" tIns="91425" rIns="91425" bIns="91425" anchor="t" anchorCtr="0">
             <a:normAutofit/>
           </a:bodyPr>
           <a:lstStyle/>
           <a:p>
-            <a:pPr indent="0" lvl="0" marL="0" rtl="0" algn="l">
+            <a:pPr marL="0" lvl="0" indent="0" algn="l" rtl="0">
               <a:spcBef>
                 <a:spcPts val="0"/>
               </a:spcBef>
@@ -7844,6 +8048,66 @@
           </a:p>
         </p:txBody>
       </p:sp>
+      <p:pic>
+        <p:nvPicPr>
+          <p:cNvPr id="5" name="Picture 4" descr="A screenshot of a computer&#10;&#10;Description automatically generated with medium confidence">
+            <a:extLst>
+              <a:ext uri="{FF2B5EF4-FFF2-40B4-BE49-F238E27FC236}">
+                <a16:creationId xmlns:a16="http://schemas.microsoft.com/office/drawing/2014/main" id="{5D7401DA-09C8-1C44-BB79-8CC7BD24A2E9}"/>
+              </a:ext>
+            </a:extLst>
+          </p:cNvPr>
+          <p:cNvPicPr>
+            <a:picLocks noChangeAspect="1"/>
+          </p:cNvPicPr>
+          <p:nvPr/>
+        </p:nvPicPr>
+        <p:blipFill>
+          <a:blip r:embed="rId3"/>
+          <a:stretch>
+            <a:fillRect/>
+          </a:stretch>
+        </p:blipFill>
+        <p:spPr>
+          <a:xfrm>
+            <a:off x="153068" y="1152475"/>
+            <a:ext cx="4499971" cy="1461245"/>
+          </a:xfrm>
+          <a:prstGeom prst="rect">
+            <a:avLst/>
+          </a:prstGeom>
+        </p:spPr>
+      </p:pic>
+      <p:pic>
+        <p:nvPicPr>
+          <p:cNvPr id="7" name="Picture 6" descr="A screenshot of a computer&#10;&#10;Description automatically generated">
+            <a:extLst>
+              <a:ext uri="{FF2B5EF4-FFF2-40B4-BE49-F238E27FC236}">
+                <a16:creationId xmlns:a16="http://schemas.microsoft.com/office/drawing/2014/main" id="{D9F4969B-12AE-1047-9F38-B4F7A1E6AB67}"/>
+              </a:ext>
+            </a:extLst>
+          </p:cNvPr>
+          <p:cNvPicPr>
+            <a:picLocks noChangeAspect="1"/>
+          </p:cNvPicPr>
+          <p:nvPr/>
+        </p:nvPicPr>
+        <p:blipFill>
+          <a:blip r:embed="rId4"/>
+          <a:stretch>
+            <a:fillRect/>
+          </a:stretch>
+        </p:blipFill>
+        <p:spPr>
+          <a:xfrm>
+            <a:off x="4470232" y="1152475"/>
+            <a:ext cx="4580131" cy="1419275"/>
+          </a:xfrm>
+          <a:prstGeom prst="rect">
+            <a:avLst/>
+          </a:prstGeom>
+        </p:spPr>
+      </p:pic>
     </p:spTree>
   </p:cSld>
   <p:clrMapOvr>
@@ -7853,11 +8117,11 @@
 </file>
 
 <file path=ppt/slides/slide12.xml><?xml version="1.0" encoding="utf-8"?>
-<p:sld xmlns:a="http://schemas.openxmlformats.org/drawingml/2006/main" xmlns:r="http://schemas.openxmlformats.org/officeDocument/2006/relationships" xmlns:mc="http://schemas.openxmlformats.org/markup-compatibility/2006" xmlns:mv="urn:schemas-microsoft-com:mac:vml" xmlns:p="http://schemas.openxmlformats.org/presentationml/2006/main" xmlns:c="http://schemas.openxmlformats.org/drawingml/2006/chart" xmlns:dgm="http://schemas.openxmlformats.org/drawingml/2006/diagram" xmlns:o="urn:schemas-microsoft-com:office:office" xmlns:v="urn:schemas-microsoft-com:vml" xmlns:pvml="urn:schemas-microsoft-com:office:powerpoint" xmlns:com="http://schemas.openxmlformats.org/drawingml/2006/compatibility" xmlns:p14="http://schemas.microsoft.com/office/powerpoint/2010/main" xmlns:p15="http://schemas.microsoft.com/office/powerpoint/2012/main" xmlns:ahyp="http://schemas.microsoft.com/office/drawing/2018/hyperlinkcolor">
+<p:sld xmlns:a="http://schemas.openxmlformats.org/drawingml/2006/main" xmlns:r="http://schemas.openxmlformats.org/officeDocument/2006/relationships" xmlns:p="http://schemas.openxmlformats.org/presentationml/2006/main">
   <p:cSld>
     <p:spTree>
       <p:nvGrpSpPr>
-        <p:cNvPr id="130" name="Shape 130"/>
+        <p:cNvPr id="1" name="Shape 130"/>
         <p:cNvGrpSpPr/>
         <p:nvPr/>
       </p:nvGrpSpPr>
@@ -7872,7 +8136,9 @@
       <p:sp>
         <p:nvSpPr>
           <p:cNvPr id="131" name="Google Shape;131;p25"/>
-          <p:cNvSpPr txBox="1"/>
+          <p:cNvSpPr txBox="1">
+            <a:spLocks noGrp="1"/>
+          </p:cNvSpPr>
           <p:nvPr>
             <p:ph type="title"/>
           </p:nvPr>
@@ -7887,12 +8153,12 @@
           </a:prstGeom>
         </p:spPr>
         <p:txBody>
-          <a:bodyPr anchorCtr="0" anchor="t" bIns="91425" lIns="91425" spcFirstLastPara="1" rIns="91425" wrap="square" tIns="91425">
+          <a:bodyPr spcFirstLastPara="1" wrap="square" lIns="91425" tIns="91425" rIns="91425" bIns="91425" anchor="t" anchorCtr="0">
             <a:normAutofit fontScale="90000"/>
           </a:bodyPr>
           <a:lstStyle/>
           <a:p>
-            <a:pPr indent="0" lvl="0" marL="0" rtl="0" algn="l">
+            <a:pPr marL="0" lvl="0" indent="0" algn="l" rtl="0">
               <a:spcBef>
                 <a:spcPts val="0"/>
               </a:spcBef>
@@ -7912,9 +8178,11 @@
       <p:sp>
         <p:nvSpPr>
           <p:cNvPr id="132" name="Google Shape;132;p25"/>
-          <p:cNvSpPr txBox="1"/>
+          <p:cNvSpPr txBox="1">
+            <a:spLocks noGrp="1"/>
+          </p:cNvSpPr>
           <p:nvPr>
-            <p:ph idx="1" type="body"/>
+            <p:ph type="body" idx="1"/>
           </p:nvPr>
         </p:nvSpPr>
         <p:spPr>
@@ -7927,14 +8195,14 @@
           </a:prstGeom>
         </p:spPr>
         <p:txBody>
-          <a:bodyPr anchorCtr="0" anchor="t" bIns="91425" lIns="91425" spcFirstLastPara="1" rIns="91425" wrap="square" tIns="91425">
+          <a:bodyPr spcFirstLastPara="1" wrap="square" lIns="91425" tIns="91425" rIns="91425" bIns="91425" anchor="t" anchorCtr="0">
             <a:normAutofit/>
           </a:bodyPr>
           <a:lstStyle/>
           <a:p>
-            <a:pPr indent="0" lvl="0" marL="0" rtl="0" algn="l">
-              <a:spcBef>
-                <a:spcPts val="0"/>
+            <a:pPr marL="0" lvl="0" indent="0" algn="l" rtl="0">
+              <a:spcBef>
+                <a:spcPts val="1200"/>
               </a:spcBef>
               <a:spcAft>
                 <a:spcPts val="0"/>
@@ -7942,95 +8210,73 @@
               <a:buNone/>
             </a:pPr>
             <a:r>
-              <a:rPr lang="en"/>
-              <a:t>[Describe the different performance of the two methods.]</a:t>
+              <a:rPr lang="en-US" dirty="0"/>
+              <a:t>The </a:t>
             </a:r>
-            <a:endParaRPr/>
+            <a:r>
+              <a:rPr lang="en-US" dirty="0" err="1"/>
+              <a:t>ransac</a:t>
+            </a:r>
+            <a:r>
+              <a:rPr lang="en-US" dirty="0"/>
+              <a:t> method was significantly slower. Linear method took 0.00127s while the </a:t>
+            </a:r>
+            <a:r>
+              <a:rPr lang="en-US" dirty="0" err="1"/>
+              <a:t>ransac</a:t>
+            </a:r>
+            <a:r>
+              <a:rPr lang="en-US" dirty="0"/>
+              <a:t> method took 3.289s.</a:t>
+            </a:r>
+            <a:endParaRPr dirty="0"/>
           </a:p>
           <a:p>
-            <a:pPr indent="0" lvl="0" marL="0" rtl="0" algn="l">
+            <a:pPr marL="0" lvl="0" indent="0" algn="l" rtl="0">
               <a:spcBef>
                 <a:spcPts val="1200"/>
               </a:spcBef>
               <a:spcAft>
                 <a:spcPts val="0"/>
+              </a:spcAft>
+              <a:buNone/>
+            </a:pPr>
+            <a:endParaRPr dirty="0"/>
+          </a:p>
+          <a:p>
+            <a:pPr marL="0" lvl="0" indent="0" algn="l" rtl="0">
+              <a:spcBef>
+                <a:spcPts val="1200"/>
+              </a:spcBef>
+              <a:spcAft>
+                <a:spcPts val="1200"/>
               </a:spcAft>
               <a:buNone/>
             </a:pPr>
             <a:r>
-              <a:t/>
+              <a:rPr lang="en-US" dirty="0"/>
+              <a:t>The differences appear because the linear method performs the estimation of F once. With </a:t>
             </a:r>
-            <a:endParaRPr/>
-          </a:p>
-          <a:p>
-            <a:pPr indent="0" lvl="0" marL="0" rtl="0" algn="l">
-              <a:spcBef>
-                <a:spcPts val="1200"/>
-              </a:spcBef>
-              <a:spcAft>
-                <a:spcPts val="0"/>
-              </a:spcAft>
-              <a:buNone/>
-            </a:pPr>
             <a:r>
-              <a:t/>
+              <a:rPr lang="en-US" dirty="0" err="1"/>
+              <a:t>ransac</a:t>
             </a:r>
-            <a:endParaRPr/>
-          </a:p>
-          <a:p>
-            <a:pPr indent="0" lvl="0" marL="0" rtl="0" algn="l">
-              <a:spcBef>
-                <a:spcPts val="1200"/>
-              </a:spcBef>
-              <a:spcAft>
-                <a:spcPts val="0"/>
-              </a:spcAft>
-              <a:buNone/>
-            </a:pPr>
             <a:r>
-              <a:t/>
+              <a:rPr lang="en-US" dirty="0"/>
+              <a:t>, the estimation is performed many times. With my parameters, over a thousand iterations were performed. </a:t>
             </a:r>
-            <a:endParaRPr/>
-          </a:p>
-          <a:p>
-            <a:pPr indent="0" lvl="0" marL="0" rtl="0" algn="l">
-              <a:spcBef>
-                <a:spcPts val="1200"/>
-              </a:spcBef>
-              <a:spcAft>
-                <a:spcPts val="0"/>
-              </a:spcAft>
-              <a:buNone/>
-            </a:pPr>
-            <a:r>
-              <a:rPr lang="en"/>
-              <a:t>[Why do these differences appear?]</a:t>
-            </a:r>
-            <a:endParaRPr/>
-          </a:p>
-          <a:p>
-            <a:pPr indent="0" lvl="0" marL="0" rtl="0" algn="l">
-              <a:spcBef>
-                <a:spcPts val="1200"/>
-              </a:spcBef>
-              <a:spcAft>
-                <a:spcPts val="1200"/>
-              </a:spcAft>
-              <a:buNone/>
-            </a:pPr>
-            <a:r>
-              <a:t/>
-            </a:r>
-            <a:endParaRPr/>
+            <a:endParaRPr dirty="0"/>
           </a:p>
         </p:txBody>
       </p:sp>
       <p:sp>
         <p:nvSpPr>
           <p:cNvPr id="133" name="Google Shape;133;p25"/>
-          <p:cNvSpPr txBox="1"/>
+          <p:cNvSpPr txBox="1">
+            <a:spLocks noGrp="1"/>
+          </p:cNvSpPr>
           <p:nvPr>
-            <p:ph idx="2" type="body"/>
+            <p:ph type="body" idx="2"/>
           </p:nvPr>
         </p:nvSpPr>
         <p:spPr>
@@ -8043,12 +8289,12 @@
           </a:prstGeom>
         </p:spPr>
         <p:txBody>
-          <a:bodyPr anchorCtr="0" anchor="t" bIns="91425" lIns="91425" spcFirstLastPara="1" rIns="91425" wrap="square" tIns="91425">
+          <a:bodyPr spcFirstLastPara="1" wrap="square" lIns="91425" tIns="91425" rIns="91425" bIns="91425" anchor="t" anchorCtr="0">
             <a:normAutofit/>
           </a:bodyPr>
           <a:lstStyle/>
           <a:p>
-            <a:pPr indent="0" lvl="0" marL="0" rtl="0" algn="l">
+            <a:pPr marL="0" lvl="0" indent="0" algn="l" rtl="0">
               <a:spcBef>
                 <a:spcPts val="0"/>
               </a:spcBef>
@@ -8058,10 +8304,22 @@
               <a:buNone/>
             </a:pPr>
             <a:r>
-              <a:rPr lang="en"/>
-              <a:t>[Which one should be more robust in real applications? Why?]</a:t>
+              <a:rPr lang="en" dirty="0" err="1"/>
+              <a:t>Ransac</a:t>
             </a:r>
-            <a:endParaRPr/>
+            <a:r>
+              <a:rPr lang="en" dirty="0"/>
+              <a:t> should be more robust since real application can have very high percentage of incorrect matches. Thus, </a:t>
+            </a:r>
+            <a:r>
+              <a:rPr lang="en" dirty="0" err="1"/>
+              <a:t>ransac</a:t>
+            </a:r>
+            <a:r>
+              <a:rPr lang="en" dirty="0"/>
+              <a:t> will perform the best in real applications while being slower. </a:t>
+            </a:r>
+            <a:endParaRPr dirty="0"/>
           </a:p>
         </p:txBody>
       </p:sp>
@@ -8074,11 +8332,11 @@
 </file>
 
 <file path=ppt/slides/slide13.xml><?xml version="1.0" encoding="utf-8"?>
-<p:sld xmlns:a="http://schemas.openxmlformats.org/drawingml/2006/main" xmlns:r="http://schemas.openxmlformats.org/officeDocument/2006/relationships" xmlns:mc="http://schemas.openxmlformats.org/markup-compatibility/2006" xmlns:mv="urn:schemas-microsoft-com:mac:vml" xmlns:p="http://schemas.openxmlformats.org/presentationml/2006/main" xmlns:c="http://schemas.openxmlformats.org/drawingml/2006/chart" xmlns:dgm="http://schemas.openxmlformats.org/drawingml/2006/diagram" xmlns:o="urn:schemas-microsoft-com:office:office" xmlns:v="urn:schemas-microsoft-com:vml" xmlns:pvml="urn:schemas-microsoft-com:office:powerpoint" xmlns:com="http://schemas.openxmlformats.org/drawingml/2006/compatibility" xmlns:p14="http://schemas.microsoft.com/office/powerpoint/2010/main" xmlns:p15="http://schemas.microsoft.com/office/powerpoint/2012/main" xmlns:ahyp="http://schemas.microsoft.com/office/drawing/2018/hyperlinkcolor">
+<p:sld xmlns:a="http://schemas.openxmlformats.org/drawingml/2006/main" xmlns:r="http://schemas.openxmlformats.org/officeDocument/2006/relationships" xmlns:p="http://schemas.openxmlformats.org/presentationml/2006/main">
   <p:cSld>
     <p:spTree>
       <p:nvGrpSpPr>
-        <p:cNvPr id="137" name="Shape 137"/>
+        <p:cNvPr id="1" name="Shape 137"/>
         <p:cNvGrpSpPr/>
         <p:nvPr/>
       </p:nvGrpSpPr>
@@ -8110,12 +8368,12 @@
           </a:ln>
         </p:spPr>
         <p:txBody>
-          <a:bodyPr anchorCtr="0" anchor="t" bIns="91425" lIns="90000" spcFirstLastPara="1" rIns="90000" wrap="square" tIns="91425">
+          <a:bodyPr spcFirstLastPara="1" wrap="square" lIns="90000" tIns="91425" rIns="90000" bIns="91425" anchor="t" anchorCtr="0">
             <a:noAutofit/>
           </a:bodyPr>
           <a:lstStyle/>
           <a:p>
-            <a:pPr indent="0" lvl="0" marL="0" rtl="0" algn="l">
+            <a:pPr marL="0" lvl="0" indent="0" algn="l" rtl="0">
               <a:spcBef>
                 <a:spcPts val="0"/>
               </a:spcBef>
@@ -8139,7 +8397,7 @@
             </a:endParaRPr>
           </a:p>
           <a:p>
-            <a:pPr indent="0" lvl="0" marL="0" marR="0" rtl="0" algn="l">
+            <a:pPr marL="0" marR="0" lvl="0" indent="0" algn="l" rtl="0">
               <a:lnSpc>
                 <a:spcPct val="100000"/>
               </a:lnSpc>
@@ -8151,9 +8409,6 @@
               </a:spcAft>
               <a:buNone/>
             </a:pPr>
-            <a:r>
-              <a:t/>
-            </a:r>
             <a:endParaRPr sz="2800"/>
           </a:p>
         </p:txBody>
@@ -8178,17 +8433,17 @@
           </a:ln>
         </p:spPr>
         <p:txBody>
-          <a:bodyPr anchorCtr="0" anchor="t" bIns="91425" lIns="90000" spcFirstLastPara="1" rIns="90000" wrap="square" tIns="91425">
+          <a:bodyPr spcFirstLastPara="1" wrap="square" lIns="90000" tIns="91425" rIns="90000" bIns="91425" anchor="t" anchorCtr="0">
             <a:noAutofit/>
           </a:bodyPr>
           <a:lstStyle/>
           <a:p>
-            <a:pPr indent="0" lvl="0" marL="0" marR="0" rtl="0" algn="l">
+            <a:pPr marL="0" marR="0" lvl="0" indent="0" algn="l" rtl="0">
               <a:lnSpc>
                 <a:spcPct val="115000"/>
               </a:lnSpc>
               <a:spcBef>
-                <a:spcPts val="0"/>
+                <a:spcPts val="1200"/>
               </a:spcBef>
               <a:spcAft>
                 <a:spcPts val="0"/>
@@ -8196,21 +8451,85 @@
               <a:buNone/>
             </a:pPr>
             <a:r>
-              <a:rPr lang="en">
+              <a:rPr lang="en-US" dirty="0">
                 <a:solidFill>
                   <a:schemeClr val="dk2"/>
                 </a:solidFill>
               </a:rPr>
-              <a:t>[How can we use our code from part 2 and part 3 to determine the “ego-motion” of a camera attached to a robot (i.e., motion of the robot)?]</a:t>
+              <a:t>We can use our code from part 2 and 3 to track a specific feature (say a lamppost) throughout the frames. We can use the changes of in pixels to calculate transformations which can determine the motion. However, this method is good only if throughout all frames there is something to latch on to. If not, we would have to latch on to one thing, then latch onto another once the first disappears. Instead of doing this, we can use </a:t>
             </a:r>
-            <a:endParaRPr>
+            <a:r>
+              <a:rPr lang="en-US" dirty="0" err="1">
+                <a:solidFill>
+                  <a:schemeClr val="dk2"/>
+                </a:solidFill>
+              </a:rPr>
+              <a:t>epipolar</a:t>
+            </a:r>
+            <a:r>
+              <a:rPr lang="en-US" dirty="0">
+                <a:solidFill>
+                  <a:schemeClr val="dk2"/>
+                </a:solidFill>
+              </a:rPr>
+              <a:t> lines and </a:t>
+            </a:r>
+            <a:r>
+              <a:rPr lang="en-US" dirty="0" err="1">
+                <a:solidFill>
+                  <a:schemeClr val="dk2"/>
+                </a:solidFill>
+              </a:rPr>
+              <a:t>epipoles</a:t>
+            </a:r>
+            <a:r>
+              <a:rPr lang="en-US" dirty="0">
+                <a:solidFill>
+                  <a:schemeClr val="dk2"/>
+                </a:solidFill>
+              </a:rPr>
+              <a:t> and the changes in slope and distance between them to estimate the motion of the camera. The transformation matrices that describe the changes between </a:t>
+            </a:r>
+            <a:r>
+              <a:rPr lang="en-US" dirty="0" err="1">
+                <a:solidFill>
+                  <a:schemeClr val="dk2"/>
+                </a:solidFill>
+              </a:rPr>
+              <a:t>epipolar</a:t>
+            </a:r>
+            <a:r>
+              <a:rPr lang="en-US" dirty="0">
+                <a:solidFill>
+                  <a:schemeClr val="dk2"/>
+                </a:solidFill>
+              </a:rPr>
+              <a:t> lines and </a:t>
+            </a:r>
+            <a:r>
+              <a:rPr lang="en-US" dirty="0" err="1">
+                <a:solidFill>
+                  <a:schemeClr val="dk2"/>
+                </a:solidFill>
+              </a:rPr>
+              <a:t>epipoles</a:t>
+            </a:r>
+            <a:r>
+              <a:rPr lang="en-US" dirty="0">
+                <a:solidFill>
+                  <a:schemeClr val="dk2"/>
+                </a:solidFill>
+              </a:rPr>
+              <a:t> will also give us a good estimate of motion.</a:t>
+            </a:r>
+            <a:endParaRPr dirty="0">
               <a:solidFill>
                 <a:schemeClr val="dk2"/>
               </a:solidFill>
             </a:endParaRPr>
           </a:p>
           <a:p>
-            <a:pPr indent="0" lvl="0" marL="0" marR="0" rtl="0" algn="l">
+            <a:pPr marL="0" marR="0" lvl="0" indent="0" algn="l" rtl="0">
               <a:lnSpc>
                 <a:spcPct val="115000"/>
               </a:lnSpc>
@@ -8222,17 +8541,14 @@
               </a:spcAft>
               <a:buNone/>
             </a:pPr>
-            <a:r>
-              <a:t/>
-            </a:r>
-            <a:endParaRPr>
+            <a:endParaRPr lang="en-US" dirty="0">
               <a:solidFill>
                 <a:schemeClr val="dk2"/>
               </a:solidFill>
             </a:endParaRPr>
           </a:p>
           <a:p>
-            <a:pPr indent="0" lvl="0" marL="0" marR="0" rtl="0" algn="l">
+            <a:pPr marL="0" marR="0" lvl="0" indent="0" algn="l" rtl="0">
               <a:lnSpc>
                 <a:spcPct val="115000"/>
               </a:lnSpc>
@@ -8245,16 +8561,21 @@
               <a:buNone/>
             </a:pPr>
             <a:r>
-              <a:t/>
+              <a:rPr lang="en-US" dirty="0">
+                <a:solidFill>
+                  <a:schemeClr val="dk2"/>
+                </a:solidFill>
+              </a:rPr>
+              <a:t>We would also need depth measurements (say from a lidar) to accurately recover the ego-motion. Or else we would only have relative measurements.</a:t>
             </a:r>
-            <a:endParaRPr>
+            <a:endParaRPr dirty="0">
               <a:solidFill>
                 <a:schemeClr val="dk2"/>
               </a:solidFill>
             </a:endParaRPr>
           </a:p>
           <a:p>
-            <a:pPr indent="0" lvl="0" marL="0" marR="0" rtl="0" algn="l">
+            <a:pPr marL="0" marR="0" lvl="0" indent="0" algn="l" rtl="0">
               <a:lnSpc>
                 <a:spcPct val="115000"/>
               </a:lnSpc>
@@ -8266,30 +8587,14 @@
               </a:spcAft>
               <a:buNone/>
             </a:pPr>
-            <a:r>
-              <a:rPr lang="en">
-                <a:solidFill>
-                  <a:schemeClr val="dk2"/>
-                </a:solidFill>
-              </a:rPr>
-              <a:t>[In addition to the</a:t>
-            </a:r>
-            <a:r>
-              <a:rPr lang="en">
-                <a:solidFill>
-                  <a:schemeClr val="dk2"/>
-                </a:solidFill>
-              </a:rPr>
-              <a:t> fundamental matrix, what additional camera information is required to recover the ego-motion?]</a:t>
-            </a:r>
-            <a:endParaRPr>
+            <a:endParaRPr dirty="0">
               <a:solidFill>
                 <a:schemeClr val="dk2"/>
               </a:solidFill>
             </a:endParaRPr>
           </a:p>
           <a:p>
-            <a:pPr indent="0" lvl="0" marL="0" marR="0" rtl="0" algn="l">
+            <a:pPr marL="0" marR="0" lvl="0" indent="0" algn="l" rtl="0">
               <a:lnSpc>
                 <a:spcPct val="115000"/>
               </a:lnSpc>
@@ -8301,17 +8606,14 @@
               </a:spcAft>
               <a:buNone/>
             </a:pPr>
-            <a:r>
-              <a:t/>
-            </a:r>
-            <a:endParaRPr>
+            <a:endParaRPr dirty="0">
               <a:solidFill>
                 <a:schemeClr val="dk2"/>
               </a:solidFill>
             </a:endParaRPr>
           </a:p>
           <a:p>
-            <a:pPr indent="0" lvl="0" marL="0" marR="0" rtl="0" algn="l">
+            <a:pPr marL="0" marR="0" lvl="0" indent="0" algn="l" rtl="0">
               <a:lnSpc>
                 <a:spcPct val="115000"/>
               </a:lnSpc>
@@ -8319,58 +8621,11 @@
                 <a:spcPts val="1200"/>
               </a:spcBef>
               <a:spcAft>
-                <a:spcPts val="0"/>
+                <a:spcPts val="1200"/>
               </a:spcAft>
               <a:buNone/>
             </a:pPr>
-            <a:r>
-              <a:t/>
-            </a:r>
-            <a:endParaRPr>
-              <a:solidFill>
-                <a:schemeClr val="dk2"/>
-              </a:solidFill>
-            </a:endParaRPr>
-          </a:p>
-          <a:p>
-            <a:pPr indent="0" lvl="0" marL="0" marR="0" rtl="0" algn="l">
-              <a:lnSpc>
-                <a:spcPct val="115000"/>
-              </a:lnSpc>
-              <a:spcBef>
-                <a:spcPts val="1200"/>
-              </a:spcBef>
-              <a:spcAft>
-                <a:spcPts val="0"/>
-              </a:spcAft>
-              <a:buNone/>
-            </a:pPr>
-            <a:r>
-              <a:t/>
-            </a:r>
-            <a:endParaRPr>
-              <a:solidFill>
-                <a:schemeClr val="dk2"/>
-              </a:solidFill>
-            </a:endParaRPr>
-          </a:p>
-          <a:p>
-            <a:pPr indent="0" lvl="0" marL="0" marR="0" rtl="0" algn="l">
-              <a:lnSpc>
-                <a:spcPct val="115000"/>
-              </a:lnSpc>
-              <a:spcBef>
-                <a:spcPts val="1200"/>
-              </a:spcBef>
-              <a:spcAft>
-                <a:spcPts val="1200"/>
-              </a:spcAft>
-              <a:buNone/>
-            </a:pPr>
-            <a:r>
-              <a:t/>
-            </a:r>
-            <a:endParaRPr>
+            <a:endParaRPr dirty="0">
               <a:solidFill>
                 <a:schemeClr val="dk2"/>
               </a:solidFill>
@@ -8387,11 +8642,11 @@
 </file>
 
 <file path=ppt/slides/slide14.xml><?xml version="1.0" encoding="utf-8"?>
-<p:sld xmlns:a="http://schemas.openxmlformats.org/drawingml/2006/main" xmlns:r="http://schemas.openxmlformats.org/officeDocument/2006/relationships" xmlns:mc="http://schemas.openxmlformats.org/markup-compatibility/2006" xmlns:mv="urn:schemas-microsoft-com:mac:vml" xmlns:p="http://schemas.openxmlformats.org/presentationml/2006/main" xmlns:c="http://schemas.openxmlformats.org/drawingml/2006/chart" xmlns:dgm="http://schemas.openxmlformats.org/drawingml/2006/diagram" xmlns:o="urn:schemas-microsoft-com:office:office" xmlns:v="urn:schemas-microsoft-com:vml" xmlns:pvml="urn:schemas-microsoft-com:office:powerpoint" xmlns:com="http://schemas.openxmlformats.org/drawingml/2006/compatibility" xmlns:p14="http://schemas.microsoft.com/office/powerpoint/2010/main" xmlns:p15="http://schemas.microsoft.com/office/powerpoint/2012/main" xmlns:ahyp="http://schemas.microsoft.com/office/drawing/2018/hyperlinkcolor">
+<p:sld xmlns:a="http://schemas.openxmlformats.org/drawingml/2006/main" xmlns:r="http://schemas.openxmlformats.org/officeDocument/2006/relationships" xmlns:p="http://schemas.openxmlformats.org/presentationml/2006/main">
   <p:cSld>
     <p:spTree>
       <p:nvGrpSpPr>
-        <p:cNvPr id="143" name="Shape 143"/>
+        <p:cNvPr id="1" name="Shape 143"/>
         <p:cNvGrpSpPr/>
         <p:nvPr/>
       </p:nvGrpSpPr>
@@ -8423,12 +8678,12 @@
           </a:ln>
         </p:spPr>
         <p:txBody>
-          <a:bodyPr anchorCtr="0" anchor="t" bIns="91425" lIns="90000" spcFirstLastPara="1" rIns="90000" wrap="square" tIns="91425">
+          <a:bodyPr spcFirstLastPara="1" wrap="square" lIns="90000" tIns="91425" rIns="90000" bIns="91425" anchor="t" anchorCtr="0">
             <a:noAutofit/>
           </a:bodyPr>
           <a:lstStyle/>
           <a:p>
-            <a:pPr indent="0" lvl="0" marL="0" rtl="0" algn="l">
+            <a:pPr marL="0" lvl="0" indent="0" algn="l" rtl="0">
               <a:spcBef>
                 <a:spcPts val="0"/>
               </a:spcBef>
@@ -8452,7 +8707,7 @@
             </a:endParaRPr>
           </a:p>
           <a:p>
-            <a:pPr indent="0" lvl="0" marL="0" marR="0" rtl="0" algn="l">
+            <a:pPr marL="0" marR="0" lvl="0" indent="0" algn="l" rtl="0">
               <a:lnSpc>
                 <a:spcPct val="100000"/>
               </a:lnSpc>
@@ -8464,9 +8719,6 @@
               </a:spcAft>
               <a:buNone/>
             </a:pPr>
-            <a:r>
-              <a:t/>
-            </a:r>
             <a:endParaRPr sz="2800"/>
           </a:p>
         </p:txBody>
@@ -8491,12 +8743,12 @@
           </a:ln>
         </p:spPr>
         <p:txBody>
-          <a:bodyPr anchorCtr="0" anchor="t" bIns="91425" lIns="90000" spcFirstLastPara="1" rIns="90000" wrap="square" tIns="91425">
+          <a:bodyPr spcFirstLastPara="1" wrap="square" lIns="90000" tIns="91425" rIns="90000" bIns="91425" anchor="t" anchorCtr="0">
             <a:noAutofit/>
           </a:bodyPr>
           <a:lstStyle/>
           <a:p>
-            <a:pPr indent="0" lvl="0" marL="0" marR="0" rtl="0" algn="l">
+            <a:pPr marL="0" marR="0" lvl="0" indent="0" algn="l" rtl="0">
               <a:lnSpc>
                 <a:spcPct val="115000"/>
               </a:lnSpc>
@@ -8509,21 +8761,21 @@
               <a:buNone/>
             </a:pPr>
             <a:r>
-              <a:rPr lang="en">
+              <a:rPr lang="en" dirty="0">
                 <a:solidFill>
                   <a:schemeClr val="dk2"/>
                 </a:solidFill>
               </a:rPr>
-              <a:t>[Attach a plot of the camera’s trajectory through time]</a:t>
+              <a:t>[Attach a plot of the camera’s trajectory</a:t>
             </a:r>
-            <a:endParaRPr>
+            <a:endParaRPr dirty="0">
               <a:solidFill>
                 <a:schemeClr val="dk2"/>
               </a:solidFill>
             </a:endParaRPr>
           </a:p>
           <a:p>
-            <a:pPr indent="0" lvl="0" marL="0" marR="0" rtl="0" algn="l">
+            <a:pPr marL="0" marR="0" lvl="0" indent="0" algn="l" rtl="0">
               <a:lnSpc>
                 <a:spcPct val="115000"/>
               </a:lnSpc>
@@ -8535,17 +8787,14 @@
               </a:spcAft>
               <a:buNone/>
             </a:pPr>
-            <a:r>
-              <a:t/>
-            </a:r>
-            <a:endParaRPr>
+            <a:endParaRPr dirty="0">
               <a:solidFill>
                 <a:schemeClr val="dk2"/>
               </a:solidFill>
             </a:endParaRPr>
           </a:p>
           <a:p>
-            <a:pPr indent="0" lvl="0" marL="0" marR="0" rtl="0" algn="l">
+            <a:pPr marL="0" marR="0" lvl="0" indent="0" algn="l" rtl="0">
               <a:lnSpc>
                 <a:spcPct val="115000"/>
               </a:lnSpc>
@@ -8557,17 +8806,14 @@
               </a:spcAft>
               <a:buNone/>
             </a:pPr>
-            <a:r>
-              <a:t/>
-            </a:r>
-            <a:endParaRPr>
+            <a:endParaRPr dirty="0">
               <a:solidFill>
                 <a:schemeClr val="dk2"/>
               </a:solidFill>
             </a:endParaRPr>
           </a:p>
           <a:p>
-            <a:pPr indent="0" lvl="0" marL="0" marR="0" rtl="0" algn="l">
+            <a:pPr marL="0" marR="0" lvl="0" indent="0" algn="l" rtl="0">
               <a:lnSpc>
                 <a:spcPct val="115000"/>
               </a:lnSpc>
@@ -8579,17 +8825,14 @@
               </a:spcAft>
               <a:buNone/>
             </a:pPr>
-            <a:r>
-              <a:t/>
-            </a:r>
-            <a:endParaRPr>
+            <a:endParaRPr dirty="0">
               <a:solidFill>
                 <a:schemeClr val="dk2"/>
               </a:solidFill>
             </a:endParaRPr>
           </a:p>
           <a:p>
-            <a:pPr indent="0" lvl="0" marL="0" marR="0" rtl="0" algn="l">
+            <a:pPr marL="0" marR="0" lvl="0" indent="0" algn="l" rtl="0">
               <a:lnSpc>
                 <a:spcPct val="115000"/>
               </a:lnSpc>
@@ -8601,10 +8844,7 @@
               </a:spcAft>
               <a:buNone/>
             </a:pPr>
-            <a:r>
-              <a:t/>
-            </a:r>
-            <a:endParaRPr>
+            <a:endParaRPr dirty="0">
               <a:solidFill>
                 <a:schemeClr val="dk2"/>
               </a:solidFill>
@@ -8612,6 +8852,36 @@
           </a:p>
         </p:txBody>
       </p:sp>
+      <p:pic>
+        <p:nvPicPr>
+          <p:cNvPr id="3" name="Picture 2" descr="Chart&#10;&#10;Description automatically generated">
+            <a:extLst>
+              <a:ext uri="{FF2B5EF4-FFF2-40B4-BE49-F238E27FC236}">
+                <a16:creationId xmlns:a16="http://schemas.microsoft.com/office/drawing/2014/main" id="{526C4410-91A8-EA42-AE7E-87B6063AF924}"/>
+              </a:ext>
+            </a:extLst>
+          </p:cNvPr>
+          <p:cNvPicPr>
+            <a:picLocks noChangeAspect="1"/>
+          </p:cNvPicPr>
+          <p:nvPr/>
+        </p:nvPicPr>
+        <p:blipFill>
+          <a:blip r:embed="rId3"/>
+          <a:stretch>
+            <a:fillRect/>
+          </a:stretch>
+        </p:blipFill>
+        <p:spPr>
+          <a:xfrm>
+            <a:off x="137076" y="1016760"/>
+            <a:ext cx="3672374" cy="4072037"/>
+          </a:xfrm>
+          <a:prstGeom prst="rect">
+            <a:avLst/>
+          </a:prstGeom>
+        </p:spPr>
+      </p:pic>
     </p:spTree>
   </p:cSld>
   <p:clrMapOvr>
@@ -8621,11 +8891,11 @@
 </file>
 
 <file path=ppt/slides/slide2.xml><?xml version="1.0" encoding="utf-8"?>
-<p:sld xmlns:a="http://schemas.openxmlformats.org/drawingml/2006/main" xmlns:r="http://schemas.openxmlformats.org/officeDocument/2006/relationships" xmlns:mc="http://schemas.openxmlformats.org/markup-compatibility/2006" xmlns:mv="urn:schemas-microsoft-com:mac:vml" xmlns:p="http://schemas.openxmlformats.org/presentationml/2006/main" xmlns:c="http://schemas.openxmlformats.org/drawingml/2006/chart" xmlns:dgm="http://schemas.openxmlformats.org/drawingml/2006/diagram" xmlns:o="urn:schemas-microsoft-com:office:office" xmlns:v="urn:schemas-microsoft-com:vml" xmlns:pvml="urn:schemas-microsoft-com:office:powerpoint" xmlns:com="http://schemas.openxmlformats.org/drawingml/2006/compatibility" xmlns:p14="http://schemas.microsoft.com/office/powerpoint/2010/main" xmlns:p15="http://schemas.microsoft.com/office/powerpoint/2012/main" xmlns:ahyp="http://schemas.microsoft.com/office/drawing/2018/hyperlinkcolor">
+<p:sld xmlns:a="http://schemas.openxmlformats.org/drawingml/2006/main" xmlns:r="http://schemas.openxmlformats.org/officeDocument/2006/relationships" xmlns:p="http://schemas.openxmlformats.org/presentationml/2006/main">
   <p:cSld>
     <p:spTree>
       <p:nvGrpSpPr>
-        <p:cNvPr id="63" name="Shape 63"/>
+        <p:cNvPr id="1" name="Shape 63"/>
         <p:cNvGrpSpPr/>
         <p:nvPr/>
       </p:nvGrpSpPr>
@@ -8640,7 +8910,9 @@
       <p:sp>
         <p:nvSpPr>
           <p:cNvPr id="64" name="Google Shape;64;p15"/>
-          <p:cNvSpPr txBox="1"/>
+          <p:cNvSpPr txBox="1">
+            <a:spLocks noGrp="1"/>
+          </p:cNvSpPr>
           <p:nvPr>
             <p:ph type="title"/>
           </p:nvPr>
@@ -8655,12 +8927,12 @@
           </a:prstGeom>
         </p:spPr>
         <p:txBody>
-          <a:bodyPr anchorCtr="0" anchor="t" bIns="91425" lIns="91425" spcFirstLastPara="1" rIns="91425" wrap="square" tIns="91425">
+          <a:bodyPr spcFirstLastPara="1" wrap="square" lIns="91425" tIns="91425" rIns="91425" bIns="91425" anchor="t" anchorCtr="0">
             <a:normAutofit fontScale="90000"/>
           </a:bodyPr>
           <a:lstStyle/>
           <a:p>
-            <a:pPr indent="0" lvl="0" marL="0" rtl="0" algn="l">
+            <a:pPr marL="0" lvl="0" indent="0" algn="l" rtl="0">
               <a:spcBef>
                 <a:spcPts val="0"/>
               </a:spcBef>
@@ -8680,9 +8952,11 @@
       <p:sp>
         <p:nvSpPr>
           <p:cNvPr id="65" name="Google Shape;65;p15"/>
-          <p:cNvSpPr txBox="1"/>
+          <p:cNvSpPr txBox="1">
+            <a:spLocks noGrp="1"/>
+          </p:cNvSpPr>
           <p:nvPr>
-            <p:ph idx="1" type="body"/>
+            <p:ph type="body" idx="1"/>
           </p:nvPr>
         </p:nvSpPr>
         <p:spPr>
@@ -8695,12 +8969,12 @@
           </a:prstGeom>
         </p:spPr>
         <p:txBody>
-          <a:bodyPr anchorCtr="0" anchor="t" bIns="91425" lIns="91425" spcFirstLastPara="1" rIns="91425" wrap="square" tIns="91425">
+          <a:bodyPr spcFirstLastPara="1" wrap="square" lIns="91425" tIns="91425" rIns="91425" bIns="91425" anchor="t" anchorCtr="0">
             <a:normAutofit/>
           </a:bodyPr>
           <a:lstStyle/>
           <a:p>
-            <a:pPr indent="0" lvl="0" marL="0" rtl="0" algn="l">
+            <a:pPr marL="0" lvl="0" indent="0" algn="l" rtl="0">
               <a:spcBef>
                 <a:spcPts val="0"/>
               </a:spcBef>
@@ -8720,9 +8994,11 @@
       <p:sp>
         <p:nvSpPr>
           <p:cNvPr id="66" name="Google Shape;66;p15"/>
-          <p:cNvSpPr txBox="1"/>
+          <p:cNvSpPr txBox="1">
+            <a:spLocks noGrp="1"/>
+          </p:cNvSpPr>
           <p:nvPr>
-            <p:ph idx="2" type="body"/>
+            <p:ph type="body" idx="2"/>
           </p:nvPr>
         </p:nvSpPr>
         <p:spPr>
@@ -8735,12 +9011,12 @@
           </a:prstGeom>
         </p:spPr>
         <p:txBody>
-          <a:bodyPr anchorCtr="0" anchor="t" bIns="91425" lIns="91425" spcFirstLastPara="1" rIns="91425" wrap="square" tIns="91425">
+          <a:bodyPr spcFirstLastPara="1" wrap="square" lIns="91425" tIns="91425" rIns="91425" bIns="91425" anchor="t" anchorCtr="0">
             <a:normAutofit/>
           </a:bodyPr>
           <a:lstStyle/>
           <a:p>
-            <a:pPr indent="0" lvl="0" marL="0" rtl="0" algn="l">
+            <a:pPr marL="0" lvl="0" indent="0" algn="l" rtl="0">
               <a:spcBef>
                 <a:spcPts val="0"/>
               </a:spcBef>
@@ -8757,6 +9033,66 @@
           </a:p>
         </p:txBody>
       </p:sp>
+      <p:pic>
+        <p:nvPicPr>
+          <p:cNvPr id="3" name="Picture 2" descr="Chart, scatter chart&#10;&#10;Description automatically generated">
+            <a:extLst>
+              <a:ext uri="{FF2B5EF4-FFF2-40B4-BE49-F238E27FC236}">
+                <a16:creationId xmlns:a16="http://schemas.microsoft.com/office/drawing/2014/main" id="{0AE13348-ED1D-6E42-83C9-E86026863993}"/>
+              </a:ext>
+            </a:extLst>
+          </p:cNvPr>
+          <p:cNvPicPr>
+            <a:picLocks noChangeAspect="1"/>
+          </p:cNvPicPr>
+          <p:nvPr/>
+        </p:nvPicPr>
+        <p:blipFill>
+          <a:blip r:embed="rId3"/>
+          <a:stretch>
+            <a:fillRect/>
+          </a:stretch>
+        </p:blipFill>
+        <p:spPr>
+          <a:xfrm>
+            <a:off x="210861" y="975332"/>
+            <a:ext cx="4012763" cy="3835207"/>
+          </a:xfrm>
+          <a:prstGeom prst="rect">
+            <a:avLst/>
+          </a:prstGeom>
+        </p:spPr>
+      </p:pic>
+      <p:pic>
+        <p:nvPicPr>
+          <p:cNvPr id="5" name="Picture 4" descr="Chart, scatter chart&#10;&#10;Description automatically generated">
+            <a:extLst>
+              <a:ext uri="{FF2B5EF4-FFF2-40B4-BE49-F238E27FC236}">
+                <a16:creationId xmlns:a16="http://schemas.microsoft.com/office/drawing/2014/main" id="{61DCA3E7-AF81-CF4B-9D11-2236B87560C1}"/>
+              </a:ext>
+            </a:extLst>
+          </p:cNvPr>
+          <p:cNvPicPr>
+            <a:picLocks noChangeAspect="1"/>
+          </p:cNvPicPr>
+          <p:nvPr/>
+        </p:nvPicPr>
+        <p:blipFill>
+          <a:blip r:embed="rId4"/>
+          <a:stretch>
+            <a:fillRect/>
+          </a:stretch>
+        </p:blipFill>
+        <p:spPr>
+          <a:xfrm>
+            <a:off x="4832400" y="1017725"/>
+            <a:ext cx="3735514" cy="3904797"/>
+          </a:xfrm>
+          <a:prstGeom prst="rect">
+            <a:avLst/>
+          </a:prstGeom>
+        </p:spPr>
+      </p:pic>
     </p:spTree>
   </p:cSld>
   <p:clrMapOvr>
@@ -8766,11 +9102,11 @@
 </file>
 
 <file path=ppt/slides/slide3.xml><?xml version="1.0" encoding="utf-8"?>
-<p:sld xmlns:a="http://schemas.openxmlformats.org/drawingml/2006/main" xmlns:r="http://schemas.openxmlformats.org/officeDocument/2006/relationships" xmlns:mc="http://schemas.openxmlformats.org/markup-compatibility/2006" xmlns:mv="urn:schemas-microsoft-com:mac:vml" xmlns:p="http://schemas.openxmlformats.org/presentationml/2006/main" xmlns:c="http://schemas.openxmlformats.org/drawingml/2006/chart" xmlns:dgm="http://schemas.openxmlformats.org/drawingml/2006/diagram" xmlns:o="urn:schemas-microsoft-com:office:office" xmlns:v="urn:schemas-microsoft-com:vml" xmlns:pvml="urn:schemas-microsoft-com:office:powerpoint" xmlns:com="http://schemas.openxmlformats.org/drawingml/2006/compatibility" xmlns:p14="http://schemas.microsoft.com/office/powerpoint/2010/main" xmlns:p15="http://schemas.microsoft.com/office/powerpoint/2012/main" xmlns:ahyp="http://schemas.microsoft.com/office/drawing/2018/hyperlinkcolor">
+<p:sld xmlns:a="http://schemas.openxmlformats.org/drawingml/2006/main" xmlns:r="http://schemas.openxmlformats.org/officeDocument/2006/relationships" xmlns:p="http://schemas.openxmlformats.org/presentationml/2006/main">
   <p:cSld>
     <p:spTree>
       <p:nvGrpSpPr>
-        <p:cNvPr id="70" name="Shape 70"/>
+        <p:cNvPr id="1" name="Shape 70"/>
         <p:cNvGrpSpPr/>
         <p:nvPr/>
       </p:nvGrpSpPr>
@@ -8785,7 +9121,9 @@
       <p:sp>
         <p:nvSpPr>
           <p:cNvPr id="71" name="Google Shape;71;p16"/>
-          <p:cNvSpPr txBox="1"/>
+          <p:cNvSpPr txBox="1">
+            <a:spLocks noGrp="1"/>
+          </p:cNvSpPr>
           <p:nvPr>
             <p:ph type="title"/>
           </p:nvPr>
@@ -8800,12 +9138,12 @@
           </a:prstGeom>
         </p:spPr>
         <p:txBody>
-          <a:bodyPr anchorCtr="0" anchor="t" bIns="91425" lIns="91425" spcFirstLastPara="1" rIns="91425" wrap="square" tIns="91425">
+          <a:bodyPr spcFirstLastPara="1" wrap="square" lIns="91425" tIns="91425" rIns="91425" bIns="91425" anchor="t" anchorCtr="0">
             <a:normAutofit fontScale="90000"/>
           </a:bodyPr>
           <a:lstStyle/>
           <a:p>
-            <a:pPr indent="0" lvl="0" marL="0" rtl="0" algn="l">
+            <a:pPr marL="0" lvl="0" indent="0" algn="l" rtl="0">
               <a:spcBef>
                 <a:spcPts val="0"/>
               </a:spcBef>
@@ -8825,9 +9163,11 @@
       <p:sp>
         <p:nvSpPr>
           <p:cNvPr id="72" name="Google Shape;72;p16"/>
-          <p:cNvSpPr txBox="1"/>
+          <p:cNvSpPr txBox="1">
+            <a:spLocks noGrp="1"/>
+          </p:cNvSpPr>
           <p:nvPr>
-            <p:ph idx="1" type="body"/>
+            <p:ph type="body" idx="1"/>
           </p:nvPr>
         </p:nvSpPr>
         <p:spPr>
@@ -8840,12 +9180,12 @@
           </a:prstGeom>
         </p:spPr>
         <p:txBody>
-          <a:bodyPr anchorCtr="0" anchor="t" bIns="91425" lIns="91425" spcFirstLastPara="1" rIns="91425" wrap="square" tIns="91425">
+          <a:bodyPr spcFirstLastPara="1" wrap="square" lIns="91425" tIns="91425" rIns="91425" bIns="91425" anchor="t" anchorCtr="0">
             <a:normAutofit/>
           </a:bodyPr>
           <a:lstStyle/>
           <a:p>
-            <a:pPr indent="0" lvl="0" marL="0" rtl="0" algn="l">
+            <a:pPr marL="0" lvl="0" indent="0" algn="l" rtl="0">
               <a:spcBef>
                 <a:spcPts val="0"/>
               </a:spcBef>
@@ -8865,9 +9205,11 @@
       <p:sp>
         <p:nvSpPr>
           <p:cNvPr id="73" name="Google Shape;73;p16"/>
-          <p:cNvSpPr txBox="1"/>
+          <p:cNvSpPr txBox="1">
+            <a:spLocks noGrp="1"/>
+          </p:cNvSpPr>
           <p:nvPr>
-            <p:ph idx="2" type="body"/>
+            <p:ph type="body" idx="2"/>
           </p:nvPr>
         </p:nvSpPr>
         <p:spPr>
@@ -8880,12 +9222,12 @@
           </a:prstGeom>
         </p:spPr>
         <p:txBody>
-          <a:bodyPr anchorCtr="0" anchor="t" bIns="91425" lIns="91425" spcFirstLastPara="1" rIns="91425" wrap="square" tIns="91425">
+          <a:bodyPr spcFirstLastPara="1" wrap="square" lIns="91425" tIns="91425" rIns="91425" bIns="91425" anchor="t" anchorCtr="0">
             <a:normAutofit/>
           </a:bodyPr>
           <a:lstStyle/>
           <a:p>
-            <a:pPr indent="0" lvl="0" marL="0" rtl="0" algn="l">
+            <a:pPr marL="0" lvl="0" indent="0" algn="l" rtl="0">
               <a:spcBef>
                 <a:spcPts val="0"/>
               </a:spcBef>
@@ -8902,6 +9244,66 @@
           </a:p>
         </p:txBody>
       </p:sp>
+      <p:pic>
+        <p:nvPicPr>
+          <p:cNvPr id="3" name="Picture 2" descr="Chart, scatter chart&#10;&#10;Description automatically generated">
+            <a:extLst>
+              <a:ext uri="{FF2B5EF4-FFF2-40B4-BE49-F238E27FC236}">
+                <a16:creationId xmlns:a16="http://schemas.microsoft.com/office/drawing/2014/main" id="{394A75E4-E59A-5D46-BEC9-1C1420160C21}"/>
+              </a:ext>
+            </a:extLst>
+          </p:cNvPr>
+          <p:cNvPicPr>
+            <a:picLocks noChangeAspect="1"/>
+          </p:cNvPicPr>
+          <p:nvPr/>
+        </p:nvPicPr>
+        <p:blipFill>
+          <a:blip r:embed="rId3"/>
+          <a:stretch>
+            <a:fillRect/>
+          </a:stretch>
+        </p:blipFill>
+        <p:spPr>
+          <a:xfrm>
+            <a:off x="214091" y="1017725"/>
+            <a:ext cx="3744902" cy="3680750"/>
+          </a:xfrm>
+          <a:prstGeom prst="rect">
+            <a:avLst/>
+          </a:prstGeom>
+        </p:spPr>
+      </p:pic>
+      <p:pic>
+        <p:nvPicPr>
+          <p:cNvPr id="5" name="Picture 4" descr="Chart, scatter chart&#10;&#10;Description automatically generated">
+            <a:extLst>
+              <a:ext uri="{FF2B5EF4-FFF2-40B4-BE49-F238E27FC236}">
+                <a16:creationId xmlns:a16="http://schemas.microsoft.com/office/drawing/2014/main" id="{5229DE9B-C04B-034F-8411-4CED4AF9F866}"/>
+              </a:ext>
+            </a:extLst>
+          </p:cNvPr>
+          <p:cNvPicPr>
+            <a:picLocks noChangeAspect="1"/>
+          </p:cNvPicPr>
+          <p:nvPr/>
+        </p:nvPicPr>
+        <p:blipFill>
+          <a:blip r:embed="rId4"/>
+          <a:stretch>
+            <a:fillRect/>
+          </a:stretch>
+        </p:blipFill>
+        <p:spPr>
+          <a:xfrm>
+            <a:off x="4160945" y="865162"/>
+            <a:ext cx="4603145" cy="3991025"/>
+          </a:xfrm>
+          <a:prstGeom prst="rect">
+            <a:avLst/>
+          </a:prstGeom>
+        </p:spPr>
+      </p:pic>
     </p:spTree>
   </p:cSld>
   <p:clrMapOvr>
@@ -8911,11 +9313,11 @@
 </file>
 
 <file path=ppt/slides/slide4.xml><?xml version="1.0" encoding="utf-8"?>
-<p:sld xmlns:a="http://schemas.openxmlformats.org/drawingml/2006/main" xmlns:r="http://schemas.openxmlformats.org/officeDocument/2006/relationships" xmlns:mc="http://schemas.openxmlformats.org/markup-compatibility/2006" xmlns:mv="urn:schemas-microsoft-com:mac:vml" xmlns:p="http://schemas.openxmlformats.org/presentationml/2006/main" xmlns:c="http://schemas.openxmlformats.org/drawingml/2006/chart" xmlns:dgm="http://schemas.openxmlformats.org/drawingml/2006/diagram" xmlns:o="urn:schemas-microsoft-com:office:office" xmlns:v="urn:schemas-microsoft-com:vml" xmlns:pvml="urn:schemas-microsoft-com:office:powerpoint" xmlns:com="http://schemas.openxmlformats.org/drawingml/2006/compatibility" xmlns:p14="http://schemas.microsoft.com/office/powerpoint/2010/main" xmlns:p15="http://schemas.microsoft.com/office/powerpoint/2012/main" xmlns:ahyp="http://schemas.microsoft.com/office/drawing/2018/hyperlinkcolor">
+<p:sld xmlns:a="http://schemas.openxmlformats.org/drawingml/2006/main" xmlns:r="http://schemas.openxmlformats.org/officeDocument/2006/relationships" xmlns:p="http://schemas.openxmlformats.org/presentationml/2006/main">
   <p:cSld>
     <p:spTree>
       <p:nvGrpSpPr>
-        <p:cNvPr id="77" name="Shape 77"/>
+        <p:cNvPr id="1" name="Shape 77"/>
         <p:cNvGrpSpPr/>
         <p:nvPr/>
       </p:nvGrpSpPr>
@@ -8930,7 +9332,9 @@
       <p:sp>
         <p:nvSpPr>
           <p:cNvPr id="78" name="Google Shape;78;p17"/>
-          <p:cNvSpPr txBox="1"/>
+          <p:cNvSpPr txBox="1">
+            <a:spLocks noGrp="1"/>
+          </p:cNvSpPr>
           <p:nvPr>
             <p:ph type="title"/>
           </p:nvPr>
@@ -8945,12 +9349,12 @@
           </a:prstGeom>
         </p:spPr>
         <p:txBody>
-          <a:bodyPr anchorCtr="0" anchor="t" bIns="91425" lIns="91425" spcFirstLastPara="1" rIns="91425" wrap="square" tIns="91425">
+          <a:bodyPr spcFirstLastPara="1" wrap="square" lIns="91425" tIns="91425" rIns="91425" bIns="91425" anchor="t" anchorCtr="0">
             <a:normAutofit fontScale="90000"/>
           </a:bodyPr>
           <a:lstStyle/>
           <a:p>
-            <a:pPr indent="0" lvl="0" marL="0" rtl="0" algn="l">
+            <a:pPr marL="0" lvl="0" indent="0" algn="l" rtl="0">
               <a:spcBef>
                 <a:spcPts val="0"/>
               </a:spcBef>
@@ -8970,9 +9374,11 @@
       <p:sp>
         <p:nvSpPr>
           <p:cNvPr id="79" name="Google Shape;79;p17"/>
-          <p:cNvSpPr txBox="1"/>
+          <p:cNvSpPr txBox="1">
+            <a:spLocks noGrp="1"/>
+          </p:cNvSpPr>
           <p:nvPr>
-            <p:ph idx="1" type="body"/>
+            <p:ph type="body" idx="1"/>
           </p:nvPr>
         </p:nvSpPr>
         <p:spPr>
@@ -8985,14 +9391,14 @@
           </a:prstGeom>
         </p:spPr>
         <p:txBody>
-          <a:bodyPr anchorCtr="0" anchor="t" bIns="91425" lIns="91425" spcFirstLastPara="1" rIns="91425" wrap="square" tIns="91425">
+          <a:bodyPr spcFirstLastPara="1" wrap="square" lIns="91425" tIns="91425" rIns="91425" bIns="91425" anchor="t" anchorCtr="0">
             <a:normAutofit/>
           </a:bodyPr>
           <a:lstStyle/>
           <a:p>
-            <a:pPr indent="0" lvl="0" marL="0" rtl="0" algn="l">
-              <a:spcBef>
-                <a:spcPts val="0"/>
+            <a:pPr marL="0" lvl="0" indent="0" algn="l" rtl="0">
+              <a:spcBef>
+                <a:spcPts val="1200"/>
               </a:spcBef>
               <a:spcAft>
                 <a:spcPts val="0"/>
@@ -9000,65 +9406,57 @@
               <a:buNone/>
             </a:pPr>
             <a:r>
-              <a:rPr lang="en"/>
-              <a:t>[What two quantities does the camera matrix relate?]</a:t>
+              <a:rPr lang="en-US" dirty="0"/>
+              <a:t>The camera matrix relates the known 2d image coordinates and the known 3d locations.</a:t>
             </a:r>
-            <a:endParaRPr/>
+            <a:endParaRPr dirty="0"/>
           </a:p>
           <a:p>
-            <a:pPr indent="0" lvl="0" marL="0" rtl="0" algn="l">
+            <a:pPr marL="0" lvl="0" indent="0" algn="l" rtl="0">
               <a:spcBef>
                 <a:spcPts val="1200"/>
               </a:spcBef>
               <a:spcAft>
-                <a:spcPts val="0"/>
+                <a:spcPts val="1200"/>
+              </a:spcAft>
+              <a:buNone/>
+            </a:pPr>
+            <a:endParaRPr lang="en-US" dirty="0"/>
+          </a:p>
+          <a:p>
+            <a:pPr marL="0" lvl="0" indent="0" algn="l" rtl="0">
+              <a:spcBef>
+                <a:spcPts val="1200"/>
+              </a:spcBef>
+              <a:spcAft>
+                <a:spcPts val="1200"/>
               </a:spcAft>
               <a:buNone/>
             </a:pPr>
             <a:r>
-              <a:t/>
+              <a:rPr lang="en-US" dirty="0"/>
+              <a:t>The camera matrix can be decomposed into the x and y values of the 2d image coordinates, the </a:t>
             </a:r>
-            <a:endParaRPr/>
-          </a:p>
-          <a:p>
-            <a:pPr indent="0" lvl="0" marL="0" rtl="0" algn="l">
-              <a:spcBef>
-                <a:spcPts val="1200"/>
-              </a:spcBef>
-              <a:spcAft>
-                <a:spcPts val="0"/>
-              </a:spcAft>
-              <a:buNone/>
-            </a:pPr>
             <a:r>
-              <a:t/>
+              <a:rPr lang="en-US" dirty="0" err="1"/>
+              <a:t>x,y,z</a:t>
             </a:r>
-            <a:endParaRPr/>
-          </a:p>
-          <a:p>
-            <a:pPr indent="0" lvl="0" marL="0" rtl="0" algn="l">
-              <a:spcBef>
-                <a:spcPts val="1200"/>
-              </a:spcBef>
-              <a:spcAft>
-                <a:spcPts val="1200"/>
-              </a:spcAft>
-              <a:buNone/>
-            </a:pPr>
             <a:r>
-              <a:rPr lang="en"/>
-              <a:t>[What quantities can the camera matrix be decomposed into?]</a:t>
+              <a:rPr lang="en-US" dirty="0"/>
+              <a:t> values for the know 3d locations, and the linear product of the 2d and 3d image coordinates. </a:t>
             </a:r>
-            <a:endParaRPr/>
+            <a:endParaRPr dirty="0"/>
           </a:p>
         </p:txBody>
       </p:sp>
       <p:sp>
         <p:nvSpPr>
           <p:cNvPr id="80" name="Google Shape;80;p17"/>
-          <p:cNvSpPr txBox="1"/>
+          <p:cNvSpPr txBox="1">
+            <a:spLocks noGrp="1"/>
+          </p:cNvSpPr>
           <p:nvPr>
-            <p:ph idx="2" type="body"/>
+            <p:ph type="body" idx="2"/>
           </p:nvPr>
         </p:nvSpPr>
         <p:spPr>
@@ -9071,12 +9469,12 @@
           </a:prstGeom>
         </p:spPr>
         <p:txBody>
-          <a:bodyPr anchorCtr="0" anchor="t" bIns="91425" lIns="91425" spcFirstLastPara="1" rIns="91425" wrap="square" tIns="91425">
+          <a:bodyPr spcFirstLastPara="1" wrap="square" lIns="91425" tIns="91425" rIns="91425" bIns="91425" anchor="t" anchorCtr="0">
             <a:normAutofit/>
           </a:bodyPr>
           <a:lstStyle/>
           <a:p>
-            <a:pPr indent="0" lvl="0" marL="0" rtl="0" algn="l">
+            <a:pPr marL="0" lvl="0" indent="0" algn="l" rtl="0">
               <a:spcBef>
                 <a:spcPts val="0"/>
               </a:spcBef>
@@ -9086,10 +9484,17 @@
               <a:buNone/>
             </a:pPr>
             <a:r>
-              <a:rPr lang="en"/>
-              <a:t>[List any 3 factors that affect the camera projection matrix.]</a:t>
+              <a:rPr lang="en" dirty="0"/>
+              <a:t>The camera projection matrix is determined by the 2d and 3d image coordinates. The matrix is composed of 2D translations, 2D scaling, 2D shear, 3D translation, and 3D rotation. We can either use </a:t>
             </a:r>
-            <a:endParaRPr/>
+            <a:r>
+              <a:rPr lang="en" dirty="0" err="1"/>
+              <a:t>svd</a:t>
+            </a:r>
+            <a:r>
+              <a:rPr lang="en" dirty="0"/>
+              <a:t> regression or least squares to calculate for the matrix. We can use least squares by setting the last camera parameter to 1. We can do this because there is actually only 8 degrees of freedom within the camera matrix. </a:t>
+            </a:r>
           </a:p>
         </p:txBody>
       </p:sp>
@@ -9102,11 +9507,11 @@
 </file>
 
 <file path=ppt/slides/slide5.xml><?xml version="1.0" encoding="utf-8"?>
-<p:sld xmlns:a="http://schemas.openxmlformats.org/drawingml/2006/main" xmlns:r="http://schemas.openxmlformats.org/officeDocument/2006/relationships" xmlns:mc="http://schemas.openxmlformats.org/markup-compatibility/2006" xmlns:mv="urn:schemas-microsoft-com:mac:vml" xmlns:p="http://schemas.openxmlformats.org/presentationml/2006/main" xmlns:c="http://schemas.openxmlformats.org/drawingml/2006/chart" xmlns:dgm="http://schemas.openxmlformats.org/drawingml/2006/diagram" xmlns:o="urn:schemas-microsoft-com:office:office" xmlns:v="urn:schemas-microsoft-com:vml" xmlns:pvml="urn:schemas-microsoft-com:office:powerpoint" xmlns:com="http://schemas.openxmlformats.org/drawingml/2006/compatibility" xmlns:p14="http://schemas.microsoft.com/office/powerpoint/2010/main" xmlns:p15="http://schemas.microsoft.com/office/powerpoint/2012/main" xmlns:ahyp="http://schemas.microsoft.com/office/drawing/2018/hyperlinkcolor">
+<p:sld xmlns:a="http://schemas.openxmlformats.org/drawingml/2006/main" xmlns:r="http://schemas.openxmlformats.org/officeDocument/2006/relationships" xmlns:p="http://schemas.openxmlformats.org/presentationml/2006/main">
   <p:cSld>
     <p:spTree>
       <p:nvGrpSpPr>
-        <p:cNvPr id="84" name="Shape 84"/>
+        <p:cNvPr id="1" name="Shape 84"/>
         <p:cNvGrpSpPr/>
         <p:nvPr/>
       </p:nvGrpSpPr>
@@ -9121,7 +9526,9 @@
       <p:sp>
         <p:nvSpPr>
           <p:cNvPr id="85" name="Google Shape;85;p18"/>
-          <p:cNvSpPr txBox="1"/>
+          <p:cNvSpPr txBox="1">
+            <a:spLocks noGrp="1"/>
+          </p:cNvSpPr>
           <p:nvPr>
             <p:ph type="title"/>
           </p:nvPr>
@@ -9136,12 +9543,12 @@
           </a:prstGeom>
         </p:spPr>
         <p:txBody>
-          <a:bodyPr anchorCtr="0" anchor="t" bIns="91425" lIns="91425" spcFirstLastPara="1" rIns="91425" wrap="square" tIns="91425">
+          <a:bodyPr spcFirstLastPara="1" wrap="square" lIns="91425" tIns="91425" rIns="91425" bIns="91425" anchor="t" anchorCtr="0">
             <a:normAutofit fontScale="90000"/>
           </a:bodyPr>
           <a:lstStyle/>
           <a:p>
-            <a:pPr indent="0" lvl="0" marL="0" rtl="0" algn="l">
+            <a:pPr marL="0" lvl="0" indent="0" algn="l" rtl="0">
               <a:spcBef>
                 <a:spcPts val="0"/>
               </a:spcBef>
@@ -9161,9 +9568,11 @@
       <p:sp>
         <p:nvSpPr>
           <p:cNvPr id="86" name="Google Shape;86;p18"/>
-          <p:cNvSpPr txBox="1"/>
+          <p:cNvSpPr txBox="1">
+            <a:spLocks noGrp="1"/>
+          </p:cNvSpPr>
           <p:nvPr>
-            <p:ph idx="1" type="body"/>
+            <p:ph type="body" idx="1"/>
           </p:nvPr>
         </p:nvSpPr>
         <p:spPr>
@@ -9176,12 +9585,12 @@
           </a:prstGeom>
         </p:spPr>
         <p:txBody>
-          <a:bodyPr anchorCtr="0" anchor="t" bIns="91425" lIns="91425" spcFirstLastPara="1" rIns="91425" wrap="square" tIns="91425">
+          <a:bodyPr spcFirstLastPara="1" wrap="square" lIns="91425" tIns="91425" rIns="91425" bIns="91425" anchor="t" anchorCtr="0">
             <a:normAutofit/>
           </a:bodyPr>
           <a:lstStyle/>
           <a:p>
-            <a:pPr indent="0" lvl="0" marL="0" rtl="0" algn="l">
+            <a:pPr marL="0" lvl="0" indent="0" algn="l" rtl="0">
               <a:spcBef>
                 <a:spcPts val="0"/>
               </a:spcBef>
@@ -9191,13 +9600,51 @@
               <a:buNone/>
             </a:pPr>
             <a:r>
-              <a:rPr lang="en"/>
-              <a:t>[insert visualization of epipolar lines on the CCB image pair]</a:t>
+              <a:rPr lang="en" dirty="0"/>
+              <a:t>[insert visualization of </a:t>
             </a:r>
-            <a:endParaRPr/>
+            <a:r>
+              <a:rPr lang="en" dirty="0" err="1"/>
+              <a:t>epipolar</a:t>
+            </a:r>
+            <a:r>
+              <a:rPr lang="en" dirty="0"/>
+              <a:t> lines on the CCB image pair]</a:t>
+            </a:r>
+            <a:endParaRPr dirty="0"/>
           </a:p>
         </p:txBody>
       </p:sp>
+      <p:pic>
+        <p:nvPicPr>
+          <p:cNvPr id="3" name="Picture 2" descr="A screenshot of a computer&#10;&#10;Description automatically generated with medium confidence">
+            <a:extLst>
+              <a:ext uri="{FF2B5EF4-FFF2-40B4-BE49-F238E27FC236}">
+                <a16:creationId xmlns:a16="http://schemas.microsoft.com/office/drawing/2014/main" id="{51A29FC7-4D1D-F44D-9461-F1247B935974}"/>
+              </a:ext>
+            </a:extLst>
+          </p:cNvPr>
+          <p:cNvPicPr>
+            <a:picLocks noChangeAspect="1"/>
+          </p:cNvPicPr>
+          <p:nvPr/>
+        </p:nvPicPr>
+        <p:blipFill>
+          <a:blip r:embed="rId3"/>
+          <a:stretch>
+            <a:fillRect/>
+          </a:stretch>
+        </p:blipFill>
+        <p:spPr>
+          <a:xfrm>
+            <a:off x="0" y="1085426"/>
+            <a:ext cx="9144000" cy="2972648"/>
+          </a:xfrm>
+          <a:prstGeom prst="rect">
+            <a:avLst/>
+          </a:prstGeom>
+        </p:spPr>
+      </p:pic>
     </p:spTree>
   </p:cSld>
   <p:clrMapOvr>
@@ -9207,11 +9654,11 @@
 </file>
 
 <file path=ppt/slides/slide6.xml><?xml version="1.0" encoding="utf-8"?>
-<p:sld xmlns:a="http://schemas.openxmlformats.org/drawingml/2006/main" xmlns:r="http://schemas.openxmlformats.org/officeDocument/2006/relationships" xmlns:mc="http://schemas.openxmlformats.org/markup-compatibility/2006" xmlns:mv="urn:schemas-microsoft-com:mac:vml" xmlns:p="http://schemas.openxmlformats.org/presentationml/2006/main" xmlns:c="http://schemas.openxmlformats.org/drawingml/2006/chart" xmlns:dgm="http://schemas.openxmlformats.org/drawingml/2006/diagram" xmlns:o="urn:schemas-microsoft-com:office:office" xmlns:v="urn:schemas-microsoft-com:vml" xmlns:pvml="urn:schemas-microsoft-com:office:powerpoint" xmlns:com="http://schemas.openxmlformats.org/drawingml/2006/compatibility" xmlns:p14="http://schemas.microsoft.com/office/powerpoint/2010/main" xmlns:p15="http://schemas.microsoft.com/office/powerpoint/2012/main" xmlns:ahyp="http://schemas.microsoft.com/office/drawing/2018/hyperlinkcolor">
+<p:sld xmlns:a="http://schemas.openxmlformats.org/drawingml/2006/main" xmlns:r="http://schemas.openxmlformats.org/officeDocument/2006/relationships" xmlns:p="http://schemas.openxmlformats.org/presentationml/2006/main">
   <p:cSld>
     <p:spTree>
       <p:nvGrpSpPr>
-        <p:cNvPr id="90" name="Shape 90"/>
+        <p:cNvPr id="1" name="Shape 90"/>
         <p:cNvGrpSpPr/>
         <p:nvPr/>
       </p:nvGrpSpPr>
@@ -9226,7 +9673,9 @@
       <p:sp>
         <p:nvSpPr>
           <p:cNvPr id="91" name="Google Shape;91;p19"/>
-          <p:cNvSpPr txBox="1"/>
+          <p:cNvSpPr txBox="1">
+            <a:spLocks noGrp="1"/>
+          </p:cNvSpPr>
           <p:nvPr>
             <p:ph type="title"/>
           </p:nvPr>
@@ -9241,12 +9690,12 @@
           </a:prstGeom>
         </p:spPr>
         <p:txBody>
-          <a:bodyPr anchorCtr="0" anchor="t" bIns="91425" lIns="91425" spcFirstLastPara="1" rIns="91425" wrap="square" tIns="91425">
+          <a:bodyPr spcFirstLastPara="1" wrap="square" lIns="91425" tIns="91425" rIns="91425" bIns="91425" anchor="t" anchorCtr="0">
             <a:normAutofit fontScale="90000"/>
           </a:bodyPr>
           <a:lstStyle/>
           <a:p>
-            <a:pPr indent="0" lvl="0" marL="0" rtl="0" algn="l">
+            <a:pPr marL="0" lvl="0" indent="0" algn="l" rtl="0">
               <a:spcBef>
                 <a:spcPts val="0"/>
               </a:spcBef>
@@ -9266,9 +9715,11 @@
       <p:sp>
         <p:nvSpPr>
           <p:cNvPr id="92" name="Google Shape;92;p19"/>
-          <p:cNvSpPr txBox="1"/>
+          <p:cNvSpPr txBox="1">
+            <a:spLocks noGrp="1"/>
+          </p:cNvSpPr>
           <p:nvPr>
-            <p:ph idx="1" type="body"/>
+            <p:ph type="body" idx="1"/>
           </p:nvPr>
         </p:nvSpPr>
         <p:spPr>
@@ -9281,12 +9732,12 @@
           </a:prstGeom>
         </p:spPr>
         <p:txBody>
-          <a:bodyPr anchorCtr="0" anchor="t" bIns="91425" lIns="91425" spcFirstLastPara="1" rIns="91425" wrap="square" tIns="91425">
+          <a:bodyPr spcFirstLastPara="1" wrap="square" lIns="91425" tIns="91425" rIns="91425" bIns="91425" anchor="t" anchorCtr="0">
             <a:normAutofit/>
           </a:bodyPr>
           <a:lstStyle/>
           <a:p>
-            <a:pPr indent="0" lvl="0" marL="0" rtl="0" algn="l">
+            <a:pPr marL="0" lvl="0" indent="0" algn="l" rtl="0">
               <a:spcBef>
                 <a:spcPts val="0"/>
               </a:spcBef>
@@ -9296,19 +9747,73 @@
               <a:buNone/>
             </a:pPr>
             <a:r>
-              <a:rPr lang="en"/>
-              <a:t>[Why is it that points in one image are projected by the fundamental matrix onto epipolar lines in the other image?]</a:t>
+              <a:rPr lang="en-US" dirty="0" err="1"/>
+              <a:t>Epipolar</a:t>
             </a:r>
-            <a:endParaRPr/>
+            <a:r>
+              <a:rPr lang="en-US" dirty="0"/>
+              <a:t> lines are the intersection between the image plane and the </a:t>
+            </a:r>
+            <a:r>
+              <a:rPr lang="en-US" dirty="0" err="1"/>
+              <a:t>epipolar</a:t>
+            </a:r>
+            <a:r>
+              <a:rPr lang="en-US" dirty="0"/>
+              <a:t> plane. The </a:t>
+            </a:r>
+            <a:r>
+              <a:rPr lang="en-US" dirty="0" err="1"/>
+              <a:t>epipolar</a:t>
+            </a:r>
+            <a:r>
+              <a:rPr lang="en-US" dirty="0"/>
+              <a:t> plan is the plane defined be camera1 location, camera 2 location, and target location. The fundamental matrix relates </a:t>
+            </a:r>
+            <a:r>
+              <a:rPr lang="en-US" dirty="0" err="1"/>
+              <a:t>epipolar</a:t>
+            </a:r>
+            <a:r>
+              <a:rPr lang="en-US" dirty="0"/>
+              <a:t> lines from camera1 to camera2. In more simple terms, say we have a pair of </a:t>
+            </a:r>
+            <a:r>
+              <a:rPr lang="en-US" dirty="0" err="1"/>
+              <a:t>epipolar</a:t>
+            </a:r>
+            <a:r>
+              <a:rPr lang="en-US" dirty="0"/>
+              <a:t> lines. Pixels on camera1’s </a:t>
+            </a:r>
+            <a:r>
+              <a:rPr lang="en-US" dirty="0" err="1"/>
+              <a:t>epipolar</a:t>
+            </a:r>
+            <a:r>
+              <a:rPr lang="en-US" dirty="0"/>
+              <a:t> line can only be found on the corresponding </a:t>
+            </a:r>
+            <a:r>
+              <a:rPr lang="en-US" dirty="0" err="1"/>
+              <a:t>epipolar</a:t>
+            </a:r>
+            <a:r>
+              <a:rPr lang="en-US" dirty="0"/>
+              <a:t> line on camera2.</a:t>
+            </a:r>
+            <a:endParaRPr dirty="0"/>
           </a:p>
         </p:txBody>
       </p:sp>
       <p:sp>
         <p:nvSpPr>
           <p:cNvPr id="93" name="Google Shape;93;p19"/>
-          <p:cNvSpPr txBox="1"/>
+          <p:cNvSpPr txBox="1">
+            <a:spLocks noGrp="1"/>
+          </p:cNvSpPr>
           <p:nvPr>
-            <p:ph idx="2" type="body"/>
+            <p:ph type="body" idx="2"/>
           </p:nvPr>
         </p:nvSpPr>
         <p:spPr>
@@ -9321,12 +9826,12 @@
           </a:prstGeom>
         </p:spPr>
         <p:txBody>
-          <a:bodyPr anchorCtr="0" anchor="t" bIns="91425" lIns="91425" spcFirstLastPara="1" rIns="91425" wrap="square" tIns="91425">
+          <a:bodyPr spcFirstLastPara="1" wrap="square" lIns="91425" tIns="91425" rIns="91425" bIns="91425" anchor="t" anchorCtr="0">
             <a:normAutofit/>
           </a:bodyPr>
           <a:lstStyle/>
           <a:p>
-            <a:pPr indent="0" lvl="0" marL="0" rtl="0" algn="l">
+            <a:pPr marL="0" lvl="0" indent="0" algn="l" rtl="0">
               <a:spcBef>
                 <a:spcPts val="0"/>
               </a:spcBef>
@@ -9341,10 +9846,34 @@
               <a:buNone/>
             </a:pPr>
             <a:r>
-              <a:rPr lang="en"/>
-              <a:t>[What happens to the epipoles and epipolar lines when you take two images where the camera centers are within the images? Why?]</a:t>
+              <a:rPr lang="en" dirty="0"/>
+              <a:t>This makes the </a:t>
             </a:r>
-            <a:endParaRPr/>
+            <a:r>
+              <a:rPr lang="en" dirty="0" err="1"/>
+              <a:t>epipolar</a:t>
+            </a:r>
+            <a:r>
+              <a:rPr lang="en" dirty="0"/>
+              <a:t> lines converge onto one point on the images. This because the location of camera2 is in camera1’s view, say at pixel image coordinates (a1, a2) and real coordinates (r1, r2, r3). Camera2’s center point will be (b1,b2) which is (r1, r2, r3) in real coordinates. That means every feature that pixels away from (r1,r2,r3) expand from that center location. This causes the </a:t>
+            </a:r>
+            <a:r>
+              <a:rPr lang="en" dirty="0" err="1"/>
+              <a:t>epipolar</a:t>
+            </a:r>
+            <a:r>
+              <a:rPr lang="en" dirty="0"/>
+              <a:t> lines to extrude from that </a:t>
+            </a:r>
+            <a:r>
+              <a:rPr lang="en" dirty="0" err="1"/>
+              <a:t>centerpoint</a:t>
+            </a:r>
+            <a:r>
+              <a:rPr lang="en" dirty="0"/>
+              <a:t>. </a:t>
+            </a:r>
+            <a:endParaRPr dirty="0"/>
           </a:p>
         </p:txBody>
       </p:sp>
@@ -9357,11 +9886,11 @@
 </file>
 
 <file path=ppt/slides/slide7.xml><?xml version="1.0" encoding="utf-8"?>
-<p:sld xmlns:a="http://schemas.openxmlformats.org/drawingml/2006/main" xmlns:r="http://schemas.openxmlformats.org/officeDocument/2006/relationships" xmlns:mc="http://schemas.openxmlformats.org/markup-compatibility/2006" xmlns:mv="urn:schemas-microsoft-com:mac:vml" xmlns:p="http://schemas.openxmlformats.org/presentationml/2006/main" xmlns:c="http://schemas.openxmlformats.org/drawingml/2006/chart" xmlns:dgm="http://schemas.openxmlformats.org/drawingml/2006/diagram" xmlns:o="urn:schemas-microsoft-com:office:office" xmlns:v="urn:schemas-microsoft-com:vml" xmlns:pvml="urn:schemas-microsoft-com:office:powerpoint" xmlns:com="http://schemas.openxmlformats.org/drawingml/2006/compatibility" xmlns:p14="http://schemas.microsoft.com/office/powerpoint/2010/main" xmlns:p15="http://schemas.microsoft.com/office/powerpoint/2012/main" xmlns:ahyp="http://schemas.microsoft.com/office/drawing/2018/hyperlinkcolor">
+<p:sld xmlns:a="http://schemas.openxmlformats.org/drawingml/2006/main" xmlns:r="http://schemas.openxmlformats.org/officeDocument/2006/relationships" xmlns:p="http://schemas.openxmlformats.org/presentationml/2006/main">
   <p:cSld>
     <p:spTree>
       <p:nvGrpSpPr>
-        <p:cNvPr id="97" name="Shape 97"/>
+        <p:cNvPr id="1" name="Shape 97"/>
         <p:cNvGrpSpPr/>
         <p:nvPr/>
       </p:nvGrpSpPr>
@@ -9376,7 +9905,9 @@
       <p:sp>
         <p:nvSpPr>
           <p:cNvPr id="98" name="Google Shape;98;p20"/>
-          <p:cNvSpPr txBox="1"/>
+          <p:cNvSpPr txBox="1">
+            <a:spLocks noGrp="1"/>
+          </p:cNvSpPr>
           <p:nvPr>
             <p:ph type="title"/>
           </p:nvPr>
@@ -9391,12 +9922,12 @@
           </a:prstGeom>
         </p:spPr>
         <p:txBody>
-          <a:bodyPr anchorCtr="0" anchor="t" bIns="91425" lIns="91425" spcFirstLastPara="1" rIns="91425" wrap="square" tIns="91425">
+          <a:bodyPr spcFirstLastPara="1" wrap="square" lIns="91425" tIns="91425" rIns="91425" bIns="91425" anchor="t" anchorCtr="0">
             <a:normAutofit fontScale="90000"/>
           </a:bodyPr>
           <a:lstStyle/>
           <a:p>
-            <a:pPr indent="0" lvl="0" marL="0" rtl="0" algn="l">
+            <a:pPr marL="0" lvl="0" indent="0" algn="l" rtl="0">
               <a:spcBef>
                 <a:spcPts val="0"/>
               </a:spcBef>
@@ -9416,9 +9947,11 @@
       <p:sp>
         <p:nvSpPr>
           <p:cNvPr id="99" name="Google Shape;99;p20"/>
-          <p:cNvSpPr txBox="1"/>
+          <p:cNvSpPr txBox="1">
+            <a:spLocks noGrp="1"/>
+          </p:cNvSpPr>
           <p:nvPr>
-            <p:ph idx="1" type="body"/>
+            <p:ph type="body" idx="1"/>
           </p:nvPr>
         </p:nvSpPr>
         <p:spPr>
@@ -9431,14 +9964,14 @@
           </a:prstGeom>
         </p:spPr>
         <p:txBody>
-          <a:bodyPr anchorCtr="0" anchor="t" bIns="91425" lIns="91425" spcFirstLastPara="1" rIns="91425" wrap="square" tIns="91425">
-            <a:normAutofit/>
+          <a:bodyPr spcFirstLastPara="1" wrap="square" lIns="91425" tIns="91425" rIns="91425" bIns="91425" anchor="t" anchorCtr="0">
+            <a:normAutofit fontScale="92500" lnSpcReduction="20000"/>
           </a:bodyPr>
           <a:lstStyle/>
           <a:p>
-            <a:pPr indent="0" lvl="0" marL="0" rtl="0" algn="l">
-              <a:spcBef>
-                <a:spcPts val="0"/>
+            <a:pPr marL="0" lvl="0" indent="0" algn="l" rtl="0">
+              <a:spcBef>
+                <a:spcPts val="1200"/>
               </a:spcBef>
               <a:spcAft>
                 <a:spcPts val="0"/>
@@ -9451,115 +9984,65 @@
               <a:buNone/>
             </a:pPr>
             <a:r>
-              <a:rPr lang="en"/>
-              <a:t>[What does it mean when your epipolar lines are all horizontal across the two images?]</a:t>
+              <a:rPr lang="en-US" dirty="0"/>
+              <a:t>This means there was a horizontal movement between the two images. One point (</a:t>
             </a:r>
-            <a:endParaRPr/>
+            <a:r>
+              <a:rPr lang="en-US" dirty="0" err="1"/>
+              <a:t>x,y</a:t>
+            </a:r>
+            <a:r>
+              <a:rPr lang="en-US" dirty="0"/>
+              <a:t>) in image1 will be (</a:t>
+            </a:r>
+            <a:r>
+              <a:rPr lang="en-US" dirty="0" err="1"/>
+              <a:t>x+k,y</a:t>
+            </a:r>
+            <a:r>
+              <a:rPr lang="en-US" dirty="0"/>
+              <a:t>) in image2. Connecting these two points will give horizontal lines across the image. </a:t>
+            </a:r>
+            <a:endParaRPr dirty="0"/>
           </a:p>
           <a:p>
-            <a:pPr indent="0" lvl="0" marL="0" rtl="0" algn="l">
+            <a:pPr marL="0" lvl="0" indent="0" algn="l" rtl="0">
               <a:spcBef>
                 <a:spcPts val="1200"/>
               </a:spcBef>
               <a:spcAft>
-                <a:spcPts val="0"/>
-              </a:spcAft>
-              <a:buClr>
-                <a:schemeClr val="dk1"/>
-              </a:buClr>
-              <a:buSzPts val="1100"/>
-              <a:buFont typeface="Arial"/>
+                <a:spcPts val="1200"/>
+              </a:spcAft>
+              <a:buNone/>
+            </a:pPr>
+            <a:endParaRPr lang="en-US" dirty="0"/>
+          </a:p>
+          <a:p>
+            <a:pPr marL="0" lvl="0" indent="0" algn="l" rtl="0">
+              <a:spcBef>
+                <a:spcPts val="1200"/>
+              </a:spcBef>
+              <a:spcAft>
+                <a:spcPts val="1200"/>
+              </a:spcAft>
               <a:buNone/>
             </a:pPr>
             <a:r>
-              <a:t/>
+              <a:rPr lang="en-US" dirty="0"/>
+              <a:t>Once we find the F that solves the fundamental matrix equation, we can multiply that F by any factor and still be able to solve the fundamental matrix equation. This is due the the fact that there are 7 degrees of freedom with 9 elements. Thus, there are infinite possible F’s but by finding one F, we can find all other F’s. </a:t>
             </a:r>
-            <a:endParaRPr/>
-          </a:p>
-          <a:p>
-            <a:pPr indent="0" lvl="0" marL="0" rtl="0" algn="l">
-              <a:spcBef>
-                <a:spcPts val="1200"/>
-              </a:spcBef>
-              <a:spcAft>
-                <a:spcPts val="0"/>
-              </a:spcAft>
-              <a:buClr>
-                <a:schemeClr val="dk1"/>
-              </a:buClr>
-              <a:buSzPts val="1100"/>
-              <a:buFont typeface="Arial"/>
-              <a:buNone/>
-            </a:pPr>
-            <a:r>
-              <a:t/>
-            </a:r>
-            <a:endParaRPr/>
-          </a:p>
-          <a:p>
-            <a:pPr indent="0" lvl="0" marL="0" rtl="0" algn="l">
-              <a:spcBef>
-                <a:spcPts val="1200"/>
-              </a:spcBef>
-              <a:spcAft>
-                <a:spcPts val="0"/>
-              </a:spcAft>
-              <a:buClr>
-                <a:schemeClr val="dk1"/>
-              </a:buClr>
-              <a:buSzPts val="1100"/>
-              <a:buFont typeface="Arial"/>
-              <a:buNone/>
-            </a:pPr>
-            <a:r>
-              <a:t/>
-            </a:r>
-            <a:endParaRPr/>
-          </a:p>
-          <a:p>
-            <a:pPr indent="0" lvl="0" marL="0" rtl="0" algn="l">
-              <a:spcBef>
-                <a:spcPts val="1200"/>
-              </a:spcBef>
-              <a:spcAft>
-                <a:spcPts val="0"/>
-              </a:spcAft>
-              <a:buClr>
-                <a:schemeClr val="dk1"/>
-              </a:buClr>
-              <a:buSzPts val="1100"/>
-              <a:buFont typeface="Arial"/>
-              <a:buNone/>
-            </a:pPr>
-            <a:r>
-              <a:rPr lang="en"/>
-              <a:t>[Why is the fundamental matrix defined up to a scale?</a:t>
-            </a:r>
-            <a:endParaRPr/>
-          </a:p>
-          <a:p>
-            <a:pPr indent="0" lvl="0" marL="0" rtl="0" algn="l">
-              <a:spcBef>
-                <a:spcPts val="1200"/>
-              </a:spcBef>
-              <a:spcAft>
-                <a:spcPts val="1200"/>
-              </a:spcAft>
-              <a:buNone/>
-            </a:pPr>
-            <a:r>
-              <a:t/>
-            </a:r>
-            <a:endParaRPr/>
+            <a:endParaRPr dirty="0"/>
           </a:p>
         </p:txBody>
       </p:sp>
       <p:sp>
         <p:nvSpPr>
           <p:cNvPr id="100" name="Google Shape;100;p20"/>
-          <p:cNvSpPr txBox="1"/>
+          <p:cNvSpPr txBox="1">
+            <a:spLocks noGrp="1"/>
+          </p:cNvSpPr>
           <p:nvPr>
-            <p:ph idx="2" type="body"/>
+            <p:ph type="body" idx="2"/>
           </p:nvPr>
         </p:nvSpPr>
         <p:spPr>
@@ -9572,12 +10055,12 @@
           </a:prstGeom>
         </p:spPr>
         <p:txBody>
-          <a:bodyPr anchorCtr="0" anchor="t" bIns="91425" lIns="91425" spcFirstLastPara="1" rIns="91425" wrap="square" tIns="91425">
+          <a:bodyPr spcFirstLastPara="1" wrap="square" lIns="91425" tIns="91425" rIns="91425" bIns="91425" anchor="t" anchorCtr="0">
             <a:normAutofit/>
           </a:bodyPr>
           <a:lstStyle/>
           <a:p>
-            <a:pPr indent="0" lvl="0" marL="0" rtl="0" algn="l">
+            <a:pPr marL="0" lvl="0" indent="0" algn="l" rtl="0">
               <a:spcBef>
                 <a:spcPts val="0"/>
               </a:spcBef>
@@ -9587,10 +10070,26 @@
               <a:buNone/>
             </a:pPr>
             <a:r>
-              <a:rPr lang="en"/>
-              <a:t>[Why is the fundamental matrix rank 2?]</a:t>
+              <a:rPr lang="en-US" dirty="0"/>
+              <a:t>The fundamental matrix maps a point in the </a:t>
             </a:r>
-            <a:endParaRPr/>
+            <a:r>
+              <a:rPr lang="en-US" dirty="0" err="1"/>
+              <a:t>epipolar</a:t>
+            </a:r>
+            <a:r>
+              <a:rPr lang="en-US" dirty="0"/>
+              <a:t> plane to an </a:t>
+            </a:r>
+            <a:r>
+              <a:rPr lang="en-US" dirty="0" err="1"/>
+              <a:t>epipolar</a:t>
+            </a:r>
+            <a:r>
+              <a:rPr lang="en-US" dirty="0"/>
+              <a:t> line, reducing the dimensions by 1. Another explanation is that it is based off of the essential matrix which is also rank2. </a:t>
+            </a:r>
+            <a:endParaRPr dirty="0"/>
           </a:p>
         </p:txBody>
       </p:sp>
@@ -9603,11 +10102,11 @@
 </file>
 
 <file path=ppt/slides/slide8.xml><?xml version="1.0" encoding="utf-8"?>
-<p:sld xmlns:a="http://schemas.openxmlformats.org/drawingml/2006/main" xmlns:r="http://schemas.openxmlformats.org/officeDocument/2006/relationships" xmlns:mc="http://schemas.openxmlformats.org/markup-compatibility/2006" xmlns:mv="urn:schemas-microsoft-com:mac:vml" xmlns:p="http://schemas.openxmlformats.org/presentationml/2006/main" xmlns:c="http://schemas.openxmlformats.org/drawingml/2006/chart" xmlns:dgm="http://schemas.openxmlformats.org/drawingml/2006/diagram" xmlns:o="urn:schemas-microsoft-com:office:office" xmlns:v="urn:schemas-microsoft-com:vml" xmlns:pvml="urn:schemas-microsoft-com:office:powerpoint" xmlns:com="http://schemas.openxmlformats.org/drawingml/2006/compatibility" xmlns:p14="http://schemas.microsoft.com/office/powerpoint/2010/main" xmlns:p15="http://schemas.microsoft.com/office/powerpoint/2012/main" xmlns:ahyp="http://schemas.microsoft.com/office/drawing/2018/hyperlinkcolor">
+<p:sld xmlns:a="http://schemas.openxmlformats.org/drawingml/2006/main" xmlns:r="http://schemas.openxmlformats.org/officeDocument/2006/relationships" xmlns:p="http://schemas.openxmlformats.org/presentationml/2006/main">
   <p:cSld>
     <p:spTree>
       <p:nvGrpSpPr>
-        <p:cNvPr id="104" name="Shape 104"/>
+        <p:cNvPr id="1" name="Shape 104"/>
         <p:cNvGrpSpPr/>
         <p:nvPr/>
       </p:nvGrpSpPr>
@@ -9622,7 +10121,9 @@
       <p:sp>
         <p:nvSpPr>
           <p:cNvPr id="105" name="Google Shape;105;p21"/>
-          <p:cNvSpPr txBox="1"/>
+          <p:cNvSpPr txBox="1">
+            <a:spLocks noGrp="1"/>
+          </p:cNvSpPr>
           <p:nvPr>
             <p:ph type="title"/>
           </p:nvPr>
@@ -9637,12 +10138,12 @@
           </a:prstGeom>
         </p:spPr>
         <p:txBody>
-          <a:bodyPr anchorCtr="0" anchor="t" bIns="91425" lIns="91425" spcFirstLastPara="1" rIns="91425" wrap="square" tIns="91425">
+          <a:bodyPr spcFirstLastPara="1" wrap="square" lIns="91425" tIns="91425" rIns="91425" bIns="91425" anchor="t" anchorCtr="0">
             <a:normAutofit fontScale="90000"/>
           </a:bodyPr>
           <a:lstStyle/>
           <a:p>
-            <a:pPr indent="0" lvl="0" marL="0" rtl="0" algn="l">
+            <a:pPr marL="0" lvl="0" indent="0" algn="l" rtl="0">
               <a:spcBef>
                 <a:spcPts val="0"/>
               </a:spcBef>
@@ -9662,9 +10163,11 @@
       <p:sp>
         <p:nvSpPr>
           <p:cNvPr id="106" name="Google Shape;106;p21"/>
-          <p:cNvSpPr txBox="1"/>
+          <p:cNvSpPr txBox="1">
+            <a:spLocks noGrp="1"/>
+          </p:cNvSpPr>
           <p:nvPr>
-            <p:ph idx="1" type="body"/>
+            <p:ph type="body" idx="1"/>
           </p:nvPr>
         </p:nvSpPr>
         <p:spPr>
@@ -9677,12 +10180,12 @@
           </a:prstGeom>
         </p:spPr>
         <p:txBody>
-          <a:bodyPr anchorCtr="0" anchor="t" bIns="91425" lIns="91425" spcFirstLastPara="1" rIns="91425" wrap="square" tIns="91425">
+          <a:bodyPr spcFirstLastPara="1" wrap="square" lIns="91425" tIns="91425" rIns="91425" bIns="91425" anchor="t" anchorCtr="0">
             <a:normAutofit/>
           </a:bodyPr>
           <a:lstStyle/>
           <a:p>
-            <a:pPr indent="0" lvl="0" marL="0" rtl="0" algn="l">
+            <a:pPr marL="0" lvl="0" indent="0" algn="l" rtl="0">
               <a:spcBef>
                 <a:spcPts val="0"/>
               </a:spcBef>
@@ -9699,6 +10202,36 @@
           </a:p>
         </p:txBody>
       </p:sp>
+      <p:pic>
+        <p:nvPicPr>
+          <p:cNvPr id="5" name="Picture 4" descr="A picture containing text&#10;&#10;Description automatically generated">
+            <a:extLst>
+              <a:ext uri="{FF2B5EF4-FFF2-40B4-BE49-F238E27FC236}">
+                <a16:creationId xmlns:a16="http://schemas.microsoft.com/office/drawing/2014/main" id="{E58B9E67-A2CE-2A4B-8DF2-985A70886E3F}"/>
+              </a:ext>
+            </a:extLst>
+          </p:cNvPr>
+          <p:cNvPicPr>
+            <a:picLocks noChangeAspect="1"/>
+          </p:cNvPicPr>
+          <p:nvPr/>
+        </p:nvPicPr>
+        <p:blipFill>
+          <a:blip r:embed="rId3"/>
+          <a:stretch>
+            <a:fillRect/>
+          </a:stretch>
+        </p:blipFill>
+        <p:spPr>
+          <a:xfrm>
+            <a:off x="244723" y="949573"/>
+            <a:ext cx="6005002" cy="4012958"/>
+          </a:xfrm>
+          <a:prstGeom prst="rect">
+            <a:avLst/>
+          </a:prstGeom>
+        </p:spPr>
+      </p:pic>
     </p:spTree>
   </p:cSld>
   <p:clrMapOvr>
@@ -9708,11 +10241,11 @@
 </file>
 
 <file path=ppt/slides/slide9.xml><?xml version="1.0" encoding="utf-8"?>
-<p:sld xmlns:a="http://schemas.openxmlformats.org/drawingml/2006/main" xmlns:r="http://schemas.openxmlformats.org/officeDocument/2006/relationships" xmlns:mc="http://schemas.openxmlformats.org/markup-compatibility/2006" xmlns:mv="urn:schemas-microsoft-com:mac:vml" xmlns:p="http://schemas.openxmlformats.org/presentationml/2006/main" xmlns:c="http://schemas.openxmlformats.org/drawingml/2006/chart" xmlns:dgm="http://schemas.openxmlformats.org/drawingml/2006/diagram" xmlns:o="urn:schemas-microsoft-com:office:office" xmlns:v="urn:schemas-microsoft-com:vml" xmlns:pvml="urn:schemas-microsoft-com:office:powerpoint" xmlns:com="http://schemas.openxmlformats.org/drawingml/2006/compatibility" xmlns:p14="http://schemas.microsoft.com/office/powerpoint/2010/main" xmlns:p15="http://schemas.microsoft.com/office/powerpoint/2012/main" xmlns:ahyp="http://schemas.microsoft.com/office/drawing/2018/hyperlinkcolor">
+<p:sld xmlns:a="http://schemas.openxmlformats.org/drawingml/2006/main" xmlns:r="http://schemas.openxmlformats.org/officeDocument/2006/relationships" xmlns:p="http://schemas.openxmlformats.org/presentationml/2006/main">
   <p:cSld>
     <p:spTree>
       <p:nvGrpSpPr>
-        <p:cNvPr id="110" name="Shape 110"/>
+        <p:cNvPr id="1" name="Shape 110"/>
         <p:cNvGrpSpPr/>
         <p:nvPr/>
       </p:nvGrpSpPr>
@@ -9727,7 +10260,9 @@
       <p:sp>
         <p:nvSpPr>
           <p:cNvPr id="111" name="Google Shape;111;p22"/>
-          <p:cNvSpPr txBox="1"/>
+          <p:cNvSpPr txBox="1">
+            <a:spLocks noGrp="1"/>
+          </p:cNvSpPr>
           <p:nvPr>
             <p:ph type="title"/>
           </p:nvPr>
@@ -9742,12 +10277,12 @@
           </a:prstGeom>
         </p:spPr>
         <p:txBody>
-          <a:bodyPr anchorCtr="0" anchor="t" bIns="91425" lIns="91425" spcFirstLastPara="1" rIns="91425" wrap="square" tIns="91425">
+          <a:bodyPr spcFirstLastPara="1" wrap="square" lIns="91425" tIns="91425" rIns="91425" bIns="91425" anchor="t" anchorCtr="0">
             <a:normAutofit fontScale="90000"/>
           </a:bodyPr>
           <a:lstStyle/>
           <a:p>
-            <a:pPr indent="0" lvl="0" marL="0" rtl="0" algn="l">
+            <a:pPr marL="0" lvl="0" indent="0" algn="l" rtl="0">
               <a:spcBef>
                 <a:spcPts val="0"/>
               </a:spcBef>
@@ -9767,9 +10302,11 @@
       <p:sp>
         <p:nvSpPr>
           <p:cNvPr id="112" name="Google Shape;112;p22"/>
-          <p:cNvSpPr txBox="1"/>
+          <p:cNvSpPr txBox="1">
+            <a:spLocks noGrp="1"/>
+          </p:cNvSpPr>
           <p:nvPr>
-            <p:ph idx="1" type="body"/>
+            <p:ph type="body" idx="1"/>
           </p:nvPr>
         </p:nvSpPr>
         <p:spPr>
@@ -9782,12 +10319,12 @@
           </a:prstGeom>
         </p:spPr>
         <p:txBody>
-          <a:bodyPr anchorCtr="0" anchor="t" bIns="91425" lIns="91425" spcFirstLastPara="1" rIns="91425" wrap="square" tIns="91425">
+          <a:bodyPr spcFirstLastPara="1" wrap="square" lIns="91425" tIns="91425" rIns="91425" bIns="91425" anchor="t" anchorCtr="0">
             <a:normAutofit/>
           </a:bodyPr>
           <a:lstStyle/>
           <a:p>
-            <a:pPr indent="0" lvl="0" marL="0" rtl="0" algn="l">
+            <a:pPr marL="0" lvl="0" indent="0" algn="l" rtl="0">
               <a:spcBef>
                 <a:spcPts val="0"/>
               </a:spcBef>
@@ -9804,6 +10341,36 @@
           </a:p>
         </p:txBody>
       </p:sp>
+      <p:pic>
+        <p:nvPicPr>
+          <p:cNvPr id="3" name="Picture 2" descr="A picture containing text&#10;&#10;Description automatically generated">
+            <a:extLst>
+              <a:ext uri="{FF2B5EF4-FFF2-40B4-BE49-F238E27FC236}">
+                <a16:creationId xmlns:a16="http://schemas.microsoft.com/office/drawing/2014/main" id="{507F417E-BA17-294B-A0AE-8E9D9E59CAB1}"/>
+              </a:ext>
+            </a:extLst>
+          </p:cNvPr>
+          <p:cNvPicPr>
+            <a:picLocks noChangeAspect="1"/>
+          </p:cNvPicPr>
+          <p:nvPr/>
+        </p:nvPicPr>
+        <p:blipFill>
+          <a:blip r:embed="rId3"/>
+          <a:stretch>
+            <a:fillRect/>
+          </a:stretch>
+        </p:blipFill>
+        <p:spPr>
+          <a:xfrm>
+            <a:off x="316823" y="1024340"/>
+            <a:ext cx="6815497" cy="4119160"/>
+          </a:xfrm>
+          <a:prstGeom prst="rect">
+            <a:avLst/>
+          </a:prstGeom>
+        </p:spPr>
+      </p:pic>
     </p:spTree>
   </p:cSld>
   <p:clrMapOvr>
@@ -9813,7 +10380,7 @@
 </file>
 
 <file path=ppt/theme/theme1.xml><?xml version="1.0" encoding="utf-8"?>
-<a:theme xmlns:a="http://schemas.openxmlformats.org/drawingml/2006/main" xmlns:r="http://schemas.openxmlformats.org/officeDocument/2006/relationships" name="Simple Light">
+<a:theme xmlns:a="http://schemas.openxmlformats.org/drawingml/2006/main" name="Simple Light">
   <a:themeElements>
     <a:clrScheme name="Simple Light">
       <a:dk1>
@@ -10088,11 +10655,13 @@
       </a:bgFillStyleLst>
     </a:fmtScheme>
   </a:themeElements>
+  <a:objectDefaults/>
+  <a:extraClrSchemeLst/>
 </a:theme>
 </file>
 
 <file path=ppt/theme/theme2.xml><?xml version="1.0" encoding="utf-8"?>
-<a:theme xmlns:a="http://schemas.openxmlformats.org/drawingml/2006/main" xmlns:r="http://schemas.openxmlformats.org/officeDocument/2006/relationships">
+<a:theme xmlns:a="http://schemas.openxmlformats.org/drawingml/2006/main">
   <a:themeElements>
     <a:clrScheme name="Default">
       <a:dk1>
@@ -10367,5 +10936,7 @@
       </a:bgFillStyleLst>
     </a:fmtScheme>
   </a:themeElements>
+  <a:objectDefaults/>
+  <a:extraClrSchemeLst/>
 </a:theme>
 </file>